--- a/Slides/PH223_Lecture_03.pptx
+++ b/Slides/PH223_Lecture_03.pptx
@@ -5,31 +5,39 @@
     <p:sldMasterId id="2147483648" r:id="rId1"/>
   </p:sldMasterIdLst>
   <p:notesMasterIdLst>
-    <p:notesMasterId r:id="rId24"/>
+    <p:notesMasterId r:id="rId32"/>
   </p:notesMasterIdLst>
   <p:sldIdLst>
-    <p:sldId id="258" r:id="rId2"/>
-    <p:sldId id="259" r:id="rId3"/>
-    <p:sldId id="260" r:id="rId4"/>
-    <p:sldId id="276" r:id="rId5"/>
-    <p:sldId id="261" r:id="rId6"/>
-    <p:sldId id="262" r:id="rId7"/>
-    <p:sldId id="263" r:id="rId8"/>
-    <p:sldId id="264" r:id="rId9"/>
-    <p:sldId id="273" r:id="rId10"/>
-    <p:sldId id="274" r:id="rId11"/>
-    <p:sldId id="275" r:id="rId12"/>
-    <p:sldId id="265" r:id="rId13"/>
-    <p:sldId id="266" r:id="rId14"/>
-    <p:sldId id="267" r:id="rId15"/>
-    <p:sldId id="268" r:id="rId16"/>
-    <p:sldId id="269" r:id="rId17"/>
-    <p:sldId id="270" r:id="rId18"/>
-    <p:sldId id="271" r:id="rId19"/>
-    <p:sldId id="272" r:id="rId20"/>
-    <p:sldId id="257" r:id="rId21"/>
-    <p:sldId id="277" r:id="rId22"/>
-    <p:sldId id="256" r:id="rId23"/>
+    <p:sldId id="404" r:id="rId2"/>
+    <p:sldId id="258" r:id="rId3"/>
+    <p:sldId id="548" r:id="rId4"/>
+    <p:sldId id="1446" r:id="rId5"/>
+    <p:sldId id="259" r:id="rId6"/>
+    <p:sldId id="260" r:id="rId7"/>
+    <p:sldId id="276" r:id="rId8"/>
+    <p:sldId id="261" r:id="rId9"/>
+    <p:sldId id="593" r:id="rId10"/>
+    <p:sldId id="594" r:id="rId11"/>
+    <p:sldId id="596" r:id="rId12"/>
+    <p:sldId id="1061" r:id="rId13"/>
+    <p:sldId id="262" r:id="rId14"/>
+    <p:sldId id="263" r:id="rId15"/>
+    <p:sldId id="264" r:id="rId16"/>
+    <p:sldId id="273" r:id="rId17"/>
+    <p:sldId id="274" r:id="rId18"/>
+    <p:sldId id="275" r:id="rId19"/>
+    <p:sldId id="1374" r:id="rId20"/>
+    <p:sldId id="265" r:id="rId21"/>
+    <p:sldId id="266" r:id="rId22"/>
+    <p:sldId id="267" r:id="rId23"/>
+    <p:sldId id="268" r:id="rId24"/>
+    <p:sldId id="269" r:id="rId25"/>
+    <p:sldId id="270" r:id="rId26"/>
+    <p:sldId id="271" r:id="rId27"/>
+    <p:sldId id="272" r:id="rId28"/>
+    <p:sldId id="257" r:id="rId29"/>
+    <p:sldId id="277" r:id="rId30"/>
+    <p:sldId id="256" r:id="rId31"/>
   </p:sldIdLst>
   <p:sldSz cx="9144000" cy="6858000" type="screen4x3"/>
   <p:notesSz cx="6858000" cy="9144000"/>
@@ -128,7 +136,148 @@
       </a:defRPr>
     </a:lvl9pPr>
   </p:defaultTextStyle>
+  <p:extLst>
+    <p:ext uri="{EFAFB233-063F-42B5-8137-9DF3F51BA10A}">
+      <p15:sldGuideLst xmlns:p15="http://schemas.microsoft.com/office/powerpoint/2012/main">
+        <p15:guide id="1" orient="horz" pos="2160">
+          <p15:clr>
+            <a:srgbClr val="A4A3A4"/>
+          </p15:clr>
+        </p15:guide>
+        <p15:guide id="2" pos="2880">
+          <p15:clr>
+            <a:srgbClr val="A4A3A4"/>
+          </p15:clr>
+        </p15:guide>
+      </p15:sldGuideLst>
+    </p:ext>
+  </p:extLst>
 </p:presentation>
+</file>
+
+<file path=ppt/revisionInfo.xml><?xml version="1.0" encoding="utf-8"?>
+<p1510:revInfo xmlns:a="http://schemas.openxmlformats.org/drawingml/2006/main" xmlns:r="http://schemas.openxmlformats.org/officeDocument/2006/relationships" xmlns:p1510="http://schemas.microsoft.com/office/powerpoint/2015/10/main">
+  <p1510:revLst>
+    <p1510:client id="{2CAF3242-9036-4521-8933-75EA6736D8A3}" v="7" dt="2023-09-12T23:57:33.205"/>
+  </p1510:revLst>
+</p1510:revInfo>
+</file>
+
+<file path=ppt/changesInfos/changesInfo1.xml><?xml version="1.0" encoding="utf-8"?>
+<pc:chgInfo xmlns:a="http://schemas.openxmlformats.org/drawingml/2006/main" xmlns:r="http://schemas.openxmlformats.org/officeDocument/2006/relationships" xmlns:ac="http://schemas.microsoft.com/office/drawing/2013/main/command" xmlns:pc="http://schemas.microsoft.com/office/powerpoint/2013/main/command">
+  <pc:docChgLst>
+    <pc:chgData name="Lines, Todd" userId="afaf7c3a-e8aa-4568-882a-02ad8f9e19b0" providerId="ADAL" clId="{2CAF3242-9036-4521-8933-75EA6736D8A3}"/>
+    <pc:docChg chg="custSel addSld modSld sldOrd">
+      <pc:chgData name="Lines, Todd" userId="afaf7c3a-e8aa-4568-882a-02ad8f9e19b0" providerId="ADAL" clId="{2CAF3242-9036-4521-8933-75EA6736D8A3}" dt="2023-09-12T23:57:33.205" v="18"/>
+      <pc:docMkLst>
+        <pc:docMk/>
+      </pc:docMkLst>
+      <pc:sldChg chg="delSp modSp mod">
+        <pc:chgData name="Lines, Todd" userId="afaf7c3a-e8aa-4568-882a-02ad8f9e19b0" providerId="ADAL" clId="{2CAF3242-9036-4521-8933-75EA6736D8A3}" dt="2023-09-12T23:46:01.931" v="12" actId="14100"/>
+        <pc:sldMkLst>
+          <pc:docMk/>
+          <pc:sldMk cId="0" sldId="259"/>
+        </pc:sldMkLst>
+        <pc:spChg chg="del">
+          <ac:chgData name="Lines, Todd" userId="afaf7c3a-e8aa-4568-882a-02ad8f9e19b0" providerId="ADAL" clId="{2CAF3242-9036-4521-8933-75EA6736D8A3}" dt="2023-09-12T23:45:59.055" v="11" actId="478"/>
+          <ac:spMkLst>
+            <pc:docMk/>
+            <pc:sldMk cId="0" sldId="259"/>
+            <ac:spMk id="9" creationId="{00000000-0000-0000-0000-000000000000}"/>
+          </ac:spMkLst>
+        </pc:spChg>
+        <pc:spChg chg="mod">
+          <ac:chgData name="Lines, Todd" userId="afaf7c3a-e8aa-4568-882a-02ad8f9e19b0" providerId="ADAL" clId="{2CAF3242-9036-4521-8933-75EA6736D8A3}" dt="2023-09-12T23:46:01.931" v="12" actId="14100"/>
+          <ac:spMkLst>
+            <pc:docMk/>
+            <pc:sldMk cId="0" sldId="259"/>
+            <ac:spMk id="50182" creationId="{00000000-0000-0000-0000-000000000000}"/>
+          </ac:spMkLst>
+        </pc:spChg>
+      </pc:sldChg>
+      <pc:sldChg chg="add">
+        <pc:chgData name="Lines, Todd" userId="afaf7c3a-e8aa-4568-882a-02ad8f9e19b0" providerId="ADAL" clId="{2CAF3242-9036-4521-8933-75EA6736D8A3}" dt="2023-09-12T23:40:32.666" v="0"/>
+        <pc:sldMkLst>
+          <pc:docMk/>
+          <pc:sldMk cId="0" sldId="404"/>
+        </pc:sldMkLst>
+      </pc:sldChg>
+      <pc:sldChg chg="delSp modSp add mod">
+        <pc:chgData name="Lines, Todd" userId="afaf7c3a-e8aa-4568-882a-02ad8f9e19b0" providerId="ADAL" clId="{2CAF3242-9036-4521-8933-75EA6736D8A3}" dt="2023-09-12T23:41:41.164" v="9" actId="15"/>
+        <pc:sldMkLst>
+          <pc:docMk/>
+          <pc:sldMk cId="0" sldId="548"/>
+        </pc:sldMkLst>
+        <pc:spChg chg="mod">
+          <ac:chgData name="Lines, Todd" userId="afaf7c3a-e8aa-4568-882a-02ad8f9e19b0" providerId="ADAL" clId="{2CAF3242-9036-4521-8933-75EA6736D8A3}" dt="2023-09-12T23:41:41.164" v="9" actId="15"/>
+          <ac:spMkLst>
+            <pc:docMk/>
+            <pc:sldMk cId="0" sldId="548"/>
+            <ac:spMk id="433155" creationId="{00000000-0000-0000-0000-000000000000}"/>
+          </ac:spMkLst>
+        </pc:spChg>
+        <pc:grpChg chg="del">
+          <ac:chgData name="Lines, Todd" userId="afaf7c3a-e8aa-4568-882a-02ad8f9e19b0" providerId="ADAL" clId="{2CAF3242-9036-4521-8933-75EA6736D8A3}" dt="2023-09-12T23:40:56.883" v="2" actId="478"/>
+          <ac:grpSpMkLst>
+            <pc:docMk/>
+            <pc:sldMk cId="0" sldId="548"/>
+            <ac:grpSpMk id="45061" creationId="{00000000-0000-0000-0000-000000000000}"/>
+          </ac:grpSpMkLst>
+        </pc:grpChg>
+        <pc:grpChg chg="del">
+          <ac:chgData name="Lines, Todd" userId="afaf7c3a-e8aa-4568-882a-02ad8f9e19b0" providerId="ADAL" clId="{2CAF3242-9036-4521-8933-75EA6736D8A3}" dt="2023-09-12T23:40:58.688" v="3" actId="478"/>
+          <ac:grpSpMkLst>
+            <pc:docMk/>
+            <pc:sldMk cId="0" sldId="548"/>
+            <ac:grpSpMk id="45062" creationId="{00000000-0000-0000-0000-000000000000}"/>
+          </ac:grpSpMkLst>
+        </pc:grpChg>
+      </pc:sldChg>
+      <pc:sldChg chg="add ord">
+        <pc:chgData name="Lines, Todd" userId="afaf7c3a-e8aa-4568-882a-02ad8f9e19b0" providerId="ADAL" clId="{2CAF3242-9036-4521-8933-75EA6736D8A3}" dt="2023-09-12T23:46:19.328" v="15"/>
+        <pc:sldMkLst>
+          <pc:docMk/>
+          <pc:sldMk cId="0" sldId="593"/>
+        </pc:sldMkLst>
+      </pc:sldChg>
+      <pc:sldChg chg="add">
+        <pc:chgData name="Lines, Todd" userId="afaf7c3a-e8aa-4568-882a-02ad8f9e19b0" providerId="ADAL" clId="{2CAF3242-9036-4521-8933-75EA6736D8A3}" dt="2023-09-12T23:47:47.574" v="16"/>
+        <pc:sldMkLst>
+          <pc:docMk/>
+          <pc:sldMk cId="0" sldId="594"/>
+        </pc:sldMkLst>
+      </pc:sldChg>
+      <pc:sldChg chg="add">
+        <pc:chgData name="Lines, Todd" userId="afaf7c3a-e8aa-4568-882a-02ad8f9e19b0" providerId="ADAL" clId="{2CAF3242-9036-4521-8933-75EA6736D8A3}" dt="2023-09-12T23:47:47.574" v="16"/>
+        <pc:sldMkLst>
+          <pc:docMk/>
+          <pc:sldMk cId="0" sldId="596"/>
+        </pc:sldMkLst>
+      </pc:sldChg>
+      <pc:sldChg chg="add">
+        <pc:chgData name="Lines, Todd" userId="afaf7c3a-e8aa-4568-882a-02ad8f9e19b0" providerId="ADAL" clId="{2CAF3242-9036-4521-8933-75EA6736D8A3}" dt="2023-09-12T23:49:32.715" v="17"/>
+        <pc:sldMkLst>
+          <pc:docMk/>
+          <pc:sldMk cId="0" sldId="1061"/>
+        </pc:sldMkLst>
+      </pc:sldChg>
+      <pc:sldChg chg="add">
+        <pc:chgData name="Lines, Todd" userId="afaf7c3a-e8aa-4568-882a-02ad8f9e19b0" providerId="ADAL" clId="{2CAF3242-9036-4521-8933-75EA6736D8A3}" dt="2023-09-12T23:57:33.205" v="18"/>
+        <pc:sldMkLst>
+          <pc:docMk/>
+          <pc:sldMk cId="3218804755" sldId="1374"/>
+        </pc:sldMkLst>
+      </pc:sldChg>
+      <pc:sldChg chg="add">
+        <pc:chgData name="Lines, Todd" userId="afaf7c3a-e8aa-4568-882a-02ad8f9e19b0" providerId="ADAL" clId="{2CAF3242-9036-4521-8933-75EA6736D8A3}" dt="2023-09-12T23:44:48.057" v="10"/>
+        <pc:sldMkLst>
+          <pc:docMk/>
+          <pc:sldMk cId="1858017139" sldId="1446"/>
+        </pc:sldMkLst>
+      </pc:sldChg>
+    </pc:docChg>
+  </pc:docChgLst>
+</pc:chgInfo>
 </file>
 
 <file path=ppt/notesMasters/notesMaster1.xml><?xml version="1.0" encoding="utf-8"?>
@@ -214,7 +363,7 @@
             <a:fld id="{DA2CA0F8-BD70-4694-BD56-6665D6FFBF3C}" type="datetimeFigureOut">
               <a:rPr lang="en-US" smtClean="0"/>
               <a:pPr/>
-              <a:t>4/24/2015</a:t>
+              <a:t>9/12/2023</a:t>
             </a:fld>
             <a:endParaRPr lang="en-US"/>
           </a:p>
@@ -280,38 +429,37 @@
           <a:p>
             <a:pPr lvl="0"/>
             <a:r>
-              <a:rPr lang="en-US" smtClean="0"/>
+              <a:rPr lang="en-US"/>
               <a:t>Click to edit Master text styles</a:t>
             </a:r>
           </a:p>
           <a:p>
             <a:pPr lvl="1"/>
             <a:r>
-              <a:rPr lang="en-US" smtClean="0"/>
+              <a:rPr lang="en-US"/>
               <a:t>Second level</a:t>
             </a:r>
           </a:p>
           <a:p>
             <a:pPr lvl="2"/>
             <a:r>
-              <a:rPr lang="en-US" smtClean="0"/>
+              <a:rPr lang="en-US"/>
               <a:t>Third level</a:t>
             </a:r>
           </a:p>
           <a:p>
             <a:pPr lvl="3"/>
             <a:r>
-              <a:rPr lang="en-US" smtClean="0"/>
+              <a:rPr lang="en-US"/>
               <a:t>Fourth level</a:t>
             </a:r>
           </a:p>
           <a:p>
             <a:pPr lvl="4"/>
             <a:r>
-              <a:rPr lang="en-US" smtClean="0"/>
+              <a:rPr lang="en-US"/>
               <a:t>Fifth level</a:t>
             </a:r>
-            <a:endParaRPr lang="en-US"/>
           </a:p>
         </p:txBody>
       </p:sp>
@@ -523,10 +671,9 @@
           <a:lstStyle/>
           <a:p>
             <a:r>
-              <a:rPr lang="en-US" smtClean="0"/>
+              <a:rPr lang="en-US"/>
               <a:t>Click to edit Master title style</a:t>
             </a:r>
-            <a:endParaRPr lang="en-US"/>
           </a:p>
         </p:txBody>
       </p:sp>
@@ -642,10 +789,9 @@
           </a:lstStyle>
           <a:p>
             <a:r>
-              <a:rPr lang="en-US" smtClean="0"/>
+              <a:rPr lang="en-US"/>
               <a:t>Click to edit Master subtitle style</a:t>
             </a:r>
-            <a:endParaRPr lang="en-US"/>
           </a:p>
         </p:txBody>
       </p:sp>
@@ -667,7 +813,7 @@
             <a:fld id="{81363FC6-F0D5-4376-9B97-08D3CD3871A3}" type="datetimeFigureOut">
               <a:rPr lang="en-US" smtClean="0"/>
               <a:pPr/>
-              <a:t>4/24/2015</a:t>
+              <a:t>9/12/2023</a:t>
             </a:fld>
             <a:endParaRPr lang="en-US"/>
           </a:p>
@@ -757,10 +903,9 @@
           <a:lstStyle/>
           <a:p>
             <a:r>
-              <a:rPr lang="en-US" smtClean="0"/>
+              <a:rPr lang="en-US"/>
               <a:t>Click to edit Master title style</a:t>
             </a:r>
-            <a:endParaRPr lang="en-US"/>
           </a:p>
         </p:txBody>
       </p:sp>
@@ -781,38 +926,37 @@
           <a:p>
             <a:pPr lvl="0"/>
             <a:r>
-              <a:rPr lang="en-US" smtClean="0"/>
+              <a:rPr lang="en-US"/>
               <a:t>Click to edit Master text styles</a:t>
             </a:r>
           </a:p>
           <a:p>
             <a:pPr lvl="1"/>
             <a:r>
-              <a:rPr lang="en-US" smtClean="0"/>
+              <a:rPr lang="en-US"/>
               <a:t>Second level</a:t>
             </a:r>
           </a:p>
           <a:p>
             <a:pPr lvl="2"/>
             <a:r>
-              <a:rPr lang="en-US" smtClean="0"/>
+              <a:rPr lang="en-US"/>
               <a:t>Third level</a:t>
             </a:r>
           </a:p>
           <a:p>
             <a:pPr lvl="3"/>
             <a:r>
-              <a:rPr lang="en-US" smtClean="0"/>
+              <a:rPr lang="en-US"/>
               <a:t>Fourth level</a:t>
             </a:r>
           </a:p>
           <a:p>
             <a:pPr lvl="4"/>
             <a:r>
-              <a:rPr lang="en-US" smtClean="0"/>
+              <a:rPr lang="en-US"/>
               <a:t>Fifth level</a:t>
             </a:r>
-            <a:endParaRPr lang="en-US"/>
           </a:p>
         </p:txBody>
       </p:sp>
@@ -834,7 +978,7 @@
             <a:fld id="{81363FC6-F0D5-4376-9B97-08D3CD3871A3}" type="datetimeFigureOut">
               <a:rPr lang="en-US" smtClean="0"/>
               <a:pPr/>
-              <a:t>4/24/2015</a:t>
+              <a:t>9/12/2023</a:t>
             </a:fld>
             <a:endParaRPr lang="en-US"/>
           </a:p>
@@ -929,10 +1073,9 @@
           <a:lstStyle/>
           <a:p>
             <a:r>
-              <a:rPr lang="en-US" smtClean="0"/>
+              <a:rPr lang="en-US"/>
               <a:t>Click to edit Master title style</a:t>
             </a:r>
-            <a:endParaRPr lang="en-US"/>
           </a:p>
         </p:txBody>
       </p:sp>
@@ -958,38 +1101,37 @@
           <a:p>
             <a:pPr lvl="0"/>
             <a:r>
-              <a:rPr lang="en-US" smtClean="0"/>
+              <a:rPr lang="en-US"/>
               <a:t>Click to edit Master text styles</a:t>
             </a:r>
           </a:p>
           <a:p>
             <a:pPr lvl="1"/>
             <a:r>
-              <a:rPr lang="en-US" smtClean="0"/>
+              <a:rPr lang="en-US"/>
               <a:t>Second level</a:t>
             </a:r>
           </a:p>
           <a:p>
             <a:pPr lvl="2"/>
             <a:r>
-              <a:rPr lang="en-US" smtClean="0"/>
+              <a:rPr lang="en-US"/>
               <a:t>Third level</a:t>
             </a:r>
           </a:p>
           <a:p>
             <a:pPr lvl="3"/>
             <a:r>
-              <a:rPr lang="en-US" smtClean="0"/>
+              <a:rPr lang="en-US"/>
               <a:t>Fourth level</a:t>
             </a:r>
           </a:p>
           <a:p>
             <a:pPr lvl="4"/>
             <a:r>
-              <a:rPr lang="en-US" smtClean="0"/>
+              <a:rPr lang="en-US"/>
               <a:t>Fifth level</a:t>
             </a:r>
-            <a:endParaRPr lang="en-US"/>
           </a:p>
         </p:txBody>
       </p:sp>
@@ -1011,7 +1153,7 @@
             <a:fld id="{81363FC6-F0D5-4376-9B97-08D3CD3871A3}" type="datetimeFigureOut">
               <a:rPr lang="en-US" smtClean="0"/>
               <a:pPr/>
-              <a:t>4/24/2015</a:t>
+              <a:t>9/12/2023</a:t>
             </a:fld>
             <a:endParaRPr lang="en-US"/>
           </a:p>
@@ -1106,10 +1248,9 @@
           <a:lstStyle/>
           <a:p>
             <a:r>
-              <a:rPr lang="en-US" smtClean="0"/>
+              <a:rPr lang="en-US"/>
               <a:t>Click to edit Master title style</a:t>
             </a:r>
-            <a:endParaRPr lang="en-US"/>
           </a:p>
         </p:txBody>
       </p:sp>
@@ -1135,38 +1276,37 @@
           <a:p>
             <a:pPr lvl="0"/>
             <a:r>
-              <a:rPr lang="en-US" smtClean="0"/>
+              <a:rPr lang="en-US"/>
               <a:t>Click to edit Master text styles</a:t>
             </a:r>
           </a:p>
           <a:p>
             <a:pPr lvl="1"/>
             <a:r>
-              <a:rPr lang="en-US" smtClean="0"/>
+              <a:rPr lang="en-US"/>
               <a:t>Second level</a:t>
             </a:r>
           </a:p>
           <a:p>
             <a:pPr lvl="2"/>
             <a:r>
-              <a:rPr lang="en-US" smtClean="0"/>
+              <a:rPr lang="en-US"/>
               <a:t>Third level</a:t>
             </a:r>
           </a:p>
           <a:p>
             <a:pPr lvl="3"/>
             <a:r>
-              <a:rPr lang="en-US" smtClean="0"/>
+              <a:rPr lang="en-US"/>
               <a:t>Fourth level</a:t>
             </a:r>
           </a:p>
           <a:p>
             <a:pPr lvl="4"/>
             <a:r>
-              <a:rPr lang="en-US" smtClean="0"/>
+              <a:rPr lang="en-US"/>
               <a:t>Fifth level</a:t>
             </a:r>
-            <a:endParaRPr lang="en-US"/>
           </a:p>
         </p:txBody>
       </p:sp>
@@ -1191,7 +1331,7 @@
           <a:lstStyle/>
           <a:p>
             <a:pPr lvl="0"/>
-            <a:endParaRPr lang="en-US" noProof="0" smtClean="0"/>
+            <a:endParaRPr lang="en-US" noProof="0"/>
           </a:p>
         </p:txBody>
       </p:sp>
@@ -1327,10 +1467,9 @@
           <a:lstStyle/>
           <a:p>
             <a:r>
-              <a:rPr lang="en-US" smtClean="0"/>
+              <a:rPr lang="en-US"/>
               <a:t>Click to edit Master title style</a:t>
             </a:r>
-            <a:endParaRPr lang="en-US"/>
           </a:p>
         </p:txBody>
       </p:sp>
@@ -1351,38 +1490,37 @@
           <a:p>
             <a:pPr lvl="0"/>
             <a:r>
-              <a:rPr lang="en-US" smtClean="0"/>
+              <a:rPr lang="en-US"/>
               <a:t>Click to edit Master text styles</a:t>
             </a:r>
           </a:p>
           <a:p>
             <a:pPr lvl="1"/>
             <a:r>
-              <a:rPr lang="en-US" smtClean="0"/>
+              <a:rPr lang="en-US"/>
               <a:t>Second level</a:t>
             </a:r>
           </a:p>
           <a:p>
             <a:pPr lvl="2"/>
             <a:r>
-              <a:rPr lang="en-US" smtClean="0"/>
+              <a:rPr lang="en-US"/>
               <a:t>Third level</a:t>
             </a:r>
           </a:p>
           <a:p>
             <a:pPr lvl="3"/>
             <a:r>
-              <a:rPr lang="en-US" smtClean="0"/>
+              <a:rPr lang="en-US"/>
               <a:t>Fourth level</a:t>
             </a:r>
           </a:p>
           <a:p>
             <a:pPr lvl="4"/>
             <a:r>
-              <a:rPr lang="en-US" smtClean="0"/>
+              <a:rPr lang="en-US"/>
               <a:t>Fifth level</a:t>
             </a:r>
-            <a:endParaRPr lang="en-US"/>
           </a:p>
         </p:txBody>
       </p:sp>
@@ -1404,7 +1542,7 @@
             <a:fld id="{81363FC6-F0D5-4376-9B97-08D3CD3871A3}" type="datetimeFigureOut">
               <a:rPr lang="en-US" smtClean="0"/>
               <a:pPr/>
-              <a:t>4/24/2015</a:t>
+              <a:t>9/12/2023</a:t>
             </a:fld>
             <a:endParaRPr lang="en-US"/>
           </a:p>
@@ -1503,10 +1641,9 @@
           </a:lstStyle>
           <a:p>
             <a:r>
-              <a:rPr lang="en-US" smtClean="0"/>
+              <a:rPr lang="en-US"/>
               <a:t>Click to edit Master title style</a:t>
             </a:r>
-            <a:endParaRPr lang="en-US"/>
           </a:p>
         </p:txBody>
       </p:sp>
@@ -1623,7 +1760,7 @@
           <a:p>
             <a:pPr lvl="0"/>
             <a:r>
-              <a:rPr lang="en-US" smtClean="0"/>
+              <a:rPr lang="en-US"/>
               <a:t>Click to edit Master text styles</a:t>
             </a:r>
           </a:p>
@@ -1647,7 +1784,7 @@
             <a:fld id="{81363FC6-F0D5-4376-9B97-08D3CD3871A3}" type="datetimeFigureOut">
               <a:rPr lang="en-US" smtClean="0"/>
               <a:pPr/>
-              <a:t>4/24/2015</a:t>
+              <a:t>9/12/2023</a:t>
             </a:fld>
             <a:endParaRPr lang="en-US"/>
           </a:p>
@@ -1737,10 +1874,9 @@
           <a:lstStyle/>
           <a:p>
             <a:r>
-              <a:rPr lang="en-US" smtClean="0"/>
+              <a:rPr lang="en-US"/>
               <a:t>Click to edit Master title style</a:t>
             </a:r>
-            <a:endParaRPr lang="en-US"/>
           </a:p>
         </p:txBody>
       </p:sp>
@@ -1794,38 +1930,37 @@
           <a:p>
             <a:pPr lvl="0"/>
             <a:r>
-              <a:rPr lang="en-US" smtClean="0"/>
+              <a:rPr lang="en-US"/>
               <a:t>Click to edit Master text styles</a:t>
             </a:r>
           </a:p>
           <a:p>
             <a:pPr lvl="1"/>
             <a:r>
-              <a:rPr lang="en-US" smtClean="0"/>
+              <a:rPr lang="en-US"/>
               <a:t>Second level</a:t>
             </a:r>
           </a:p>
           <a:p>
             <a:pPr lvl="2"/>
             <a:r>
-              <a:rPr lang="en-US" smtClean="0"/>
+              <a:rPr lang="en-US"/>
               <a:t>Third level</a:t>
             </a:r>
           </a:p>
           <a:p>
             <a:pPr lvl="3"/>
             <a:r>
-              <a:rPr lang="en-US" smtClean="0"/>
+              <a:rPr lang="en-US"/>
               <a:t>Fourth level</a:t>
             </a:r>
           </a:p>
           <a:p>
             <a:pPr lvl="4"/>
             <a:r>
-              <a:rPr lang="en-US" smtClean="0"/>
+              <a:rPr lang="en-US"/>
               <a:t>Fifth level</a:t>
             </a:r>
-            <a:endParaRPr lang="en-US"/>
           </a:p>
         </p:txBody>
       </p:sp>
@@ -1879,38 +2014,37 @@
           <a:p>
             <a:pPr lvl="0"/>
             <a:r>
-              <a:rPr lang="en-US" smtClean="0"/>
+              <a:rPr lang="en-US"/>
               <a:t>Click to edit Master text styles</a:t>
             </a:r>
           </a:p>
           <a:p>
             <a:pPr lvl="1"/>
             <a:r>
-              <a:rPr lang="en-US" smtClean="0"/>
+              <a:rPr lang="en-US"/>
               <a:t>Second level</a:t>
             </a:r>
           </a:p>
           <a:p>
             <a:pPr lvl="2"/>
             <a:r>
-              <a:rPr lang="en-US" smtClean="0"/>
+              <a:rPr lang="en-US"/>
               <a:t>Third level</a:t>
             </a:r>
           </a:p>
           <a:p>
             <a:pPr lvl="3"/>
             <a:r>
-              <a:rPr lang="en-US" smtClean="0"/>
+              <a:rPr lang="en-US"/>
               <a:t>Fourth level</a:t>
             </a:r>
           </a:p>
           <a:p>
             <a:pPr lvl="4"/>
             <a:r>
-              <a:rPr lang="en-US" smtClean="0"/>
+              <a:rPr lang="en-US"/>
               <a:t>Fifth level</a:t>
             </a:r>
-            <a:endParaRPr lang="en-US"/>
           </a:p>
         </p:txBody>
       </p:sp>
@@ -1932,7 +2066,7 @@
             <a:fld id="{81363FC6-F0D5-4376-9B97-08D3CD3871A3}" type="datetimeFigureOut">
               <a:rPr lang="en-US" smtClean="0"/>
               <a:pPr/>
-              <a:t>4/24/2015</a:t>
+              <a:t>9/12/2023</a:t>
             </a:fld>
             <a:endParaRPr lang="en-US"/>
           </a:p>
@@ -2026,10 +2160,9 @@
           </a:lstStyle>
           <a:p>
             <a:r>
-              <a:rPr lang="en-US" smtClean="0"/>
+              <a:rPr lang="en-US"/>
               <a:t>Click to edit Master title style</a:t>
             </a:r>
-            <a:endParaRPr lang="en-US"/>
           </a:p>
         </p:txBody>
       </p:sp>
@@ -2092,7 +2225,7 @@
           <a:p>
             <a:pPr lvl="0"/>
             <a:r>
-              <a:rPr lang="en-US" smtClean="0"/>
+              <a:rPr lang="en-US"/>
               <a:t>Click to edit Master text styles</a:t>
             </a:r>
           </a:p>
@@ -2148,38 +2281,37 @@
           <a:p>
             <a:pPr lvl="0"/>
             <a:r>
-              <a:rPr lang="en-US" smtClean="0"/>
+              <a:rPr lang="en-US"/>
               <a:t>Click to edit Master text styles</a:t>
             </a:r>
           </a:p>
           <a:p>
             <a:pPr lvl="1"/>
             <a:r>
-              <a:rPr lang="en-US" smtClean="0"/>
+              <a:rPr lang="en-US"/>
               <a:t>Second level</a:t>
             </a:r>
           </a:p>
           <a:p>
             <a:pPr lvl="2"/>
             <a:r>
-              <a:rPr lang="en-US" smtClean="0"/>
+              <a:rPr lang="en-US"/>
               <a:t>Third level</a:t>
             </a:r>
           </a:p>
           <a:p>
             <a:pPr lvl="3"/>
             <a:r>
-              <a:rPr lang="en-US" smtClean="0"/>
+              <a:rPr lang="en-US"/>
               <a:t>Fourth level</a:t>
             </a:r>
           </a:p>
           <a:p>
             <a:pPr lvl="4"/>
             <a:r>
-              <a:rPr lang="en-US" smtClean="0"/>
+              <a:rPr lang="en-US"/>
               <a:t>Fifth level</a:t>
             </a:r>
-            <a:endParaRPr lang="en-US"/>
           </a:p>
         </p:txBody>
       </p:sp>
@@ -2242,7 +2374,7 @@
           <a:p>
             <a:pPr lvl="0"/>
             <a:r>
-              <a:rPr lang="en-US" smtClean="0"/>
+              <a:rPr lang="en-US"/>
               <a:t>Click to edit Master text styles</a:t>
             </a:r>
           </a:p>
@@ -2298,38 +2430,37 @@
           <a:p>
             <a:pPr lvl="0"/>
             <a:r>
-              <a:rPr lang="en-US" smtClean="0"/>
+              <a:rPr lang="en-US"/>
               <a:t>Click to edit Master text styles</a:t>
             </a:r>
           </a:p>
           <a:p>
             <a:pPr lvl="1"/>
             <a:r>
-              <a:rPr lang="en-US" smtClean="0"/>
+              <a:rPr lang="en-US"/>
               <a:t>Second level</a:t>
             </a:r>
           </a:p>
           <a:p>
             <a:pPr lvl="2"/>
             <a:r>
-              <a:rPr lang="en-US" smtClean="0"/>
+              <a:rPr lang="en-US"/>
               <a:t>Third level</a:t>
             </a:r>
           </a:p>
           <a:p>
             <a:pPr lvl="3"/>
             <a:r>
-              <a:rPr lang="en-US" smtClean="0"/>
+              <a:rPr lang="en-US"/>
               <a:t>Fourth level</a:t>
             </a:r>
           </a:p>
           <a:p>
             <a:pPr lvl="4"/>
             <a:r>
-              <a:rPr lang="en-US" smtClean="0"/>
+              <a:rPr lang="en-US"/>
               <a:t>Fifth level</a:t>
             </a:r>
-            <a:endParaRPr lang="en-US"/>
           </a:p>
         </p:txBody>
       </p:sp>
@@ -2351,7 +2482,7 @@
             <a:fld id="{81363FC6-F0D5-4376-9B97-08D3CD3871A3}" type="datetimeFigureOut">
               <a:rPr lang="en-US" smtClean="0"/>
               <a:pPr/>
-              <a:t>4/24/2015</a:t>
+              <a:t>9/12/2023</a:t>
             </a:fld>
             <a:endParaRPr lang="en-US"/>
           </a:p>
@@ -2441,10 +2572,9 @@
           <a:lstStyle/>
           <a:p>
             <a:r>
-              <a:rPr lang="en-US" smtClean="0"/>
+              <a:rPr lang="en-US"/>
               <a:t>Click to edit Master title style</a:t>
             </a:r>
-            <a:endParaRPr lang="en-US"/>
           </a:p>
         </p:txBody>
       </p:sp>
@@ -2466,7 +2596,7 @@
             <a:fld id="{81363FC6-F0D5-4376-9B97-08D3CD3871A3}" type="datetimeFigureOut">
               <a:rPr lang="en-US" smtClean="0"/>
               <a:pPr/>
-              <a:t>4/24/2015</a:t>
+              <a:t>9/12/2023</a:t>
             </a:fld>
             <a:endParaRPr lang="en-US"/>
           </a:p>
@@ -2558,7 +2688,7 @@
             <a:fld id="{81363FC6-F0D5-4376-9B97-08D3CD3871A3}" type="datetimeFigureOut">
               <a:rPr lang="en-US" smtClean="0"/>
               <a:pPr/>
-              <a:t>4/24/2015</a:t>
+              <a:t>9/12/2023</a:t>
             </a:fld>
             <a:endParaRPr lang="en-US"/>
           </a:p>
@@ -2657,10 +2787,9 @@
           </a:lstStyle>
           <a:p>
             <a:r>
-              <a:rPr lang="en-US" smtClean="0"/>
+              <a:rPr lang="en-US"/>
               <a:t>Click to edit Master title style</a:t>
             </a:r>
-            <a:endParaRPr lang="en-US"/>
           </a:p>
         </p:txBody>
       </p:sp>
@@ -2714,38 +2843,37 @@
           <a:p>
             <a:pPr lvl="0"/>
             <a:r>
-              <a:rPr lang="en-US" smtClean="0"/>
+              <a:rPr lang="en-US"/>
               <a:t>Click to edit Master text styles</a:t>
             </a:r>
           </a:p>
           <a:p>
             <a:pPr lvl="1"/>
             <a:r>
-              <a:rPr lang="en-US" smtClean="0"/>
+              <a:rPr lang="en-US"/>
               <a:t>Second level</a:t>
             </a:r>
           </a:p>
           <a:p>
             <a:pPr lvl="2"/>
             <a:r>
-              <a:rPr lang="en-US" smtClean="0"/>
+              <a:rPr lang="en-US"/>
               <a:t>Third level</a:t>
             </a:r>
           </a:p>
           <a:p>
             <a:pPr lvl="3"/>
             <a:r>
-              <a:rPr lang="en-US" smtClean="0"/>
+              <a:rPr lang="en-US"/>
               <a:t>Fourth level</a:t>
             </a:r>
           </a:p>
           <a:p>
             <a:pPr lvl="4"/>
             <a:r>
-              <a:rPr lang="en-US" smtClean="0"/>
+              <a:rPr lang="en-US"/>
               <a:t>Fifth level</a:t>
             </a:r>
-            <a:endParaRPr lang="en-US"/>
           </a:p>
         </p:txBody>
       </p:sp>
@@ -2808,7 +2936,7 @@
           <a:p>
             <a:pPr lvl="0"/>
             <a:r>
-              <a:rPr lang="en-US" smtClean="0"/>
+              <a:rPr lang="en-US"/>
               <a:t>Click to edit Master text styles</a:t>
             </a:r>
           </a:p>
@@ -2832,7 +2960,7 @@
             <a:fld id="{81363FC6-F0D5-4376-9B97-08D3CD3871A3}" type="datetimeFigureOut">
               <a:rPr lang="en-US" smtClean="0"/>
               <a:pPr/>
-              <a:t>4/24/2015</a:t>
+              <a:t>9/12/2023</a:t>
             </a:fld>
             <a:endParaRPr lang="en-US"/>
           </a:p>
@@ -2931,10 +3059,9 @@
           </a:lstStyle>
           <a:p>
             <a:r>
-              <a:rPr lang="en-US" smtClean="0"/>
+              <a:rPr lang="en-US"/>
               <a:t>Click to edit Master title style</a:t>
             </a:r>
-            <a:endParaRPr lang="en-US"/>
           </a:p>
         </p:txBody>
       </p:sp>
@@ -3058,7 +3185,7 @@
           <a:p>
             <a:pPr lvl="0"/>
             <a:r>
-              <a:rPr lang="en-US" smtClean="0"/>
+              <a:rPr lang="en-US"/>
               <a:t>Click to edit Master text styles</a:t>
             </a:r>
           </a:p>
@@ -3082,7 +3209,7 @@
             <a:fld id="{81363FC6-F0D5-4376-9B97-08D3CD3871A3}" type="datetimeFigureOut">
               <a:rPr lang="en-US" smtClean="0"/>
               <a:pPr/>
-              <a:t>4/24/2015</a:t>
+              <a:t>9/12/2023</a:t>
             </a:fld>
             <a:endParaRPr lang="en-US"/>
           </a:p>
@@ -3187,10 +3314,9 @@
           <a:lstStyle/>
           <a:p>
             <a:r>
-              <a:rPr lang="en-US" smtClean="0"/>
+              <a:rPr lang="en-US"/>
               <a:t>Click to edit Master title style</a:t>
             </a:r>
-            <a:endParaRPr lang="en-US"/>
           </a:p>
         </p:txBody>
       </p:sp>
@@ -3221,38 +3347,37 @@
           <a:p>
             <a:pPr lvl="0"/>
             <a:r>
-              <a:rPr lang="en-US" smtClean="0"/>
+              <a:rPr lang="en-US"/>
               <a:t>Click to edit Master text styles</a:t>
             </a:r>
           </a:p>
           <a:p>
             <a:pPr lvl="1"/>
             <a:r>
-              <a:rPr lang="en-US" smtClean="0"/>
+              <a:rPr lang="en-US"/>
               <a:t>Second level</a:t>
             </a:r>
           </a:p>
           <a:p>
             <a:pPr lvl="2"/>
             <a:r>
-              <a:rPr lang="en-US" smtClean="0"/>
+              <a:rPr lang="en-US"/>
               <a:t>Third level</a:t>
             </a:r>
           </a:p>
           <a:p>
             <a:pPr lvl="3"/>
             <a:r>
-              <a:rPr lang="en-US" smtClean="0"/>
+              <a:rPr lang="en-US"/>
               <a:t>Fourth level</a:t>
             </a:r>
           </a:p>
           <a:p>
             <a:pPr lvl="4"/>
             <a:r>
-              <a:rPr lang="en-US" smtClean="0"/>
+              <a:rPr lang="en-US"/>
               <a:t>Fifth level</a:t>
             </a:r>
-            <a:endParaRPr lang="en-US"/>
           </a:p>
         </p:txBody>
       </p:sp>
@@ -3292,7 +3417,7 @@
             <a:fld id="{81363FC6-F0D5-4376-9B97-08D3CD3871A3}" type="datetimeFigureOut">
               <a:rPr lang="en-US" smtClean="0"/>
               <a:pPr/>
-              <a:t>4/24/2015</a:t>
+              <a:t>9/12/2023</a:t>
             </a:fld>
             <a:endParaRPr lang="en-US"/>
           </a:p>
@@ -3666,12 +3791,101 @@
       </p:grpSpPr>
       <p:sp>
         <p:nvSpPr>
-          <p:cNvPr id="49154" name="Date Placeholder 3"/>
+          <p:cNvPr id="47107" name="Rectangle 2"/>
+          <p:cNvSpPr>
+            <a:spLocks noGrp="1" noChangeArrowheads="1"/>
+          </p:cNvSpPr>
+          <p:nvPr>
+            <p:ph type="title"/>
+          </p:nvPr>
+        </p:nvSpPr>
+        <p:spPr/>
+        <p:txBody>
+          <a:bodyPr/>
+          <a:lstStyle/>
+          <a:p>
+            <a:pPr eaLnBrk="1" hangingPunct="1"/>
+            <a:r>
+              <a:rPr lang="en-US" dirty="0"/>
+              <a:t>Question 223.3.1</a:t>
+            </a:r>
+          </a:p>
+        </p:txBody>
+      </p:sp>
+      <p:sp>
+        <p:nvSpPr>
+          <p:cNvPr id="47108" name="Rectangle 3"/>
+          <p:cNvSpPr>
+            <a:spLocks noGrp="1" noChangeArrowheads="1"/>
+          </p:cNvSpPr>
+          <p:nvPr>
+            <p:ph idx="1"/>
+          </p:nvPr>
+        </p:nvSpPr>
+        <p:spPr/>
+        <p:txBody>
+          <a:bodyPr/>
+          <a:lstStyle/>
+          <a:p>
+            <a:pPr marL="609600" indent="-609600" eaLnBrk="1" hangingPunct="1">
+              <a:buFontTx/>
+              <a:buNone/>
+            </a:pPr>
+            <a:r>
+              <a:rPr lang="en-US" dirty="0"/>
+              <a:t>What is a crest?</a:t>
+            </a:r>
+          </a:p>
+          <a:p>
+            <a:pPr marL="1112838" lvl="1" indent="-533400" eaLnBrk="1" hangingPunct="1">
+              <a:buFontTx/>
+              <a:buAutoNum type="alphaLcParenR"/>
+            </a:pPr>
+            <a:r>
+              <a:rPr lang="en-US" dirty="0"/>
+              <a:t>A toothpaste</a:t>
+            </a:r>
+          </a:p>
+          <a:p>
+            <a:pPr marL="1112838" lvl="1" indent="-533400" eaLnBrk="1" hangingPunct="1">
+              <a:buFontTx/>
+              <a:buAutoNum type="alphaLcParenR"/>
+            </a:pPr>
+            <a:r>
+              <a:rPr lang="en-US" dirty="0"/>
+              <a:t>The place a wave crosses the x-axis</a:t>
+            </a:r>
+          </a:p>
+          <a:p>
+            <a:pPr marL="1112838" lvl="1" indent="-533400" eaLnBrk="1" hangingPunct="1">
+              <a:buFontTx/>
+              <a:buAutoNum type="alphaLcParenR"/>
+            </a:pPr>
+            <a:r>
+              <a:rPr lang="en-US" dirty="0"/>
+              <a:t>The peak of a wave</a:t>
+            </a:r>
+          </a:p>
+          <a:p>
+            <a:pPr marL="1112838" lvl="1" indent="-533400" eaLnBrk="1" hangingPunct="1">
+              <a:buFontTx/>
+              <a:buAutoNum type="alphaLcParenR"/>
+            </a:pPr>
+            <a:r>
+              <a:rPr lang="en-US" dirty="0"/>
+              <a:t>The lowest point in the wave</a:t>
+            </a:r>
+          </a:p>
+        </p:txBody>
+      </p:sp>
+      <p:sp>
+        <p:nvSpPr>
+          <p:cNvPr id="47106" name="Slide Number Placeholder 5"/>
           <p:cNvSpPr>
             <a:spLocks noGrp="1"/>
           </p:cNvSpPr>
           <p:nvPr>
-            <p:ph type="dt" sz="quarter" idx="10"/>
+            <p:ph type="sldNum" sz="quarter" idx="12"/>
           </p:nvPr>
         </p:nvSpPr>
         <p:spPr>
@@ -3681,68 +3895,45 @@
           <a:bodyPr/>
           <a:lstStyle/>
           <a:p>
-            <a:r>
-              <a:rPr lang="en-US" smtClean="0"/>
-              <a:t>Winter 2007</a:t>
-            </a:r>
-          </a:p>
-        </p:txBody>
-      </p:sp>
-      <p:sp>
-        <p:nvSpPr>
-          <p:cNvPr id="49155" name="Footer Placeholder 4"/>
-          <p:cNvSpPr>
-            <a:spLocks noGrp="1"/>
-          </p:cNvSpPr>
-          <p:nvPr>
-            <p:ph type="ftr" sz="quarter" idx="11"/>
-          </p:nvPr>
-        </p:nvSpPr>
-        <p:spPr>
-          <a:noFill/>
-        </p:spPr>
-        <p:txBody>
-          <a:bodyPr/>
-          <a:lstStyle/>
-          <a:p>
-            <a:r>
-              <a:rPr lang="en-US" smtClean="0"/>
-              <a:t>R. Todd Lines</a:t>
-            </a:r>
-          </a:p>
-        </p:txBody>
-      </p:sp>
-      <p:sp>
-        <p:nvSpPr>
-          <p:cNvPr id="49156" name="Slide Number Placeholder 5"/>
-          <p:cNvSpPr>
-            <a:spLocks noGrp="1"/>
-          </p:cNvSpPr>
-          <p:nvPr>
-            <p:ph type="sldNum" sz="quarter" idx="12"/>
-          </p:nvPr>
-        </p:nvSpPr>
-        <p:spPr>
-          <a:noFill/>
-        </p:spPr>
-        <p:txBody>
-          <a:bodyPr/>
-          <a:lstStyle/>
-          <a:p>
-            <a:fld id="{F49D2939-641E-4F08-8F10-3E88662DB609}" type="slidenum">
+            <a:fld id="{D7D81F2B-99C7-4FA4-B084-E4E2302DE9D9}" type="slidenum">
               <a:rPr lang="en-US" smtClean="0"/>
               <a:pPr/>
               <a:t>1</a:t>
             </a:fld>
-            <a:endParaRPr lang="en-US" smtClean="0"/>
-          </a:p>
-        </p:txBody>
-      </p:sp>
-      <p:sp>
-        <p:nvSpPr>
-          <p:cNvPr id="49157" name="Rectangle 2"/>
-          <p:cNvSpPr>
-            <a:spLocks noGrp="1" noChangeArrowheads="1"/>
+            <a:endParaRPr lang="en-US"/>
+          </a:p>
+        </p:txBody>
+      </p:sp>
+    </p:spTree>
+  </p:cSld>
+  <p:clrMapOvr>
+    <a:masterClrMapping/>
+  </p:clrMapOvr>
+</p:sld>
+</file>
+
+<file path=ppt/slides/slide10.xml><?xml version="1.0" encoding="utf-8"?>
+<p:sld xmlns:a="http://schemas.openxmlformats.org/drawingml/2006/main" xmlns:r="http://schemas.openxmlformats.org/officeDocument/2006/relationships" xmlns:p="http://schemas.openxmlformats.org/presentationml/2006/main">
+  <p:cSld>
+    <p:spTree>
+      <p:nvGrpSpPr>
+        <p:cNvPr id="1" name=""/>
+        <p:cNvGrpSpPr/>
+        <p:nvPr/>
+      </p:nvGrpSpPr>
+      <p:grpSpPr>
+        <a:xfrm>
+          <a:off x="0" y="0"/>
+          <a:ext cx="0" cy="0"/>
+          <a:chOff x="0" y="0"/>
+          <a:chExt cx="0" cy="0"/>
+        </a:xfrm>
+      </p:grpSpPr>
+      <p:sp>
+        <p:nvSpPr>
+          <p:cNvPr id="2" name="Title 1"/>
+          <p:cNvSpPr>
+            <a:spLocks noGrp="1"/>
           </p:cNvSpPr>
           <p:nvPr>
             <p:ph type="title"/>
@@ -3753,9 +3944,2912 @@
           <a:bodyPr/>
           <a:lstStyle/>
           <a:p>
+            <a:r>
+              <a:rPr lang="en-US" dirty="0"/>
+              <a:t>Question 223.3.4</a:t>
+            </a:r>
+          </a:p>
+        </p:txBody>
+      </p:sp>
+      <p:sp>
+        <p:nvSpPr>
+          <p:cNvPr id="3" name="Content Placeholder 2"/>
+          <p:cNvSpPr>
+            <a:spLocks noGrp="1"/>
+          </p:cNvSpPr>
+          <p:nvPr>
+            <p:ph idx="1"/>
+          </p:nvPr>
+        </p:nvSpPr>
+        <p:spPr/>
+        <p:txBody>
+          <a:bodyPr/>
+          <a:lstStyle/>
+          <a:p>
+            <a:pPr>
+              <a:buNone/>
+            </a:pPr>
+            <a:r>
+              <a:rPr lang="en-US" dirty="0"/>
+              <a:t>We know that frequency and period are inversely related. If the frequency is 0.2Hz what is the period?</a:t>
+            </a:r>
+          </a:p>
+          <a:p>
+            <a:pPr marL="514350" indent="-514350">
+              <a:buFont typeface="+mj-lt"/>
+              <a:buAutoNum type="alphaLcParenR"/>
+            </a:pPr>
+            <a:r>
+              <a:rPr lang="en-US" dirty="0"/>
+              <a:t>20 sec</a:t>
+            </a:r>
+          </a:p>
+          <a:p>
+            <a:pPr marL="514350" indent="-514350">
+              <a:buFont typeface="+mj-lt"/>
+              <a:buAutoNum type="alphaLcParenR"/>
+            </a:pPr>
+            <a:r>
+              <a:rPr lang="en-US" dirty="0"/>
+              <a:t>5 sec</a:t>
+            </a:r>
+          </a:p>
+          <a:p>
+            <a:pPr marL="514350" indent="-514350">
+              <a:buFont typeface="+mj-lt"/>
+              <a:buAutoNum type="alphaLcParenR"/>
+            </a:pPr>
+            <a:r>
+              <a:rPr lang="en-US" dirty="0"/>
+              <a:t>2 sec</a:t>
+            </a:r>
+          </a:p>
+          <a:p>
+            <a:pPr marL="514350" indent="-514350">
+              <a:buFont typeface="+mj-lt"/>
+              <a:buAutoNum type="alphaLcParenR"/>
+            </a:pPr>
+            <a:r>
+              <a:rPr lang="en-US" dirty="0"/>
+              <a:t>1 sec</a:t>
+            </a:r>
+          </a:p>
+          <a:p>
+            <a:pPr marL="514350" indent="-514350">
+              <a:buFont typeface="+mj-lt"/>
+              <a:buAutoNum type="alphaLcParenR"/>
+            </a:pPr>
+            <a:endParaRPr lang="en-US" dirty="0"/>
+          </a:p>
+        </p:txBody>
+      </p:sp>
+      <p:sp>
+        <p:nvSpPr>
+          <p:cNvPr id="4" name="Slide Number Placeholder 3"/>
+          <p:cNvSpPr>
+            <a:spLocks noGrp="1"/>
+          </p:cNvSpPr>
+          <p:nvPr>
+            <p:ph type="sldNum" sz="quarter" idx="12"/>
+          </p:nvPr>
+        </p:nvSpPr>
+        <p:spPr/>
+        <p:txBody>
+          <a:bodyPr/>
+          <a:lstStyle/>
+          <a:p>
+            <a:pPr>
+              <a:defRPr/>
+            </a:pPr>
+            <a:fld id="{64137B81-8888-4253-92EC-0AED2A590749}" type="slidenum">
+              <a:rPr lang="en-US" smtClean="0"/>
+              <a:pPr>
+                <a:defRPr/>
+              </a:pPr>
+              <a:t>10</a:t>
+            </a:fld>
+            <a:endParaRPr lang="en-US"/>
+          </a:p>
+        </p:txBody>
+      </p:sp>
+    </p:spTree>
+  </p:cSld>
+  <p:clrMapOvr>
+    <a:masterClrMapping/>
+  </p:clrMapOvr>
+</p:sld>
+</file>
+
+<file path=ppt/slides/slide11.xml><?xml version="1.0" encoding="utf-8"?>
+<p:sld xmlns:a="http://schemas.openxmlformats.org/drawingml/2006/main" xmlns:r="http://schemas.openxmlformats.org/officeDocument/2006/relationships" xmlns:p="http://schemas.openxmlformats.org/presentationml/2006/main">
+  <p:cSld>
+    <p:spTree>
+      <p:nvGrpSpPr>
+        <p:cNvPr id="1" name=""/>
+        <p:cNvGrpSpPr/>
+        <p:nvPr/>
+      </p:nvGrpSpPr>
+      <p:grpSpPr>
+        <a:xfrm>
+          <a:off x="0" y="0"/>
+          <a:ext cx="0" cy="0"/>
+          <a:chOff x="0" y="0"/>
+          <a:chExt cx="0" cy="0"/>
+        </a:xfrm>
+      </p:grpSpPr>
+      <p:sp>
+        <p:nvSpPr>
+          <p:cNvPr id="2" name="Title 1"/>
+          <p:cNvSpPr>
+            <a:spLocks noGrp="1"/>
+          </p:cNvSpPr>
+          <p:nvPr>
+            <p:ph type="title"/>
+          </p:nvPr>
+        </p:nvSpPr>
+        <p:spPr/>
+        <p:txBody>
+          <a:bodyPr/>
+          <a:lstStyle/>
+          <a:p>
+            <a:r>
+              <a:rPr lang="en-US" dirty="0"/>
+              <a:t>Question 223.3.5</a:t>
+            </a:r>
+          </a:p>
+        </p:txBody>
+      </p:sp>
+      <p:sp>
+        <p:nvSpPr>
+          <p:cNvPr id="3" name="Content Placeholder 2"/>
+          <p:cNvSpPr>
+            <a:spLocks noGrp="1"/>
+          </p:cNvSpPr>
+          <p:nvPr>
+            <p:ph idx="1"/>
+          </p:nvPr>
+        </p:nvSpPr>
+        <p:spPr>
+          <a:xfrm>
+            <a:off x="457200" y="1287379"/>
+            <a:ext cx="8229600" cy="4525963"/>
+          </a:xfrm>
+        </p:spPr>
+        <p:txBody>
+          <a:bodyPr>
+            <a:normAutofit fontScale="92500" lnSpcReduction="10000"/>
+          </a:bodyPr>
+          <a:lstStyle/>
+          <a:p>
+            <a:pPr>
+              <a:buNone/>
+            </a:pPr>
+            <a:r>
+              <a:rPr lang="en-US" sz="2800" dirty="0"/>
+              <a:t>When we talk about the period of a sinusoidal wave, what do we mean?</a:t>
+            </a:r>
+          </a:p>
+          <a:p>
+            <a:pPr marL="514350" indent="-514350">
+              <a:buFont typeface="+mj-lt"/>
+              <a:buAutoNum type="alphaLcParenR"/>
+            </a:pPr>
+            <a:r>
+              <a:rPr lang="en-US" sz="2800" dirty="0"/>
+              <a:t>Considering the snapshot view, it is the distance between wave crests</a:t>
+            </a:r>
+          </a:p>
+          <a:p>
+            <a:pPr marL="514350" indent="-514350">
+              <a:buFont typeface="+mj-lt"/>
+              <a:buAutoNum type="alphaLcParenR"/>
+            </a:pPr>
+            <a:r>
+              <a:rPr lang="en-US" sz="2800" dirty="0"/>
+              <a:t>Considering the history graph view (video camera view), it is the period of oscillation of a single medium element.</a:t>
+            </a:r>
+          </a:p>
+          <a:p>
+            <a:pPr marL="514350" indent="-514350">
+              <a:buFont typeface="+mj-lt"/>
+              <a:buAutoNum type="alphaLcParenR"/>
+            </a:pPr>
+            <a:r>
+              <a:rPr lang="en-US" sz="2800" dirty="0"/>
+              <a:t>Considering the snapshot view, it is the distance in maximum displacement between to medium points</a:t>
+            </a:r>
+          </a:p>
+          <a:p>
+            <a:pPr marL="514350" indent="-514350">
+              <a:buFont typeface="+mj-lt"/>
+              <a:buAutoNum type="alphaLcParenR"/>
+            </a:pPr>
+            <a:r>
+              <a:rPr lang="en-US" sz="2800" dirty="0"/>
+              <a:t>Considering the  history graph view, it is the distance between two wave crests.</a:t>
+            </a:r>
+          </a:p>
+        </p:txBody>
+      </p:sp>
+      <p:sp>
+        <p:nvSpPr>
+          <p:cNvPr id="4" name="Slide Number Placeholder 3"/>
+          <p:cNvSpPr>
+            <a:spLocks noGrp="1"/>
+          </p:cNvSpPr>
+          <p:nvPr>
+            <p:ph type="sldNum" sz="quarter" idx="12"/>
+          </p:nvPr>
+        </p:nvSpPr>
+        <p:spPr/>
+        <p:txBody>
+          <a:bodyPr/>
+          <a:lstStyle/>
+          <a:p>
+            <a:pPr>
+              <a:defRPr/>
+            </a:pPr>
+            <a:fld id="{64137B81-8888-4253-92EC-0AED2A590749}" type="slidenum">
+              <a:rPr lang="en-US" smtClean="0"/>
+              <a:pPr>
+                <a:defRPr/>
+              </a:pPr>
+              <a:t>11</a:t>
+            </a:fld>
+            <a:endParaRPr lang="en-US"/>
+          </a:p>
+        </p:txBody>
+      </p:sp>
+    </p:spTree>
+  </p:cSld>
+  <p:clrMapOvr>
+    <a:masterClrMapping/>
+  </p:clrMapOvr>
+</p:sld>
+</file>
+
+<file path=ppt/slides/slide12.xml><?xml version="1.0" encoding="utf-8"?>
+<p:sld xmlns:a="http://schemas.openxmlformats.org/drawingml/2006/main" xmlns:r="http://schemas.openxmlformats.org/officeDocument/2006/relationships" xmlns:p="http://schemas.openxmlformats.org/presentationml/2006/main">
+  <p:cSld>
+    <p:spTree>
+      <p:nvGrpSpPr>
+        <p:cNvPr id="1" name=""/>
+        <p:cNvGrpSpPr/>
+        <p:nvPr/>
+      </p:nvGrpSpPr>
+      <p:grpSpPr>
+        <a:xfrm>
+          <a:off x="0" y="0"/>
+          <a:ext cx="0" cy="0"/>
+          <a:chOff x="0" y="0"/>
+          <a:chExt cx="0" cy="0"/>
+        </a:xfrm>
+      </p:grpSpPr>
+      <p:sp>
+        <p:nvSpPr>
+          <p:cNvPr id="2" name="Title 1"/>
+          <p:cNvSpPr>
+            <a:spLocks noGrp="1"/>
+          </p:cNvSpPr>
+          <p:nvPr>
+            <p:ph type="title"/>
+          </p:nvPr>
+        </p:nvSpPr>
+        <p:spPr/>
+        <p:txBody>
+          <a:bodyPr/>
+          <a:lstStyle/>
+          <a:p>
+            <a:r>
+              <a:rPr lang="en-US" dirty="0"/>
+              <a:t>Question 223.3.6</a:t>
+            </a:r>
+          </a:p>
+        </p:txBody>
+      </p:sp>
+      <p:sp>
+        <p:nvSpPr>
+          <p:cNvPr id="3" name="Content Placeholder 2"/>
+          <p:cNvSpPr>
+            <a:spLocks noGrp="1"/>
+          </p:cNvSpPr>
+          <p:nvPr>
+            <p:ph idx="1"/>
+          </p:nvPr>
+        </p:nvSpPr>
+        <p:spPr>
+          <a:xfrm>
+            <a:off x="457200" y="1287379"/>
+            <a:ext cx="8229600" cy="4525963"/>
+          </a:xfrm>
+        </p:spPr>
+        <p:txBody>
+          <a:bodyPr>
+            <a:normAutofit fontScale="92500" lnSpcReduction="10000"/>
+          </a:bodyPr>
+          <a:lstStyle/>
+          <a:p>
+            <a:pPr>
+              <a:buNone/>
+            </a:pPr>
+            <a:r>
+              <a:rPr lang="en-US" sz="2800" dirty="0"/>
+              <a:t>When we talk about the wavelength of a sinusoidal wave, what do we mean?</a:t>
+            </a:r>
+          </a:p>
+          <a:p>
+            <a:pPr marL="514350" indent="-514350">
+              <a:buFont typeface="+mj-lt"/>
+              <a:buAutoNum type="alphaLcParenR"/>
+            </a:pPr>
+            <a:r>
+              <a:rPr lang="en-US" sz="2800" dirty="0"/>
+              <a:t>Considering the snapshot view, it is the distance between wave crests</a:t>
+            </a:r>
+          </a:p>
+          <a:p>
+            <a:pPr marL="514350" indent="-514350">
+              <a:buFont typeface="+mj-lt"/>
+              <a:buAutoNum type="alphaLcParenR"/>
+            </a:pPr>
+            <a:r>
+              <a:rPr lang="en-US" sz="2800" dirty="0"/>
+              <a:t>Considering the history graph view (video camera view), it is the period of oscillation of a single medium element.</a:t>
+            </a:r>
+          </a:p>
+          <a:p>
+            <a:pPr marL="514350" indent="-514350">
+              <a:buFont typeface="+mj-lt"/>
+              <a:buAutoNum type="alphaLcParenR"/>
+            </a:pPr>
+            <a:r>
+              <a:rPr lang="en-US" sz="2800" dirty="0"/>
+              <a:t>Considering the snapshot view, it is the distance in maximum displacement between to medium points</a:t>
+            </a:r>
+          </a:p>
+          <a:p>
+            <a:pPr marL="514350" indent="-514350">
+              <a:buFont typeface="+mj-lt"/>
+              <a:buAutoNum type="alphaLcParenR"/>
+            </a:pPr>
+            <a:r>
+              <a:rPr lang="en-US" sz="2800" dirty="0"/>
+              <a:t>Considering the  history graph view, it is the distance between two wave crests.</a:t>
+            </a:r>
+          </a:p>
+        </p:txBody>
+      </p:sp>
+      <p:sp>
+        <p:nvSpPr>
+          <p:cNvPr id="4" name="Slide Number Placeholder 3"/>
+          <p:cNvSpPr>
+            <a:spLocks noGrp="1"/>
+          </p:cNvSpPr>
+          <p:nvPr>
+            <p:ph type="sldNum" sz="quarter" idx="12"/>
+          </p:nvPr>
+        </p:nvSpPr>
+        <p:spPr/>
+        <p:txBody>
+          <a:bodyPr/>
+          <a:lstStyle/>
+          <a:p>
+            <a:pPr>
+              <a:defRPr/>
+            </a:pPr>
+            <a:fld id="{64137B81-8888-4253-92EC-0AED2A590749}" type="slidenum">
+              <a:rPr lang="en-US" smtClean="0"/>
+              <a:pPr>
+                <a:defRPr/>
+              </a:pPr>
+              <a:t>12</a:t>
+            </a:fld>
+            <a:endParaRPr lang="en-US"/>
+          </a:p>
+        </p:txBody>
+      </p:sp>
+    </p:spTree>
+  </p:cSld>
+  <p:clrMapOvr>
+    <a:masterClrMapping/>
+  </p:clrMapOvr>
+</p:sld>
+</file>
+
+<file path=ppt/slides/slide13.xml><?xml version="1.0" encoding="utf-8"?>
+<p:sld xmlns:a="http://schemas.openxmlformats.org/drawingml/2006/main" xmlns:r="http://schemas.openxmlformats.org/officeDocument/2006/relationships" xmlns:p="http://schemas.openxmlformats.org/presentationml/2006/main">
+  <p:cSld>
+    <p:spTree>
+      <p:nvGrpSpPr>
+        <p:cNvPr id="1" name=""/>
+        <p:cNvGrpSpPr/>
+        <p:nvPr/>
+      </p:nvGrpSpPr>
+      <p:grpSpPr>
+        <a:xfrm>
+          <a:off x="0" y="0"/>
+          <a:ext cx="0" cy="0"/>
+          <a:chOff x="0" y="0"/>
+          <a:chExt cx="0" cy="0"/>
+        </a:xfrm>
+      </p:grpSpPr>
+      <p:sp>
+        <p:nvSpPr>
+          <p:cNvPr id="53250" name="Date Placeholder 3"/>
+          <p:cNvSpPr>
+            <a:spLocks noGrp="1"/>
+          </p:cNvSpPr>
+          <p:nvPr>
+            <p:ph type="dt" sz="quarter" idx="10"/>
+          </p:nvPr>
+        </p:nvSpPr>
+        <p:spPr>
+          <a:noFill/>
+        </p:spPr>
+        <p:txBody>
+          <a:bodyPr/>
+          <a:lstStyle/>
+          <a:p>
+            <a:r>
+              <a:rPr lang="en-US"/>
+              <a:t>Winter 2007</a:t>
+            </a:r>
+          </a:p>
+        </p:txBody>
+      </p:sp>
+      <p:sp>
+        <p:nvSpPr>
+          <p:cNvPr id="53251" name="Footer Placeholder 4"/>
+          <p:cNvSpPr>
+            <a:spLocks noGrp="1"/>
+          </p:cNvSpPr>
+          <p:nvPr>
+            <p:ph type="ftr" sz="quarter" idx="11"/>
+          </p:nvPr>
+        </p:nvSpPr>
+        <p:spPr>
+          <a:noFill/>
+        </p:spPr>
+        <p:txBody>
+          <a:bodyPr/>
+          <a:lstStyle/>
+          <a:p>
+            <a:r>
+              <a:rPr lang="en-US"/>
+              <a:t>R. Todd Lines</a:t>
+            </a:r>
+          </a:p>
+        </p:txBody>
+      </p:sp>
+      <p:sp>
+        <p:nvSpPr>
+          <p:cNvPr id="53252" name="Slide Number Placeholder 5"/>
+          <p:cNvSpPr>
+            <a:spLocks noGrp="1"/>
+          </p:cNvSpPr>
+          <p:nvPr>
+            <p:ph type="sldNum" sz="quarter" idx="12"/>
+          </p:nvPr>
+        </p:nvSpPr>
+        <p:spPr>
+          <a:noFill/>
+        </p:spPr>
+        <p:txBody>
+          <a:bodyPr/>
+          <a:lstStyle/>
+          <a:p>
+            <a:fld id="{003D31FD-9B7F-4D94-878A-4AD12AC2E9A2}" type="slidenum">
+              <a:rPr lang="en-US" smtClean="0"/>
+              <a:pPr/>
+              <a:t>13</a:t>
+            </a:fld>
+            <a:endParaRPr lang="en-US"/>
+          </a:p>
+        </p:txBody>
+      </p:sp>
+      <p:sp>
+        <p:nvSpPr>
+          <p:cNvPr id="53253" name="Rectangle 2"/>
+          <p:cNvSpPr>
+            <a:spLocks noGrp="1" noChangeArrowheads="1"/>
+          </p:cNvSpPr>
+          <p:nvPr>
+            <p:ph type="title"/>
+          </p:nvPr>
+        </p:nvSpPr>
+        <p:spPr/>
+        <p:txBody>
+          <a:bodyPr/>
+          <a:lstStyle/>
+          <a:p>
             <a:pPr eaLnBrk="1" hangingPunct="1"/>
             <a:r>
+              <a:rPr lang="en-US"/>
+              <a:t>Frequency, cont</a:t>
+            </a:r>
+          </a:p>
+        </p:txBody>
+      </p:sp>
+      <p:sp>
+        <p:nvSpPr>
+          <p:cNvPr id="53254" name="Rectangle 3"/>
+          <p:cNvSpPr>
+            <a:spLocks noGrp="1" noChangeArrowheads="1"/>
+          </p:cNvSpPr>
+          <p:nvPr>
+            <p:ph type="body" idx="1"/>
+          </p:nvPr>
+        </p:nvSpPr>
+        <p:spPr/>
+        <p:txBody>
+          <a:bodyPr/>
+          <a:lstStyle/>
+          <a:p>
+            <a:pPr eaLnBrk="1" hangingPunct="1"/>
+            <a:r>
+              <a:rPr lang="en-US"/>
+              <a:t>The frequency and the period are related</a:t>
+            </a:r>
+          </a:p>
+          <a:p>
+            <a:pPr eaLnBrk="1" hangingPunct="1"/>
+            <a:endParaRPr lang="en-US"/>
+          </a:p>
+          <a:p>
+            <a:pPr eaLnBrk="1" hangingPunct="1"/>
+            <a:endParaRPr lang="en-US"/>
+          </a:p>
+          <a:p>
+            <a:pPr eaLnBrk="1" hangingPunct="1"/>
+            <a:r>
+              <a:rPr lang="en-US"/>
+              <a:t>When the time interval is the second, the units of frequency are s</a:t>
+            </a:r>
+            <a:r>
+              <a:rPr lang="en-US" baseline="30000"/>
+              <a:t>-1</a:t>
+            </a:r>
+            <a:r>
+              <a:rPr lang="en-US"/>
+              <a:t> = Hz</a:t>
+            </a:r>
+          </a:p>
+          <a:p>
+            <a:pPr lvl="1" eaLnBrk="1" hangingPunct="1"/>
+            <a:r>
+              <a:rPr lang="en-US"/>
+              <a:t>Hz is a hertz</a:t>
+            </a:r>
+          </a:p>
+        </p:txBody>
+      </p:sp>
+      <p:pic>
+        <p:nvPicPr>
+          <p:cNvPr id="53255" name="Picture 4"/>
+          <p:cNvPicPr>
+            <a:picLocks noChangeAspect="1" noChangeArrowheads="1"/>
+          </p:cNvPicPr>
+          <p:nvPr/>
+        </p:nvPicPr>
+        <p:blipFill>
+          <a:blip r:embed="rId2" cstate="print"/>
+          <a:srcRect/>
+          <a:stretch>
+            <a:fillRect/>
+          </a:stretch>
+        </p:blipFill>
+        <p:spPr bwMode="auto">
+          <a:xfrm>
+            <a:off x="4351338" y="2206625"/>
+            <a:ext cx="1176337" cy="1049338"/>
+          </a:xfrm>
+          <a:prstGeom prst="rect">
+            <a:avLst/>
+          </a:prstGeom>
+          <a:noFill/>
+          <a:ln w="9525">
+            <a:noFill/>
+            <a:miter lim="800000"/>
+            <a:headEnd/>
+            <a:tailEnd/>
+          </a:ln>
+        </p:spPr>
+      </p:pic>
+    </p:spTree>
+  </p:cSld>
+  <p:clrMapOvr>
+    <a:masterClrMapping/>
+  </p:clrMapOvr>
+</p:sld>
+</file>
+
+<file path=ppt/slides/slide14.xml><?xml version="1.0" encoding="utf-8"?>
+<p:sld xmlns:a="http://schemas.openxmlformats.org/drawingml/2006/main" xmlns:r="http://schemas.openxmlformats.org/officeDocument/2006/relationships" xmlns:p="http://schemas.openxmlformats.org/presentationml/2006/main">
+  <p:cSld>
+    <p:spTree>
+      <p:nvGrpSpPr>
+        <p:cNvPr id="1" name=""/>
+        <p:cNvGrpSpPr/>
+        <p:nvPr/>
+      </p:nvGrpSpPr>
+      <p:grpSpPr>
+        <a:xfrm>
+          <a:off x="0" y="0"/>
+          <a:ext cx="0" cy="0"/>
+          <a:chOff x="0" y="0"/>
+          <a:chExt cx="0" cy="0"/>
+        </a:xfrm>
+      </p:grpSpPr>
+      <p:sp>
+        <p:nvSpPr>
+          <p:cNvPr id="8196" name="Date Placeholder 3"/>
+          <p:cNvSpPr>
+            <a:spLocks noGrp="1"/>
+          </p:cNvSpPr>
+          <p:nvPr>
+            <p:ph type="dt" sz="quarter" idx="10"/>
+          </p:nvPr>
+        </p:nvSpPr>
+        <p:spPr>
+          <a:noFill/>
+        </p:spPr>
+        <p:txBody>
+          <a:bodyPr/>
+          <a:lstStyle/>
+          <a:p>
+            <a:r>
+              <a:rPr lang="en-US"/>
+              <a:t>Winter 2007</a:t>
+            </a:r>
+          </a:p>
+        </p:txBody>
+      </p:sp>
+      <p:sp>
+        <p:nvSpPr>
+          <p:cNvPr id="8197" name="Footer Placeholder 4"/>
+          <p:cNvSpPr>
+            <a:spLocks noGrp="1"/>
+          </p:cNvSpPr>
+          <p:nvPr>
+            <p:ph type="ftr" sz="quarter" idx="11"/>
+          </p:nvPr>
+        </p:nvSpPr>
+        <p:spPr>
+          <a:noFill/>
+        </p:spPr>
+        <p:txBody>
+          <a:bodyPr/>
+          <a:lstStyle/>
+          <a:p>
+            <a:r>
+              <a:rPr lang="en-US"/>
+              <a:t>R. Todd Lines</a:t>
+            </a:r>
+          </a:p>
+        </p:txBody>
+      </p:sp>
+      <p:sp>
+        <p:nvSpPr>
+          <p:cNvPr id="8198" name="Slide Number Placeholder 5"/>
+          <p:cNvSpPr>
+            <a:spLocks noGrp="1"/>
+          </p:cNvSpPr>
+          <p:nvPr>
+            <p:ph type="sldNum" sz="quarter" idx="12"/>
+          </p:nvPr>
+        </p:nvSpPr>
+        <p:spPr>
+          <a:noFill/>
+        </p:spPr>
+        <p:txBody>
+          <a:bodyPr/>
+          <a:lstStyle/>
+          <a:p>
+            <a:fld id="{99C4FF6E-0BC5-4353-B174-029A48221FCC}" type="slidenum">
               <a:rPr lang="en-US" smtClean="0"/>
+              <a:pPr/>
+              <a:t>14</a:t>
+            </a:fld>
+            <a:endParaRPr lang="en-US"/>
+          </a:p>
+        </p:txBody>
+      </p:sp>
+      <p:sp>
+        <p:nvSpPr>
+          <p:cNvPr id="8199" name="Rectangle 2"/>
+          <p:cNvSpPr>
+            <a:spLocks noGrp="1" noChangeArrowheads="1"/>
+          </p:cNvSpPr>
+          <p:nvPr>
+            <p:ph type="title"/>
+          </p:nvPr>
+        </p:nvSpPr>
+        <p:spPr/>
+        <p:txBody>
+          <a:bodyPr/>
+          <a:lstStyle/>
+          <a:p>
+            <a:pPr eaLnBrk="1" hangingPunct="1"/>
+            <a:r>
+              <a:rPr lang="en-US"/>
+              <a:t>Wavenumber</a:t>
+            </a:r>
+          </a:p>
+        </p:txBody>
+      </p:sp>
+      <p:sp>
+        <p:nvSpPr>
+          <p:cNvPr id="8200" name="Rectangle 3"/>
+          <p:cNvSpPr>
+            <a:spLocks noGrp="1" noChangeArrowheads="1"/>
+          </p:cNvSpPr>
+          <p:nvPr>
+            <p:ph type="body" idx="1"/>
+          </p:nvPr>
+        </p:nvSpPr>
+        <p:spPr>
+          <a:xfrm>
+            <a:off x="457200" y="1600200"/>
+            <a:ext cx="5051425" cy="4525963"/>
+          </a:xfrm>
+        </p:spPr>
+        <p:txBody>
+          <a:bodyPr/>
+          <a:lstStyle/>
+          <a:p>
+            <a:pPr eaLnBrk="1" hangingPunct="1"/>
+            <a:r>
+              <a:rPr lang="en-US" sz="2400"/>
+              <a:t>consider again a sinusoidal wave</a:t>
+            </a:r>
+          </a:p>
+          <a:p>
+            <a:pPr eaLnBrk="1" hangingPunct="1"/>
+            <a:endParaRPr lang="en-US" sz="2400"/>
+          </a:p>
+          <a:p>
+            <a:pPr eaLnBrk="1" hangingPunct="1"/>
+            <a:endParaRPr lang="en-US" sz="2400"/>
+          </a:p>
+          <a:p>
+            <a:pPr eaLnBrk="1" hangingPunct="1"/>
+            <a:r>
+              <a:rPr lang="en-US" sz="2400"/>
+              <a:t> A is the amplitude (x</a:t>
+            </a:r>
+            <a:r>
+              <a:rPr lang="en-US" sz="2400" baseline="-25000"/>
+              <a:t>max</a:t>
+            </a:r>
+            <a:r>
+              <a:rPr lang="en-US" sz="2400"/>
+              <a:t>). </a:t>
+            </a:r>
+          </a:p>
+          <a:p>
+            <a:pPr eaLnBrk="1" hangingPunct="1"/>
+            <a:r>
+              <a:rPr lang="en-US" sz="2400"/>
+              <a:t>We need to find a (like for SHM we found </a:t>
+            </a:r>
+            <a:r>
+              <a:rPr lang="en-US" sz="2400">
+                <a:sym typeface="Symbol" pitchFamily="18" charset="2"/>
+              </a:rPr>
+              <a:t></a:t>
+            </a:r>
+            <a:r>
+              <a:rPr lang="en-US" sz="2400"/>
+              <a:t>). </a:t>
+            </a:r>
+          </a:p>
+          <a:p>
+            <a:pPr eaLnBrk="1" hangingPunct="1"/>
+            <a:r>
+              <a:rPr lang="en-US" sz="2400"/>
+              <a:t>Use initial conditions</a:t>
+            </a:r>
+          </a:p>
+          <a:p>
+            <a:pPr eaLnBrk="1" hangingPunct="1"/>
+            <a:endParaRPr lang="en-US" sz="2400"/>
+          </a:p>
+        </p:txBody>
+      </p:sp>
+      <p:pic>
+        <p:nvPicPr>
+          <p:cNvPr id="8201" name="Picture 4"/>
+          <p:cNvPicPr>
+            <a:picLocks noChangeAspect="1" noChangeArrowheads="1"/>
+          </p:cNvPicPr>
+          <p:nvPr/>
+        </p:nvPicPr>
+        <p:blipFill>
+          <a:blip r:embed="rId2" cstate="print"/>
+          <a:srcRect/>
+          <a:stretch>
+            <a:fillRect/>
+          </a:stretch>
+        </p:blipFill>
+        <p:spPr bwMode="auto">
+          <a:xfrm>
+            <a:off x="5719763" y="2598738"/>
+            <a:ext cx="2987675" cy="1978025"/>
+          </a:xfrm>
+          <a:prstGeom prst="rect">
+            <a:avLst/>
+          </a:prstGeom>
+          <a:noFill/>
+          <a:ln w="9525">
+            <a:noFill/>
+            <a:miter lim="800000"/>
+            <a:headEnd/>
+            <a:tailEnd/>
+          </a:ln>
+        </p:spPr>
+      </p:pic>
+      <p:sp>
+        <p:nvSpPr>
+          <p:cNvPr id="8202" name="Rectangle 6"/>
+          <p:cNvSpPr>
+            <a:spLocks noChangeArrowheads="1"/>
+          </p:cNvSpPr>
+          <p:nvPr/>
+        </p:nvSpPr>
+        <p:spPr bwMode="auto">
+          <a:xfrm>
+            <a:off x="0" y="3300413"/>
+            <a:ext cx="9144000" cy="0"/>
+          </a:xfrm>
+          <a:prstGeom prst="rect">
+            <a:avLst/>
+          </a:prstGeom>
+          <a:noFill/>
+          <a:ln w="9525" algn="ctr">
+            <a:noFill/>
+            <a:miter lim="800000"/>
+            <a:headEnd/>
+            <a:tailEnd/>
+          </a:ln>
+        </p:spPr>
+        <p:txBody>
+          <a:bodyPr wrap="none" anchor="ctr">
+            <a:spAutoFit/>
+          </a:bodyPr>
+          <a:lstStyle/>
+          <a:p>
+            <a:endParaRPr lang="en-US"/>
+          </a:p>
+        </p:txBody>
+      </p:sp>
+      <p:graphicFrame>
+        <p:nvGraphicFramePr>
+          <p:cNvPr id="8194" name="Object 5"/>
+          <p:cNvGraphicFramePr>
+            <a:graphicFrameLocks noChangeAspect="1"/>
+          </p:cNvGraphicFramePr>
+          <p:nvPr/>
+        </p:nvGraphicFramePr>
+        <p:xfrm>
+          <a:off x="1330325" y="2208213"/>
+          <a:ext cx="2841625" cy="541337"/>
+        </p:xfrm>
+        <a:graphic>
+          <a:graphicData uri="http://schemas.openxmlformats.org/presentationml/2006/ole">
+            <mc:AlternateContent xmlns:mc="http://schemas.openxmlformats.org/markup-compatibility/2006">
+              <mc:Choice xmlns:v="urn:schemas-microsoft-com:vml" Requires="v">
+                <p:oleObj name="Equation" r:id="rId3" imgW="1130040" imgH="215640" progId="Equation.3">
+                  <p:embed/>
+                </p:oleObj>
+              </mc:Choice>
+              <mc:Fallback>
+                <p:oleObj name="Equation" r:id="rId3" imgW="1130040" imgH="215640" progId="Equation.3">
+                  <p:embed/>
+                  <p:pic>
+                    <p:nvPicPr>
+                      <p:cNvPr id="8194" name="Object 5"/>
+                      <p:cNvPicPr>
+                        <a:picLocks noChangeAspect="1" noChangeArrowheads="1"/>
+                      </p:cNvPicPr>
+                      <p:nvPr/>
+                    </p:nvPicPr>
+                    <p:blipFill>
+                      <a:blip r:embed="rId4">
+                        <a:extLst>
+                          <a:ext uri="{28A0092B-C50C-407E-A947-70E740481C1C}">
+                            <a14:useLocalDpi xmlns:a14="http://schemas.microsoft.com/office/drawing/2010/main" val="0"/>
+                          </a:ext>
+                        </a:extLst>
+                      </a:blip>
+                      <a:srcRect/>
+                      <a:stretch>
+                        <a:fillRect/>
+                      </a:stretch>
+                    </p:blipFill>
+                    <p:spPr bwMode="auto">
+                      <a:xfrm>
+                        <a:off x="1330325" y="2208213"/>
+                        <a:ext cx="2841625" cy="541337"/>
+                      </a:xfrm>
+                      <a:prstGeom prst="rect">
+                        <a:avLst/>
+                      </a:prstGeom>
+                      <a:noFill/>
+                      <a:extLst>
+                        <a:ext uri="{909E8E84-426E-40DD-AFC4-6F175D3DCCD1}">
+                          <a14:hiddenFill xmlns:a14="http://schemas.microsoft.com/office/drawing/2010/main">
+                            <a:solidFill>
+                              <a:srgbClr val="FFFFFF"/>
+                            </a:solidFill>
+                          </a14:hiddenFill>
+                        </a:ext>
+                      </a:extLst>
+                    </p:spPr>
+                  </p:pic>
+                </p:oleObj>
+              </mc:Fallback>
+            </mc:AlternateContent>
+          </a:graphicData>
+        </a:graphic>
+      </p:graphicFrame>
+      <p:sp>
+        <p:nvSpPr>
+          <p:cNvPr id="8203" name="Rectangle 8"/>
+          <p:cNvSpPr>
+            <a:spLocks noChangeArrowheads="1"/>
+          </p:cNvSpPr>
+          <p:nvPr/>
+        </p:nvSpPr>
+        <p:spPr bwMode="auto">
+          <a:xfrm>
+            <a:off x="0" y="3300413"/>
+            <a:ext cx="9144000" cy="0"/>
+          </a:xfrm>
+          <a:prstGeom prst="rect">
+            <a:avLst/>
+          </a:prstGeom>
+          <a:noFill/>
+          <a:ln w="9525" algn="ctr">
+            <a:noFill/>
+            <a:miter lim="800000"/>
+            <a:headEnd/>
+            <a:tailEnd/>
+          </a:ln>
+        </p:spPr>
+        <p:txBody>
+          <a:bodyPr wrap="none" anchor="ctr">
+            <a:spAutoFit/>
+          </a:bodyPr>
+          <a:lstStyle/>
+          <a:p>
+            <a:endParaRPr lang="en-US"/>
+          </a:p>
+        </p:txBody>
+      </p:sp>
+      <p:graphicFrame>
+        <p:nvGraphicFramePr>
+          <p:cNvPr id="8195" name="Object 7"/>
+          <p:cNvGraphicFramePr>
+            <a:graphicFrameLocks noChangeAspect="1"/>
+          </p:cNvGraphicFramePr>
+          <p:nvPr/>
+        </p:nvGraphicFramePr>
+        <p:xfrm>
+          <a:off x="1501775" y="4672013"/>
+          <a:ext cx="2635250" cy="392112"/>
+        </p:xfrm>
+        <a:graphic>
+          <a:graphicData uri="http://schemas.openxmlformats.org/presentationml/2006/ole">
+            <mc:AlternateContent xmlns:mc="http://schemas.openxmlformats.org/markup-compatibility/2006">
+              <mc:Choice xmlns:v="urn:schemas-microsoft-com:vml" Requires="v">
+                <p:oleObj name="Equation" r:id="rId5" imgW="1447560" imgH="215640" progId="Equation.3">
+                  <p:embed/>
+                </p:oleObj>
+              </mc:Choice>
+              <mc:Fallback>
+                <p:oleObj name="Equation" r:id="rId5" imgW="1447560" imgH="215640" progId="Equation.3">
+                  <p:embed/>
+                  <p:pic>
+                    <p:nvPicPr>
+                      <p:cNvPr id="8195" name="Object 7"/>
+                      <p:cNvPicPr>
+                        <a:picLocks noChangeAspect="1" noChangeArrowheads="1"/>
+                      </p:cNvPicPr>
+                      <p:nvPr/>
+                    </p:nvPicPr>
+                    <p:blipFill>
+                      <a:blip r:embed="rId6">
+                        <a:extLst>
+                          <a:ext uri="{28A0092B-C50C-407E-A947-70E740481C1C}">
+                            <a14:useLocalDpi xmlns:a14="http://schemas.microsoft.com/office/drawing/2010/main" val="0"/>
+                          </a:ext>
+                        </a:extLst>
+                      </a:blip>
+                      <a:srcRect/>
+                      <a:stretch>
+                        <a:fillRect/>
+                      </a:stretch>
+                    </p:blipFill>
+                    <p:spPr bwMode="auto">
+                      <a:xfrm>
+                        <a:off x="1501775" y="4672013"/>
+                        <a:ext cx="2635250" cy="392112"/>
+                      </a:xfrm>
+                      <a:prstGeom prst="rect">
+                        <a:avLst/>
+                      </a:prstGeom>
+                      <a:noFill/>
+                      <a:extLst>
+                        <a:ext uri="{909E8E84-426E-40DD-AFC4-6F175D3DCCD1}">
+                          <a14:hiddenFill xmlns:a14="http://schemas.microsoft.com/office/drawing/2010/main">
+                            <a:solidFill>
+                              <a:srgbClr val="FFFFFF"/>
+                            </a:solidFill>
+                          </a14:hiddenFill>
+                        </a:ext>
+                      </a:extLst>
+                    </p:spPr>
+                  </p:pic>
+                </p:oleObj>
+              </mc:Fallback>
+            </mc:AlternateContent>
+          </a:graphicData>
+        </a:graphic>
+      </p:graphicFrame>
+      <p:sp>
+        <p:nvSpPr>
+          <p:cNvPr id="8204" name="Rectangle 10"/>
+          <p:cNvSpPr>
+            <a:spLocks noChangeArrowheads="1"/>
+          </p:cNvSpPr>
+          <p:nvPr/>
+        </p:nvSpPr>
+        <p:spPr bwMode="auto">
+          <a:xfrm>
+            <a:off x="0" y="3262313"/>
+            <a:ext cx="9144000" cy="0"/>
+          </a:xfrm>
+          <a:prstGeom prst="rect">
+            <a:avLst/>
+          </a:prstGeom>
+          <a:noFill/>
+          <a:ln w="9525" algn="ctr">
+            <a:noFill/>
+            <a:miter lim="800000"/>
+            <a:headEnd/>
+            <a:tailEnd/>
+          </a:ln>
+        </p:spPr>
+        <p:txBody>
+          <a:bodyPr wrap="none" anchor="ctr">
+            <a:spAutoFit/>
+          </a:bodyPr>
+          <a:lstStyle/>
+          <a:p>
+            <a:endParaRPr lang="en-US"/>
+          </a:p>
+        </p:txBody>
+      </p:sp>
+    </p:spTree>
+  </p:cSld>
+  <p:clrMapOvr>
+    <a:masterClrMapping/>
+  </p:clrMapOvr>
+</p:sld>
+</file>
+
+<file path=ppt/slides/slide15.xml><?xml version="1.0" encoding="utf-8"?>
+<p:sld xmlns:a="http://schemas.openxmlformats.org/drawingml/2006/main" xmlns:r="http://schemas.openxmlformats.org/officeDocument/2006/relationships" xmlns:p="http://schemas.openxmlformats.org/presentationml/2006/main">
+  <p:cSld>
+    <p:spTree>
+      <p:nvGrpSpPr>
+        <p:cNvPr id="1" name=""/>
+        <p:cNvGrpSpPr/>
+        <p:nvPr/>
+      </p:nvGrpSpPr>
+      <p:grpSpPr>
+        <a:xfrm>
+          <a:off x="0" y="0"/>
+          <a:ext cx="0" cy="0"/>
+          <a:chOff x="0" y="0"/>
+          <a:chExt cx="0" cy="0"/>
+        </a:xfrm>
+      </p:grpSpPr>
+      <p:sp>
+        <p:nvSpPr>
+          <p:cNvPr id="9223" name="Date Placeholder 3"/>
+          <p:cNvSpPr>
+            <a:spLocks noGrp="1"/>
+          </p:cNvSpPr>
+          <p:nvPr>
+            <p:ph type="dt" sz="quarter" idx="10"/>
+          </p:nvPr>
+        </p:nvSpPr>
+        <p:spPr>
+          <a:noFill/>
+        </p:spPr>
+        <p:txBody>
+          <a:bodyPr/>
+          <a:lstStyle/>
+          <a:p>
+            <a:r>
+              <a:rPr lang="en-US"/>
+              <a:t>Winter 2007</a:t>
+            </a:r>
+          </a:p>
+        </p:txBody>
+      </p:sp>
+      <p:sp>
+        <p:nvSpPr>
+          <p:cNvPr id="9224" name="Footer Placeholder 4"/>
+          <p:cNvSpPr>
+            <a:spLocks noGrp="1"/>
+          </p:cNvSpPr>
+          <p:nvPr>
+            <p:ph type="ftr" sz="quarter" idx="11"/>
+          </p:nvPr>
+        </p:nvSpPr>
+        <p:spPr>
+          <a:noFill/>
+        </p:spPr>
+        <p:txBody>
+          <a:bodyPr/>
+          <a:lstStyle/>
+          <a:p>
+            <a:r>
+              <a:rPr lang="en-US"/>
+              <a:t>R. Todd Lines</a:t>
+            </a:r>
+          </a:p>
+        </p:txBody>
+      </p:sp>
+      <p:sp>
+        <p:nvSpPr>
+          <p:cNvPr id="9225" name="Slide Number Placeholder 5"/>
+          <p:cNvSpPr>
+            <a:spLocks noGrp="1"/>
+          </p:cNvSpPr>
+          <p:nvPr>
+            <p:ph type="sldNum" sz="quarter" idx="12"/>
+          </p:nvPr>
+        </p:nvSpPr>
+        <p:spPr>
+          <a:noFill/>
+        </p:spPr>
+        <p:txBody>
+          <a:bodyPr/>
+          <a:lstStyle/>
+          <a:p>
+            <a:fld id="{BC2515EE-4685-49E6-8473-10370292C8B7}" type="slidenum">
+              <a:rPr lang="en-US" smtClean="0"/>
+              <a:pPr/>
+              <a:t>15</a:t>
+            </a:fld>
+            <a:endParaRPr lang="en-US"/>
+          </a:p>
+        </p:txBody>
+      </p:sp>
+      <p:sp>
+        <p:nvSpPr>
+          <p:cNvPr id="9226" name="Rectangle 2"/>
+          <p:cNvSpPr>
+            <a:spLocks noGrp="1" noChangeArrowheads="1"/>
+          </p:cNvSpPr>
+          <p:nvPr>
+            <p:ph type="title"/>
+          </p:nvPr>
+        </p:nvSpPr>
+        <p:spPr/>
+        <p:txBody>
+          <a:bodyPr/>
+          <a:lstStyle/>
+          <a:p>
+            <a:pPr eaLnBrk="1" hangingPunct="1"/>
+            <a:r>
+              <a:rPr lang="en-US"/>
+              <a:t>Wavenumber</a:t>
+            </a:r>
+          </a:p>
+        </p:txBody>
+      </p:sp>
+      <p:sp>
+        <p:nvSpPr>
+          <p:cNvPr id="9227" name="Rectangle 3"/>
+          <p:cNvSpPr>
+            <a:spLocks noGrp="1" noChangeArrowheads="1"/>
+          </p:cNvSpPr>
+          <p:nvPr>
+            <p:ph type="body" idx="1"/>
+          </p:nvPr>
+        </p:nvSpPr>
+        <p:spPr>
+          <a:xfrm>
+            <a:off x="457200" y="1600200"/>
+            <a:ext cx="4310063" cy="4525963"/>
+          </a:xfrm>
+        </p:spPr>
+        <p:txBody>
+          <a:bodyPr/>
+          <a:lstStyle/>
+          <a:p>
+            <a:pPr eaLnBrk="1" hangingPunct="1">
+              <a:lnSpc>
+                <a:spcPct val="90000"/>
+              </a:lnSpc>
+            </a:pPr>
+            <a:r>
+              <a:rPr lang="en-US" sz="2400"/>
+              <a:t>The next time y=0 will be when x=</a:t>
+            </a:r>
+            <a:r>
+              <a:rPr lang="en-US" sz="2400">
+                <a:sym typeface="Symbol" pitchFamily="18" charset="2"/>
+              </a:rPr>
+              <a:t>/2</a:t>
+            </a:r>
+          </a:p>
+          <a:p>
+            <a:pPr eaLnBrk="1" hangingPunct="1">
+              <a:lnSpc>
+                <a:spcPct val="90000"/>
+              </a:lnSpc>
+            </a:pPr>
+            <a:endParaRPr lang="en-US" sz="2400">
+              <a:sym typeface="Symbol" pitchFamily="18" charset="2"/>
+            </a:endParaRPr>
+          </a:p>
+          <a:p>
+            <a:pPr eaLnBrk="1" hangingPunct="1">
+              <a:lnSpc>
+                <a:spcPct val="90000"/>
+              </a:lnSpc>
+            </a:pPr>
+            <a:endParaRPr lang="en-US" sz="2400">
+              <a:sym typeface="Symbol" pitchFamily="18" charset="2"/>
+            </a:endParaRPr>
+          </a:p>
+          <a:p>
+            <a:pPr eaLnBrk="1" hangingPunct="1">
+              <a:lnSpc>
+                <a:spcPct val="90000"/>
+              </a:lnSpc>
+            </a:pPr>
+            <a:r>
+              <a:rPr lang="en-US" sz="2400">
+                <a:sym typeface="Symbol" pitchFamily="18" charset="2"/>
+              </a:rPr>
+              <a:t>This is true when</a:t>
+            </a:r>
+          </a:p>
+          <a:p>
+            <a:pPr eaLnBrk="1" hangingPunct="1">
+              <a:lnSpc>
+                <a:spcPct val="90000"/>
+              </a:lnSpc>
+            </a:pPr>
+            <a:endParaRPr lang="en-US" sz="2400">
+              <a:sym typeface="Symbol" pitchFamily="18" charset="2"/>
+            </a:endParaRPr>
+          </a:p>
+          <a:p>
+            <a:pPr eaLnBrk="1" hangingPunct="1">
+              <a:lnSpc>
+                <a:spcPct val="90000"/>
+              </a:lnSpc>
+            </a:pPr>
+            <a:endParaRPr lang="en-US" sz="2400">
+              <a:sym typeface="Symbol" pitchFamily="18" charset="2"/>
+            </a:endParaRPr>
+          </a:p>
+          <a:p>
+            <a:pPr eaLnBrk="1" hangingPunct="1">
+              <a:lnSpc>
+                <a:spcPct val="90000"/>
+              </a:lnSpc>
+            </a:pPr>
+            <a:r>
+              <a:rPr lang="en-US" sz="2400">
+                <a:sym typeface="Symbol" pitchFamily="18" charset="2"/>
+              </a:rPr>
+              <a:t>So</a:t>
+            </a:r>
+          </a:p>
+          <a:p>
+            <a:pPr eaLnBrk="1" hangingPunct="1">
+              <a:lnSpc>
+                <a:spcPct val="90000"/>
+              </a:lnSpc>
+            </a:pPr>
+            <a:endParaRPr lang="en-US" sz="2400"/>
+          </a:p>
+        </p:txBody>
+      </p:sp>
+      <p:graphicFrame>
+        <p:nvGraphicFramePr>
+          <p:cNvPr id="9218" name="Object 4"/>
+          <p:cNvGraphicFramePr>
+            <a:graphicFrameLocks noChangeAspect="1"/>
+          </p:cNvGraphicFramePr>
+          <p:nvPr/>
+        </p:nvGraphicFramePr>
+        <p:xfrm>
+          <a:off x="981075" y="2352675"/>
+          <a:ext cx="2765425" cy="746125"/>
+        </p:xfrm>
+        <a:graphic>
+          <a:graphicData uri="http://schemas.openxmlformats.org/presentationml/2006/ole">
+            <mc:AlternateContent xmlns:mc="http://schemas.openxmlformats.org/markup-compatibility/2006">
+              <mc:Choice xmlns:v="urn:schemas-microsoft-com:vml" Requires="v">
+                <p:oleObj name="Equation" r:id="rId2" imgW="1587240" imgH="431640" progId="Equation.3">
+                  <p:embed/>
+                </p:oleObj>
+              </mc:Choice>
+              <mc:Fallback>
+                <p:oleObj name="Equation" r:id="rId2" imgW="1587240" imgH="431640" progId="Equation.3">
+                  <p:embed/>
+                  <p:pic>
+                    <p:nvPicPr>
+                      <p:cNvPr id="9218" name="Object 4"/>
+                      <p:cNvPicPr>
+                        <a:picLocks noChangeAspect="1" noChangeArrowheads="1"/>
+                      </p:cNvPicPr>
+                      <p:nvPr/>
+                    </p:nvPicPr>
+                    <p:blipFill>
+                      <a:blip r:embed="rId3">
+                        <a:extLst>
+                          <a:ext uri="{28A0092B-C50C-407E-A947-70E740481C1C}">
+                            <a14:useLocalDpi xmlns:a14="http://schemas.microsoft.com/office/drawing/2010/main" val="0"/>
+                          </a:ext>
+                        </a:extLst>
+                      </a:blip>
+                      <a:srcRect/>
+                      <a:stretch>
+                        <a:fillRect/>
+                      </a:stretch>
+                    </p:blipFill>
+                    <p:spPr bwMode="auto">
+                      <a:xfrm>
+                        <a:off x="981075" y="2352675"/>
+                        <a:ext cx="2765425" cy="746125"/>
+                      </a:xfrm>
+                      <a:prstGeom prst="rect">
+                        <a:avLst/>
+                      </a:prstGeom>
+                      <a:noFill/>
+                      <a:extLst>
+                        <a:ext uri="{909E8E84-426E-40DD-AFC4-6F175D3DCCD1}">
+                          <a14:hiddenFill xmlns:a14="http://schemas.microsoft.com/office/drawing/2010/main">
+                            <a:solidFill>
+                              <a:srgbClr val="FFFFFF"/>
+                            </a:solidFill>
+                          </a14:hiddenFill>
+                        </a:ext>
+                      </a:extLst>
+                    </p:spPr>
+                  </p:pic>
+                </p:oleObj>
+              </mc:Fallback>
+            </mc:AlternateContent>
+          </a:graphicData>
+        </a:graphic>
+      </p:graphicFrame>
+      <p:pic>
+        <p:nvPicPr>
+          <p:cNvPr id="9228" name="Picture 5"/>
+          <p:cNvPicPr>
+            <a:picLocks noChangeAspect="1" noChangeArrowheads="1"/>
+          </p:cNvPicPr>
+          <p:nvPr/>
+        </p:nvPicPr>
+        <p:blipFill>
+          <a:blip r:embed="rId4" cstate="print"/>
+          <a:srcRect/>
+          <a:stretch>
+            <a:fillRect/>
+          </a:stretch>
+        </p:blipFill>
+        <p:spPr bwMode="auto">
+          <a:xfrm>
+            <a:off x="4816475" y="1320800"/>
+            <a:ext cx="4094163" cy="3181350"/>
+          </a:xfrm>
+          <a:prstGeom prst="rect">
+            <a:avLst/>
+          </a:prstGeom>
+          <a:noFill/>
+          <a:ln w="9525">
+            <a:noFill/>
+            <a:miter lim="800000"/>
+            <a:headEnd/>
+            <a:tailEnd/>
+          </a:ln>
+        </p:spPr>
+      </p:pic>
+      <p:sp>
+        <p:nvSpPr>
+          <p:cNvPr id="9229" name="Rectangle 7"/>
+          <p:cNvSpPr>
+            <a:spLocks noChangeArrowheads="1"/>
+          </p:cNvSpPr>
+          <p:nvPr/>
+        </p:nvSpPr>
+        <p:spPr bwMode="auto">
+          <a:xfrm>
+            <a:off x="0" y="3262313"/>
+            <a:ext cx="9144000" cy="0"/>
+          </a:xfrm>
+          <a:prstGeom prst="rect">
+            <a:avLst/>
+          </a:prstGeom>
+          <a:noFill/>
+          <a:ln w="9525" algn="ctr">
+            <a:noFill/>
+            <a:miter lim="800000"/>
+            <a:headEnd/>
+            <a:tailEnd/>
+          </a:ln>
+        </p:spPr>
+        <p:txBody>
+          <a:bodyPr wrap="none" anchor="ctr">
+            <a:spAutoFit/>
+          </a:bodyPr>
+          <a:lstStyle/>
+          <a:p>
+            <a:endParaRPr lang="en-US"/>
+          </a:p>
+        </p:txBody>
+      </p:sp>
+      <p:graphicFrame>
+        <p:nvGraphicFramePr>
+          <p:cNvPr id="9219" name="Object 6"/>
+          <p:cNvGraphicFramePr>
+            <a:graphicFrameLocks noChangeAspect="1"/>
+          </p:cNvGraphicFramePr>
+          <p:nvPr/>
+        </p:nvGraphicFramePr>
+        <p:xfrm>
+          <a:off x="1636713" y="3597275"/>
+          <a:ext cx="989012" cy="746125"/>
+        </p:xfrm>
+        <a:graphic>
+          <a:graphicData uri="http://schemas.openxmlformats.org/presentationml/2006/ole">
+            <mc:AlternateContent xmlns:mc="http://schemas.openxmlformats.org/markup-compatibility/2006">
+              <mc:Choice xmlns:v="urn:schemas-microsoft-com:vml" Requires="v">
+                <p:oleObj name="Equation" r:id="rId5" imgW="520560" imgH="393480" progId="Equation.3">
+                  <p:embed/>
+                </p:oleObj>
+              </mc:Choice>
+              <mc:Fallback>
+                <p:oleObj name="Equation" r:id="rId5" imgW="520560" imgH="393480" progId="Equation.3">
+                  <p:embed/>
+                  <p:pic>
+                    <p:nvPicPr>
+                      <p:cNvPr id="9219" name="Object 6"/>
+                      <p:cNvPicPr>
+                        <a:picLocks noChangeAspect="1" noChangeArrowheads="1"/>
+                      </p:cNvPicPr>
+                      <p:nvPr/>
+                    </p:nvPicPr>
+                    <p:blipFill>
+                      <a:blip r:embed="rId6">
+                        <a:extLst>
+                          <a:ext uri="{28A0092B-C50C-407E-A947-70E740481C1C}">
+                            <a14:useLocalDpi xmlns:a14="http://schemas.microsoft.com/office/drawing/2010/main" val="0"/>
+                          </a:ext>
+                        </a:extLst>
+                      </a:blip>
+                      <a:srcRect/>
+                      <a:stretch>
+                        <a:fillRect/>
+                      </a:stretch>
+                    </p:blipFill>
+                    <p:spPr bwMode="auto">
+                      <a:xfrm>
+                        <a:off x="1636713" y="3597275"/>
+                        <a:ext cx="989012" cy="746125"/>
+                      </a:xfrm>
+                      <a:prstGeom prst="rect">
+                        <a:avLst/>
+                      </a:prstGeom>
+                      <a:noFill/>
+                      <a:extLst>
+                        <a:ext uri="{909E8E84-426E-40DD-AFC4-6F175D3DCCD1}">
+                          <a14:hiddenFill xmlns:a14="http://schemas.microsoft.com/office/drawing/2010/main">
+                            <a:solidFill>
+                              <a:srgbClr val="FFFFFF"/>
+                            </a:solidFill>
+                          </a14:hiddenFill>
+                        </a:ext>
+                      </a:extLst>
+                    </p:spPr>
+                  </p:pic>
+                </p:oleObj>
+              </mc:Fallback>
+            </mc:AlternateContent>
+          </a:graphicData>
+        </a:graphic>
+      </p:graphicFrame>
+      <p:graphicFrame>
+        <p:nvGraphicFramePr>
+          <p:cNvPr id="9220" name="Object 9"/>
+          <p:cNvGraphicFramePr>
+            <a:graphicFrameLocks noChangeAspect="1"/>
+          </p:cNvGraphicFramePr>
+          <p:nvPr/>
+        </p:nvGraphicFramePr>
+        <p:xfrm>
+          <a:off x="1557338" y="4433888"/>
+          <a:ext cx="977900" cy="793750"/>
+        </p:xfrm>
+        <a:graphic>
+          <a:graphicData uri="http://schemas.openxmlformats.org/presentationml/2006/ole">
+            <mc:AlternateContent xmlns:mc="http://schemas.openxmlformats.org/markup-compatibility/2006">
+              <mc:Choice xmlns:v="urn:schemas-microsoft-com:vml" Requires="v">
+                <p:oleObj name="Equation" r:id="rId7" imgW="482400" imgH="393480" progId="Equation.3">
+                  <p:embed/>
+                </p:oleObj>
+              </mc:Choice>
+              <mc:Fallback>
+                <p:oleObj name="Equation" r:id="rId7" imgW="482400" imgH="393480" progId="Equation.3">
+                  <p:embed/>
+                  <p:pic>
+                    <p:nvPicPr>
+                      <p:cNvPr id="9220" name="Object 9"/>
+                      <p:cNvPicPr>
+                        <a:picLocks noChangeAspect="1" noChangeArrowheads="1"/>
+                      </p:cNvPicPr>
+                      <p:nvPr/>
+                    </p:nvPicPr>
+                    <p:blipFill>
+                      <a:blip r:embed="rId8">
+                        <a:extLst>
+                          <a:ext uri="{28A0092B-C50C-407E-A947-70E740481C1C}">
+                            <a14:useLocalDpi xmlns:a14="http://schemas.microsoft.com/office/drawing/2010/main" val="0"/>
+                          </a:ext>
+                        </a:extLst>
+                      </a:blip>
+                      <a:srcRect/>
+                      <a:stretch>
+                        <a:fillRect/>
+                      </a:stretch>
+                    </p:blipFill>
+                    <p:spPr bwMode="auto">
+                      <a:xfrm>
+                        <a:off x="1557338" y="4433888"/>
+                        <a:ext cx="977900" cy="793750"/>
+                      </a:xfrm>
+                      <a:prstGeom prst="rect">
+                        <a:avLst/>
+                      </a:prstGeom>
+                      <a:noFill/>
+                      <a:extLst>
+                        <a:ext uri="{909E8E84-426E-40DD-AFC4-6F175D3DCCD1}">
+                          <a14:hiddenFill xmlns:a14="http://schemas.microsoft.com/office/drawing/2010/main">
+                            <a:solidFill>
+                              <a:srgbClr val="FFFFFF"/>
+                            </a:solidFill>
+                          </a14:hiddenFill>
+                        </a:ext>
+                      </a:extLst>
+                    </p:spPr>
+                  </p:pic>
+                </p:oleObj>
+              </mc:Fallback>
+            </mc:AlternateContent>
+          </a:graphicData>
+        </a:graphic>
+      </p:graphicFrame>
+      <p:graphicFrame>
+        <p:nvGraphicFramePr>
+          <p:cNvPr id="9221" name="Object 8"/>
+          <p:cNvGraphicFramePr>
+            <a:graphicFrameLocks noChangeAspect="1"/>
+          </p:cNvGraphicFramePr>
+          <p:nvPr/>
+        </p:nvGraphicFramePr>
+        <p:xfrm>
+          <a:off x="839788" y="5194300"/>
+          <a:ext cx="2374900" cy="763588"/>
+        </p:xfrm>
+        <a:graphic>
+          <a:graphicData uri="http://schemas.openxmlformats.org/presentationml/2006/ole">
+            <mc:AlternateContent xmlns:mc="http://schemas.openxmlformats.org/markup-compatibility/2006">
+              <mc:Choice xmlns:v="urn:schemas-microsoft-com:vml" Requires="v">
+                <p:oleObj name="Equation" r:id="rId9" imgW="1333440" imgH="431640" progId="Equation.3">
+                  <p:embed/>
+                </p:oleObj>
+              </mc:Choice>
+              <mc:Fallback>
+                <p:oleObj name="Equation" r:id="rId9" imgW="1333440" imgH="431640" progId="Equation.3">
+                  <p:embed/>
+                  <p:pic>
+                    <p:nvPicPr>
+                      <p:cNvPr id="9221" name="Object 8"/>
+                      <p:cNvPicPr>
+                        <a:picLocks noChangeAspect="1" noChangeArrowheads="1"/>
+                      </p:cNvPicPr>
+                      <p:nvPr/>
+                    </p:nvPicPr>
+                    <p:blipFill>
+                      <a:blip r:embed="rId10">
+                        <a:extLst>
+                          <a:ext uri="{28A0092B-C50C-407E-A947-70E740481C1C}">
+                            <a14:useLocalDpi xmlns:a14="http://schemas.microsoft.com/office/drawing/2010/main" val="0"/>
+                          </a:ext>
+                        </a:extLst>
+                      </a:blip>
+                      <a:srcRect/>
+                      <a:stretch>
+                        <a:fillRect/>
+                      </a:stretch>
+                    </p:blipFill>
+                    <p:spPr bwMode="auto">
+                      <a:xfrm>
+                        <a:off x="839788" y="5194300"/>
+                        <a:ext cx="2374900" cy="763588"/>
+                      </a:xfrm>
+                      <a:prstGeom prst="rect">
+                        <a:avLst/>
+                      </a:prstGeom>
+                      <a:noFill/>
+                      <a:extLst>
+                        <a:ext uri="{909E8E84-426E-40DD-AFC4-6F175D3DCCD1}">
+                          <a14:hiddenFill xmlns:a14="http://schemas.microsoft.com/office/drawing/2010/main">
+                            <a:solidFill>
+                              <a:srgbClr val="FFFFFF"/>
+                            </a:solidFill>
+                          </a14:hiddenFill>
+                        </a:ext>
+                      </a:extLst>
+                    </p:spPr>
+                  </p:pic>
+                </p:oleObj>
+              </mc:Fallback>
+            </mc:AlternateContent>
+          </a:graphicData>
+        </a:graphic>
+      </p:graphicFrame>
+      <p:sp>
+        <p:nvSpPr>
+          <p:cNvPr id="9230" name="Rectangle 10"/>
+          <p:cNvSpPr>
+            <a:spLocks noChangeArrowheads="1"/>
+          </p:cNvSpPr>
+          <p:nvPr/>
+        </p:nvSpPr>
+        <p:spPr bwMode="auto">
+          <a:xfrm>
+            <a:off x="0" y="2836863"/>
+            <a:ext cx="9144000" cy="0"/>
+          </a:xfrm>
+          <a:prstGeom prst="rect">
+            <a:avLst/>
+          </a:prstGeom>
+          <a:noFill/>
+          <a:ln w="9525" algn="ctr">
+            <a:noFill/>
+            <a:miter lim="800000"/>
+            <a:headEnd/>
+            <a:tailEnd/>
+          </a:ln>
+        </p:spPr>
+        <p:txBody>
+          <a:bodyPr wrap="none" anchor="ctr">
+            <a:spAutoFit/>
+          </a:bodyPr>
+          <a:lstStyle/>
+          <a:p>
+            <a:endParaRPr lang="en-US"/>
+          </a:p>
+        </p:txBody>
+      </p:sp>
+      <p:sp>
+        <p:nvSpPr>
+          <p:cNvPr id="9231" name="Text Box 12"/>
+          <p:cNvSpPr txBox="1">
+            <a:spLocks noChangeArrowheads="1"/>
+          </p:cNvSpPr>
+          <p:nvPr/>
+        </p:nvSpPr>
+        <p:spPr bwMode="auto">
+          <a:xfrm>
+            <a:off x="5195888" y="4594225"/>
+            <a:ext cx="3529012" cy="915988"/>
+          </a:xfrm>
+          <a:prstGeom prst="rect">
+            <a:avLst/>
+          </a:prstGeom>
+          <a:noFill/>
+          <a:ln w="9525" algn="ctr">
+            <a:noFill/>
+            <a:miter lim="800000"/>
+            <a:headEnd/>
+            <a:tailEnd/>
+          </a:ln>
+        </p:spPr>
+        <p:txBody>
+          <a:bodyPr>
+            <a:spAutoFit/>
+          </a:bodyPr>
+          <a:lstStyle/>
+          <a:p>
+            <a:r>
+              <a:rPr lang="en-US"/>
+              <a:t>We have a special name for a, it is the wavenumber, and we give it the symbol </a:t>
+            </a:r>
+            <a:r>
+              <a:rPr lang="en-US" i="1"/>
+              <a:t>k</a:t>
+            </a:r>
+            <a:endParaRPr lang="en-US"/>
+          </a:p>
+        </p:txBody>
+      </p:sp>
+      <p:sp>
+        <p:nvSpPr>
+          <p:cNvPr id="9232" name="Rectangle 14"/>
+          <p:cNvSpPr>
+            <a:spLocks noChangeArrowheads="1"/>
+          </p:cNvSpPr>
+          <p:nvPr/>
+        </p:nvSpPr>
+        <p:spPr bwMode="auto">
+          <a:xfrm>
+            <a:off x="0" y="3262313"/>
+            <a:ext cx="9144000" cy="0"/>
+          </a:xfrm>
+          <a:prstGeom prst="rect">
+            <a:avLst/>
+          </a:prstGeom>
+          <a:noFill/>
+          <a:ln w="9525" algn="ctr">
+            <a:noFill/>
+            <a:miter lim="800000"/>
+            <a:headEnd/>
+            <a:tailEnd/>
+          </a:ln>
+        </p:spPr>
+        <p:txBody>
+          <a:bodyPr wrap="none" anchor="ctr">
+            <a:spAutoFit/>
+          </a:bodyPr>
+          <a:lstStyle/>
+          <a:p>
+            <a:endParaRPr lang="en-US"/>
+          </a:p>
+        </p:txBody>
+      </p:sp>
+      <p:graphicFrame>
+        <p:nvGraphicFramePr>
+          <p:cNvPr id="9222" name="Object 13"/>
+          <p:cNvGraphicFramePr>
+            <a:graphicFrameLocks noChangeAspect="1"/>
+          </p:cNvGraphicFramePr>
+          <p:nvPr/>
+        </p:nvGraphicFramePr>
+        <p:xfrm>
+          <a:off x="6361113" y="5449888"/>
+          <a:ext cx="1036637" cy="844550"/>
+        </p:xfrm>
+        <a:graphic>
+          <a:graphicData uri="http://schemas.openxmlformats.org/presentationml/2006/ole">
+            <mc:AlternateContent xmlns:mc="http://schemas.openxmlformats.org/markup-compatibility/2006">
+              <mc:Choice xmlns:v="urn:schemas-microsoft-com:vml" Requires="v">
+                <p:oleObj name="Equation" r:id="rId11" imgW="482400" imgH="393480" progId="Equation.3">
+                  <p:embed/>
+                </p:oleObj>
+              </mc:Choice>
+              <mc:Fallback>
+                <p:oleObj name="Equation" r:id="rId11" imgW="482400" imgH="393480" progId="Equation.3">
+                  <p:embed/>
+                  <p:pic>
+                    <p:nvPicPr>
+                      <p:cNvPr id="9222" name="Object 13"/>
+                      <p:cNvPicPr>
+                        <a:picLocks noChangeAspect="1" noChangeArrowheads="1"/>
+                      </p:cNvPicPr>
+                      <p:nvPr/>
+                    </p:nvPicPr>
+                    <p:blipFill>
+                      <a:blip r:embed="rId12">
+                        <a:extLst>
+                          <a:ext uri="{28A0092B-C50C-407E-A947-70E740481C1C}">
+                            <a14:useLocalDpi xmlns:a14="http://schemas.microsoft.com/office/drawing/2010/main" val="0"/>
+                          </a:ext>
+                        </a:extLst>
+                      </a:blip>
+                      <a:srcRect/>
+                      <a:stretch>
+                        <a:fillRect/>
+                      </a:stretch>
+                    </p:blipFill>
+                    <p:spPr bwMode="auto">
+                      <a:xfrm>
+                        <a:off x="6361113" y="5449888"/>
+                        <a:ext cx="1036637" cy="844550"/>
+                      </a:xfrm>
+                      <a:prstGeom prst="rect">
+                        <a:avLst/>
+                      </a:prstGeom>
+                      <a:noFill/>
+                      <a:extLst>
+                        <a:ext uri="{909E8E84-426E-40DD-AFC4-6F175D3DCCD1}">
+                          <a14:hiddenFill xmlns:a14="http://schemas.microsoft.com/office/drawing/2010/main">
+                            <a:solidFill>
+                              <a:srgbClr val="FFFFFF"/>
+                            </a:solidFill>
+                          </a14:hiddenFill>
+                        </a:ext>
+                      </a:extLst>
+                    </p:spPr>
+                  </p:pic>
+                </p:oleObj>
+              </mc:Fallback>
+            </mc:AlternateContent>
+          </a:graphicData>
+        </a:graphic>
+      </p:graphicFrame>
+    </p:spTree>
+  </p:cSld>
+  <p:clrMapOvr>
+    <a:masterClrMapping/>
+  </p:clrMapOvr>
+</p:sld>
+</file>
+
+<file path=ppt/slides/slide16.xml><?xml version="1.0" encoding="utf-8"?>
+<p:sld xmlns:a="http://schemas.openxmlformats.org/drawingml/2006/main" xmlns:r="http://schemas.openxmlformats.org/officeDocument/2006/relationships" xmlns:p="http://schemas.openxmlformats.org/presentationml/2006/main">
+  <p:cSld>
+    <p:spTree>
+      <p:nvGrpSpPr>
+        <p:cNvPr id="1" name=""/>
+        <p:cNvGrpSpPr/>
+        <p:nvPr/>
+      </p:nvGrpSpPr>
+      <p:grpSpPr>
+        <a:xfrm>
+          <a:off x="0" y="0"/>
+          <a:ext cx="0" cy="0"/>
+          <a:chOff x="0" y="0"/>
+          <a:chExt cx="0" cy="0"/>
+        </a:xfrm>
+      </p:grpSpPr>
+      <p:sp>
+        <p:nvSpPr>
+          <p:cNvPr id="5" name="Rectangle 4"/>
+          <p:cNvSpPr/>
+          <p:nvPr/>
+        </p:nvSpPr>
+        <p:spPr>
+          <a:xfrm>
+            <a:off x="0" y="-1"/>
+            <a:ext cx="9144000" cy="6897229"/>
+          </a:xfrm>
+          <a:prstGeom prst="rect">
+            <a:avLst/>
+          </a:prstGeom>
+          <a:solidFill>
+            <a:schemeClr val="tx1"/>
+          </a:solidFill>
+          <a:ln>
+            <a:noFill/>
+          </a:ln>
+        </p:spPr>
+        <p:style>
+          <a:lnRef idx="2">
+            <a:schemeClr val="accent1">
+              <a:shade val="50000"/>
+            </a:schemeClr>
+          </a:lnRef>
+          <a:fillRef idx="1">
+            <a:schemeClr val="accent1"/>
+          </a:fillRef>
+          <a:effectRef idx="0">
+            <a:schemeClr val="accent1"/>
+          </a:effectRef>
+          <a:fontRef idx="minor">
+            <a:schemeClr val="lt1"/>
+          </a:fontRef>
+        </p:style>
+        <p:txBody>
+          <a:bodyPr rtlCol="0" anchor="ctr"/>
+          <a:lstStyle/>
+          <a:p>
+            <a:pPr algn="ctr"/>
+            <a:endParaRPr lang="en-US"/>
+          </a:p>
+        </p:txBody>
+      </p:sp>
+      <p:sp>
+        <p:nvSpPr>
+          <p:cNvPr id="2" name="Title 1"/>
+          <p:cNvSpPr>
+            <a:spLocks noGrp="1"/>
+          </p:cNvSpPr>
+          <p:nvPr>
+            <p:ph type="title"/>
+          </p:nvPr>
+        </p:nvSpPr>
+        <p:spPr/>
+        <p:txBody>
+          <a:bodyPr/>
+          <a:lstStyle/>
+          <a:p>
+            <a:endParaRPr lang="en-US"/>
+          </a:p>
+        </p:txBody>
+      </p:sp>
+      <p:sp>
+        <p:nvSpPr>
+          <p:cNvPr id="4" name="Content Placeholder 3"/>
+          <p:cNvSpPr>
+            <a:spLocks noGrp="1"/>
+          </p:cNvSpPr>
+          <p:nvPr>
+            <p:ph idx="1"/>
+          </p:nvPr>
+        </p:nvSpPr>
+        <p:spPr/>
+        <p:txBody>
+          <a:bodyPr/>
+          <a:lstStyle/>
+          <a:p>
+            <a:endParaRPr lang="en-US"/>
+          </a:p>
+        </p:txBody>
+      </p:sp>
+      <p:pic>
+        <p:nvPicPr>
+          <p:cNvPr id="35844" name="Picture 4"/>
+          <p:cNvPicPr>
+            <a:picLocks noChangeAspect="1" noChangeArrowheads="1"/>
+          </p:cNvPicPr>
+          <p:nvPr/>
+        </p:nvPicPr>
+        <p:blipFill>
+          <a:blip r:embed="rId2">
+            <a:extLst>
+              <a:ext uri="{28A0092B-C50C-407E-A947-70E740481C1C}">
+                <a14:useLocalDpi xmlns:a14="http://schemas.microsoft.com/office/drawing/2010/main" val="0"/>
+              </a:ext>
+            </a:extLst>
+          </a:blip>
+          <a:srcRect/>
+          <a:stretch>
+            <a:fillRect/>
+          </a:stretch>
+        </p:blipFill>
+        <p:spPr bwMode="auto">
+          <a:xfrm>
+            <a:off x="371475" y="-1"/>
+            <a:ext cx="8458200" cy="6828026"/>
+          </a:xfrm>
+          <a:prstGeom prst="rect">
+            <a:avLst/>
+          </a:prstGeom>
+          <a:noFill/>
+          <a:ln>
+            <a:noFill/>
+          </a:ln>
+          <a:effectLst/>
+          <a:extLst>
+            <a:ext uri="{909E8E84-426E-40DD-AFC4-6F175D3DCCD1}">
+              <a14:hiddenFill xmlns:a14="http://schemas.microsoft.com/office/drawing/2010/main">
+                <a:solidFill>
+                  <a:schemeClr val="accent1"/>
+                </a:solidFill>
+              </a14:hiddenFill>
+            </a:ext>
+            <a:ext uri="{91240B29-F687-4F45-9708-019B960494DF}">
+              <a14:hiddenLine xmlns:a14="http://schemas.microsoft.com/office/drawing/2010/main" w="9525">
+                <a:solidFill>
+                  <a:schemeClr val="tx1"/>
+                </a:solidFill>
+                <a:miter lim="800000"/>
+                <a:headEnd/>
+                <a:tailEnd/>
+              </a14:hiddenLine>
+            </a:ext>
+            <a:ext uri="{AF507438-7753-43E0-B8FC-AC1667EBCBE1}">
+              <a14:hiddenEffects xmlns:a14="http://schemas.microsoft.com/office/drawing/2010/main">
+                <a:effectLst>
+                  <a:outerShdw dist="35921" dir="2700000" algn="ctr" rotWithShape="0">
+                    <a:schemeClr val="bg2"/>
+                  </a:outerShdw>
+                </a:effectLst>
+              </a14:hiddenEffects>
+            </a:ext>
+          </a:extLst>
+        </p:spPr>
+      </p:pic>
+    </p:spTree>
+  </p:cSld>
+  <p:clrMapOvr>
+    <a:masterClrMapping/>
+  </p:clrMapOvr>
+</p:sld>
+</file>
+
+<file path=ppt/slides/slide17.xml><?xml version="1.0" encoding="utf-8"?>
+<p:sld xmlns:a="http://schemas.openxmlformats.org/drawingml/2006/main" xmlns:r="http://schemas.openxmlformats.org/officeDocument/2006/relationships" xmlns:p="http://schemas.openxmlformats.org/presentationml/2006/main">
+  <p:cSld>
+    <p:spTree>
+      <p:nvGrpSpPr>
+        <p:cNvPr id="1" name=""/>
+        <p:cNvGrpSpPr/>
+        <p:nvPr/>
+      </p:nvGrpSpPr>
+      <p:grpSpPr>
+        <a:xfrm>
+          <a:off x="0" y="0"/>
+          <a:ext cx="0" cy="0"/>
+          <a:chOff x="0" y="0"/>
+          <a:chExt cx="0" cy="0"/>
+        </a:xfrm>
+      </p:grpSpPr>
+      <p:pic>
+        <p:nvPicPr>
+          <p:cNvPr id="31747" name="Picture 3"/>
+          <p:cNvPicPr>
+            <a:picLocks noChangeAspect="1" noChangeArrowheads="1"/>
+          </p:cNvPicPr>
+          <p:nvPr/>
+        </p:nvPicPr>
+        <p:blipFill>
+          <a:blip r:embed="rId2" cstate="print"/>
+          <a:srcRect/>
+          <a:stretch>
+            <a:fillRect/>
+          </a:stretch>
+        </p:blipFill>
+        <p:spPr bwMode="auto">
+          <a:xfrm>
+            <a:off x="890695" y="1665027"/>
+            <a:ext cx="7176933" cy="1205457"/>
+          </a:xfrm>
+          <a:prstGeom prst="rect">
+            <a:avLst/>
+          </a:prstGeom>
+          <a:noFill/>
+          <a:ln w="9525">
+            <a:noFill/>
+            <a:miter lim="800000"/>
+            <a:headEnd/>
+            <a:tailEnd/>
+          </a:ln>
+          <a:effectLst/>
+        </p:spPr>
+      </p:pic>
+      <p:pic>
+        <p:nvPicPr>
+          <p:cNvPr id="31748" name="Picture 4"/>
+          <p:cNvPicPr>
+            <a:picLocks noChangeAspect="1" noChangeArrowheads="1"/>
+          </p:cNvPicPr>
+          <p:nvPr/>
+        </p:nvPicPr>
+        <p:blipFill>
+          <a:blip r:embed="rId3" cstate="print"/>
+          <a:srcRect/>
+          <a:stretch>
+            <a:fillRect/>
+          </a:stretch>
+        </p:blipFill>
+        <p:spPr bwMode="auto">
+          <a:xfrm>
+            <a:off x="844403" y="4580720"/>
+            <a:ext cx="7586029" cy="1274170"/>
+          </a:xfrm>
+          <a:prstGeom prst="rect">
+            <a:avLst/>
+          </a:prstGeom>
+          <a:noFill/>
+          <a:ln w="9525">
+            <a:noFill/>
+            <a:miter lim="800000"/>
+            <a:headEnd/>
+            <a:tailEnd/>
+          </a:ln>
+          <a:effectLst/>
+        </p:spPr>
+      </p:pic>
+      <p:sp>
+        <p:nvSpPr>
+          <p:cNvPr id="31750" name="Rectangle 6"/>
+          <p:cNvSpPr>
+            <a:spLocks noChangeArrowheads="1"/>
+          </p:cNvSpPr>
+          <p:nvPr/>
+        </p:nvSpPr>
+        <p:spPr bwMode="auto">
+          <a:xfrm>
+            <a:off x="0" y="0"/>
+            <a:ext cx="9144000" cy="0"/>
+          </a:xfrm>
+          <a:prstGeom prst="rect">
+            <a:avLst/>
+          </a:prstGeom>
+          <a:noFill/>
+          <a:ln w="9525">
+            <a:noFill/>
+            <a:miter lim="800000"/>
+            <a:headEnd/>
+            <a:tailEnd/>
+          </a:ln>
+          <a:effectLst/>
+        </p:spPr>
+        <p:txBody>
+          <a:bodyPr vert="horz" wrap="none" lIns="91440" tIns="45720" rIns="91440" bIns="45720" numCol="1" anchor="ctr" anchorCtr="0" compatLnSpc="1">
+            <a:prstTxWarp prst="textNoShape">
+              <a:avLst/>
+            </a:prstTxWarp>
+            <a:spAutoFit/>
+          </a:bodyPr>
+          <a:lstStyle/>
+          <a:p>
+            <a:endParaRPr lang="en-US"/>
+          </a:p>
+        </p:txBody>
+      </p:sp>
+      <p:graphicFrame>
+        <p:nvGraphicFramePr>
+          <p:cNvPr id="31749" name="Object 5"/>
+          <p:cNvGraphicFramePr>
+            <a:graphicFrameLocks noChangeAspect="1"/>
+          </p:cNvGraphicFramePr>
+          <p:nvPr/>
+        </p:nvGraphicFramePr>
+        <p:xfrm>
+          <a:off x="2292824" y="368490"/>
+          <a:ext cx="4124960" cy="914400"/>
+        </p:xfrm>
+        <a:graphic>
+          <a:graphicData uri="http://schemas.openxmlformats.org/presentationml/2006/ole">
+            <mc:AlternateContent xmlns:mc="http://schemas.openxmlformats.org/markup-compatibility/2006">
+              <mc:Choice xmlns:v="urn:schemas-microsoft-com:vml" Requires="v">
+                <p:oleObj name="Equation" r:id="rId4" imgW="1930400" imgH="431800" progId="Equation.3">
+                  <p:embed/>
+                </p:oleObj>
+              </mc:Choice>
+              <mc:Fallback>
+                <p:oleObj name="Equation" r:id="rId4" imgW="1930400" imgH="431800" progId="Equation.3">
+                  <p:embed/>
+                  <p:pic>
+                    <p:nvPicPr>
+                      <p:cNvPr id="31749" name="Object 5"/>
+                      <p:cNvPicPr>
+                        <a:picLocks noChangeAspect="1" noChangeArrowheads="1"/>
+                      </p:cNvPicPr>
+                      <p:nvPr/>
+                    </p:nvPicPr>
+                    <p:blipFill>
+                      <a:blip r:embed="rId5">
+                        <a:extLst>
+                          <a:ext uri="{28A0092B-C50C-407E-A947-70E740481C1C}">
+                            <a14:useLocalDpi xmlns:a14="http://schemas.microsoft.com/office/drawing/2010/main" val="0"/>
+                          </a:ext>
+                        </a:extLst>
+                      </a:blip>
+                      <a:srcRect/>
+                      <a:stretch>
+                        <a:fillRect/>
+                      </a:stretch>
+                    </p:blipFill>
+                    <p:spPr bwMode="auto">
+                      <a:xfrm>
+                        <a:off x="2292824" y="368490"/>
+                        <a:ext cx="4124960" cy="914400"/>
+                      </a:xfrm>
+                      <a:prstGeom prst="rect">
+                        <a:avLst/>
+                      </a:prstGeom>
+                      <a:noFill/>
+                      <a:extLst>
+                        <a:ext uri="{909E8E84-426E-40DD-AFC4-6F175D3DCCD1}">
+                          <a14:hiddenFill xmlns:a14="http://schemas.microsoft.com/office/drawing/2010/main">
+                            <a:solidFill>
+                              <a:srgbClr val="FFFFFF"/>
+                            </a:solidFill>
+                          </a14:hiddenFill>
+                        </a:ext>
+                      </a:extLst>
+                    </p:spPr>
+                  </p:pic>
+                </p:oleObj>
+              </mc:Fallback>
+            </mc:AlternateContent>
+          </a:graphicData>
+        </a:graphic>
+      </p:graphicFrame>
+      <p:sp>
+        <p:nvSpPr>
+          <p:cNvPr id="31752" name="Rectangle 8"/>
+          <p:cNvSpPr>
+            <a:spLocks noChangeArrowheads="1"/>
+          </p:cNvSpPr>
+          <p:nvPr/>
+        </p:nvSpPr>
+        <p:spPr bwMode="auto">
+          <a:xfrm>
+            <a:off x="0" y="0"/>
+            <a:ext cx="9144000" cy="0"/>
+          </a:xfrm>
+          <a:prstGeom prst="rect">
+            <a:avLst/>
+          </a:prstGeom>
+          <a:noFill/>
+          <a:ln w="9525">
+            <a:noFill/>
+            <a:miter lim="800000"/>
+            <a:headEnd/>
+            <a:tailEnd/>
+          </a:ln>
+          <a:effectLst/>
+        </p:spPr>
+        <p:txBody>
+          <a:bodyPr vert="horz" wrap="none" lIns="91440" tIns="45720" rIns="91440" bIns="45720" numCol="1" anchor="ctr" anchorCtr="0" compatLnSpc="1">
+            <a:prstTxWarp prst="textNoShape">
+              <a:avLst/>
+            </a:prstTxWarp>
+            <a:spAutoFit/>
+          </a:bodyPr>
+          <a:lstStyle/>
+          <a:p>
+            <a:endParaRPr lang="en-US"/>
+          </a:p>
+        </p:txBody>
+      </p:sp>
+      <p:graphicFrame>
+        <p:nvGraphicFramePr>
+          <p:cNvPr id="31751" name="Object 7"/>
+          <p:cNvGraphicFramePr>
+            <a:graphicFrameLocks noChangeAspect="1"/>
+          </p:cNvGraphicFramePr>
+          <p:nvPr>
+            <p:extLst>
+              <p:ext uri="{D42A27DB-BD31-4B8C-83A1-F6EECF244321}">
+                <p14:modId xmlns:p14="http://schemas.microsoft.com/office/powerpoint/2010/main" val="912983521"/>
+              </p:ext>
+            </p:extLst>
+          </p:nvPr>
+        </p:nvGraphicFramePr>
+        <p:xfrm>
+          <a:off x="2412033" y="3283778"/>
+          <a:ext cx="3863975" cy="804863"/>
+        </p:xfrm>
+        <a:graphic>
+          <a:graphicData uri="http://schemas.openxmlformats.org/presentationml/2006/ole">
+            <mc:AlternateContent xmlns:mc="http://schemas.openxmlformats.org/markup-compatibility/2006">
+              <mc:Choice xmlns:v="urn:schemas-microsoft-com:vml" Requires="v">
+                <p:oleObj name="Equation" r:id="rId6" imgW="2057400" imgH="431640" progId="Equation.3">
+                  <p:embed/>
+                </p:oleObj>
+              </mc:Choice>
+              <mc:Fallback>
+                <p:oleObj name="Equation" r:id="rId6" imgW="2057400" imgH="431640" progId="Equation.3">
+                  <p:embed/>
+                  <p:pic>
+                    <p:nvPicPr>
+                      <p:cNvPr id="31751" name="Object 7"/>
+                      <p:cNvPicPr>
+                        <a:picLocks noChangeAspect="1" noChangeArrowheads="1"/>
+                      </p:cNvPicPr>
+                      <p:nvPr/>
+                    </p:nvPicPr>
+                    <p:blipFill>
+                      <a:blip r:embed="rId7"/>
+                      <a:srcRect/>
+                      <a:stretch>
+                        <a:fillRect/>
+                      </a:stretch>
+                    </p:blipFill>
+                    <p:spPr bwMode="auto">
+                      <a:xfrm>
+                        <a:off x="2412033" y="3283778"/>
+                        <a:ext cx="3863975" cy="804863"/>
+                      </a:xfrm>
+                      <a:prstGeom prst="rect">
+                        <a:avLst/>
+                      </a:prstGeom>
+                      <a:noFill/>
+                      <a:extLst>
+                        <a:ext uri="{909E8E84-426E-40DD-AFC4-6F175D3DCCD1}">
+                          <a14:hiddenFill xmlns:a14="http://schemas.microsoft.com/office/drawing/2010/main">
+                            <a:solidFill>
+                              <a:srgbClr val="FFFFFF"/>
+                            </a:solidFill>
+                          </a14:hiddenFill>
+                        </a:ext>
+                      </a:extLst>
+                    </p:spPr>
+                  </p:pic>
+                </p:oleObj>
+              </mc:Fallback>
+            </mc:AlternateContent>
+          </a:graphicData>
+        </a:graphic>
+      </p:graphicFrame>
+    </p:spTree>
+  </p:cSld>
+  <p:clrMapOvr>
+    <a:masterClrMapping/>
+  </p:clrMapOvr>
+</p:sld>
+</file>
+
+<file path=ppt/slides/slide18.xml><?xml version="1.0" encoding="utf-8"?>
+<p:sld xmlns:a="http://schemas.openxmlformats.org/drawingml/2006/main" xmlns:r="http://schemas.openxmlformats.org/officeDocument/2006/relationships" xmlns:p="http://schemas.openxmlformats.org/presentationml/2006/main">
+  <p:cSld>
+    <p:spTree>
+      <p:nvGrpSpPr>
+        <p:cNvPr id="1" name=""/>
+        <p:cNvGrpSpPr/>
+        <p:nvPr/>
+      </p:nvGrpSpPr>
+      <p:grpSpPr>
+        <a:xfrm>
+          <a:off x="0" y="0"/>
+          <a:ext cx="0" cy="0"/>
+          <a:chOff x="0" y="0"/>
+          <a:chExt cx="0" cy="0"/>
+        </a:xfrm>
+      </p:grpSpPr>
+      <p:pic>
+        <p:nvPicPr>
+          <p:cNvPr id="34818" name="Picture 2"/>
+          <p:cNvPicPr>
+            <a:picLocks noChangeAspect="1" noChangeArrowheads="1"/>
+          </p:cNvPicPr>
+          <p:nvPr/>
+        </p:nvPicPr>
+        <p:blipFill>
+          <a:blip r:embed="rId2" cstate="print"/>
+          <a:srcRect/>
+          <a:stretch>
+            <a:fillRect/>
+          </a:stretch>
+        </p:blipFill>
+        <p:spPr bwMode="auto">
+          <a:xfrm>
+            <a:off x="801829" y="1796575"/>
+            <a:ext cx="7261017" cy="1219580"/>
+          </a:xfrm>
+          <a:prstGeom prst="rect">
+            <a:avLst/>
+          </a:prstGeom>
+          <a:noFill/>
+          <a:ln w="9525">
+            <a:noFill/>
+            <a:miter lim="800000"/>
+            <a:headEnd/>
+            <a:tailEnd/>
+          </a:ln>
+          <a:effectLst/>
+        </p:spPr>
+      </p:pic>
+      <p:pic>
+        <p:nvPicPr>
+          <p:cNvPr id="34819" name="Picture 3"/>
+          <p:cNvPicPr>
+            <a:picLocks noChangeAspect="1" noChangeArrowheads="1"/>
+          </p:cNvPicPr>
+          <p:nvPr/>
+        </p:nvPicPr>
+        <p:blipFill>
+          <a:blip r:embed="rId3" cstate="print"/>
+          <a:srcRect/>
+          <a:stretch>
+            <a:fillRect/>
+          </a:stretch>
+        </p:blipFill>
+        <p:spPr bwMode="auto">
+          <a:xfrm>
+            <a:off x="938308" y="4594366"/>
+            <a:ext cx="7098504" cy="1192284"/>
+          </a:xfrm>
+          <a:prstGeom prst="rect">
+            <a:avLst/>
+          </a:prstGeom>
+          <a:noFill/>
+          <a:ln w="9525">
+            <a:noFill/>
+            <a:miter lim="800000"/>
+            <a:headEnd/>
+            <a:tailEnd/>
+          </a:ln>
+          <a:effectLst/>
+        </p:spPr>
+      </p:pic>
+      <p:sp>
+        <p:nvSpPr>
+          <p:cNvPr id="34821" name="Rectangle 5"/>
+          <p:cNvSpPr>
+            <a:spLocks noChangeArrowheads="1"/>
+          </p:cNvSpPr>
+          <p:nvPr/>
+        </p:nvSpPr>
+        <p:spPr bwMode="auto">
+          <a:xfrm>
+            <a:off x="0" y="0"/>
+            <a:ext cx="9144000" cy="0"/>
+          </a:xfrm>
+          <a:prstGeom prst="rect">
+            <a:avLst/>
+          </a:prstGeom>
+          <a:noFill/>
+          <a:ln w="9525">
+            <a:noFill/>
+            <a:miter lim="800000"/>
+            <a:headEnd/>
+            <a:tailEnd/>
+          </a:ln>
+          <a:effectLst/>
+        </p:spPr>
+        <p:txBody>
+          <a:bodyPr vert="horz" wrap="none" lIns="91440" tIns="45720" rIns="91440" bIns="45720" numCol="1" anchor="ctr" anchorCtr="0" compatLnSpc="1">
+            <a:prstTxWarp prst="textNoShape">
+              <a:avLst/>
+            </a:prstTxWarp>
+            <a:spAutoFit/>
+          </a:bodyPr>
+          <a:lstStyle/>
+          <a:p>
+            <a:endParaRPr lang="en-US"/>
+          </a:p>
+        </p:txBody>
+      </p:sp>
+      <p:graphicFrame>
+        <p:nvGraphicFramePr>
+          <p:cNvPr id="34820" name="Object 4"/>
+          <p:cNvGraphicFramePr>
+            <a:graphicFrameLocks noChangeAspect="1"/>
+          </p:cNvGraphicFramePr>
+          <p:nvPr>
+            <p:extLst>
+              <p:ext uri="{D42A27DB-BD31-4B8C-83A1-F6EECF244321}">
+                <p14:modId xmlns:p14="http://schemas.microsoft.com/office/powerpoint/2010/main" val="2766505344"/>
+              </p:ext>
+            </p:extLst>
+          </p:nvPr>
+        </p:nvGraphicFramePr>
+        <p:xfrm>
+          <a:off x="2373313" y="409575"/>
+          <a:ext cx="3948112" cy="900113"/>
+        </p:xfrm>
+        <a:graphic>
+          <a:graphicData uri="http://schemas.openxmlformats.org/presentationml/2006/ole">
+            <mc:AlternateContent xmlns:mc="http://schemas.openxmlformats.org/markup-compatibility/2006">
+              <mc:Choice xmlns:v="urn:schemas-microsoft-com:vml" Requires="v">
+                <p:oleObj name="Equation" r:id="rId4" imgW="1879560" imgH="431640" progId="Equation.3">
+                  <p:embed/>
+                </p:oleObj>
+              </mc:Choice>
+              <mc:Fallback>
+                <p:oleObj name="Equation" r:id="rId4" imgW="1879560" imgH="431640" progId="Equation.3">
+                  <p:embed/>
+                  <p:pic>
+                    <p:nvPicPr>
+                      <p:cNvPr id="34820" name="Object 4"/>
+                      <p:cNvPicPr>
+                        <a:picLocks noChangeAspect="1" noChangeArrowheads="1"/>
+                      </p:cNvPicPr>
+                      <p:nvPr/>
+                    </p:nvPicPr>
+                    <p:blipFill>
+                      <a:blip r:embed="rId5"/>
+                      <a:srcRect/>
+                      <a:stretch>
+                        <a:fillRect/>
+                      </a:stretch>
+                    </p:blipFill>
+                    <p:spPr bwMode="auto">
+                      <a:xfrm>
+                        <a:off x="2373313" y="409575"/>
+                        <a:ext cx="3948112" cy="900113"/>
+                      </a:xfrm>
+                      <a:prstGeom prst="rect">
+                        <a:avLst/>
+                      </a:prstGeom>
+                      <a:noFill/>
+                      <a:extLst>
+                        <a:ext uri="{909E8E84-426E-40DD-AFC4-6F175D3DCCD1}">
+                          <a14:hiddenFill xmlns:a14="http://schemas.microsoft.com/office/drawing/2010/main">
+                            <a:solidFill>
+                              <a:srgbClr val="FFFFFF"/>
+                            </a:solidFill>
+                          </a14:hiddenFill>
+                        </a:ext>
+                      </a:extLst>
+                    </p:spPr>
+                  </p:pic>
+                </p:oleObj>
+              </mc:Fallback>
+            </mc:AlternateContent>
+          </a:graphicData>
+        </a:graphic>
+      </p:graphicFrame>
+      <p:sp>
+        <p:nvSpPr>
+          <p:cNvPr id="34823" name="Rectangle 7"/>
+          <p:cNvSpPr>
+            <a:spLocks noChangeArrowheads="1"/>
+          </p:cNvSpPr>
+          <p:nvPr/>
+        </p:nvSpPr>
+        <p:spPr bwMode="auto">
+          <a:xfrm>
+            <a:off x="0" y="0"/>
+            <a:ext cx="9144000" cy="0"/>
+          </a:xfrm>
+          <a:prstGeom prst="rect">
+            <a:avLst/>
+          </a:prstGeom>
+          <a:noFill/>
+          <a:ln w="9525">
+            <a:noFill/>
+            <a:miter lim="800000"/>
+            <a:headEnd/>
+            <a:tailEnd/>
+          </a:ln>
+          <a:effectLst/>
+        </p:spPr>
+        <p:txBody>
+          <a:bodyPr vert="horz" wrap="none" lIns="91440" tIns="45720" rIns="91440" bIns="45720" numCol="1" anchor="ctr" anchorCtr="0" compatLnSpc="1">
+            <a:prstTxWarp prst="textNoShape">
+              <a:avLst/>
+            </a:prstTxWarp>
+            <a:spAutoFit/>
+          </a:bodyPr>
+          <a:lstStyle/>
+          <a:p>
+            <a:endParaRPr lang="en-US"/>
+          </a:p>
+        </p:txBody>
+      </p:sp>
+      <p:graphicFrame>
+        <p:nvGraphicFramePr>
+          <p:cNvPr id="34822" name="Object 6"/>
+          <p:cNvGraphicFramePr>
+            <a:graphicFrameLocks noChangeAspect="1"/>
+          </p:cNvGraphicFramePr>
+          <p:nvPr>
+            <p:extLst>
+              <p:ext uri="{D42A27DB-BD31-4B8C-83A1-F6EECF244321}">
+                <p14:modId xmlns:p14="http://schemas.microsoft.com/office/powerpoint/2010/main" val="3888570602"/>
+              </p:ext>
+            </p:extLst>
+          </p:nvPr>
+        </p:nvGraphicFramePr>
+        <p:xfrm>
+          <a:off x="2354263" y="3248025"/>
+          <a:ext cx="4408487" cy="819150"/>
+        </p:xfrm>
+        <a:graphic>
+          <a:graphicData uri="http://schemas.openxmlformats.org/presentationml/2006/ole">
+            <mc:AlternateContent xmlns:mc="http://schemas.openxmlformats.org/markup-compatibility/2006">
+              <mc:Choice xmlns:v="urn:schemas-microsoft-com:vml" Requires="v">
+                <p:oleObj name="Equation" r:id="rId6" imgW="2311200" imgH="431640" progId="Equation.3">
+                  <p:embed/>
+                </p:oleObj>
+              </mc:Choice>
+              <mc:Fallback>
+                <p:oleObj name="Equation" r:id="rId6" imgW="2311200" imgH="431640" progId="Equation.3">
+                  <p:embed/>
+                  <p:pic>
+                    <p:nvPicPr>
+                      <p:cNvPr id="34822" name="Object 6"/>
+                      <p:cNvPicPr>
+                        <a:picLocks noChangeAspect="1" noChangeArrowheads="1"/>
+                      </p:cNvPicPr>
+                      <p:nvPr/>
+                    </p:nvPicPr>
+                    <p:blipFill>
+                      <a:blip r:embed="rId7"/>
+                      <a:srcRect/>
+                      <a:stretch>
+                        <a:fillRect/>
+                      </a:stretch>
+                    </p:blipFill>
+                    <p:spPr bwMode="auto">
+                      <a:xfrm>
+                        <a:off x="2354263" y="3248025"/>
+                        <a:ext cx="4408487" cy="819150"/>
+                      </a:xfrm>
+                      <a:prstGeom prst="rect">
+                        <a:avLst/>
+                      </a:prstGeom>
+                      <a:noFill/>
+                      <a:extLst>
+                        <a:ext uri="{909E8E84-426E-40DD-AFC4-6F175D3DCCD1}">
+                          <a14:hiddenFill xmlns:a14="http://schemas.microsoft.com/office/drawing/2010/main">
+                            <a:solidFill>
+                              <a:srgbClr val="FFFFFF"/>
+                            </a:solidFill>
+                          </a14:hiddenFill>
+                        </a:ext>
+                      </a:extLst>
+                    </p:spPr>
+                  </p:pic>
+                </p:oleObj>
+              </mc:Fallback>
+            </mc:AlternateContent>
+          </a:graphicData>
+        </a:graphic>
+      </p:graphicFrame>
+    </p:spTree>
+  </p:cSld>
+  <p:clrMapOvr>
+    <a:masterClrMapping/>
+  </p:clrMapOvr>
+</p:sld>
+</file>
+
+<file path=ppt/slides/slide19.xml><?xml version="1.0" encoding="utf-8"?>
+<p:sld xmlns:a="http://schemas.openxmlformats.org/drawingml/2006/main" xmlns:r="http://schemas.openxmlformats.org/officeDocument/2006/relationships" xmlns:p="http://schemas.openxmlformats.org/presentationml/2006/main">
+  <p:cSld>
+    <p:spTree>
+      <p:nvGrpSpPr>
+        <p:cNvPr id="1" name=""/>
+        <p:cNvGrpSpPr/>
+        <p:nvPr/>
+      </p:nvGrpSpPr>
+      <p:grpSpPr>
+        <a:xfrm>
+          <a:off x="0" y="0"/>
+          <a:ext cx="0" cy="0"/>
+          <a:chOff x="0" y="0"/>
+          <a:chExt cx="0" cy="0"/>
+        </a:xfrm>
+      </p:grpSpPr>
+      <p:sp>
+        <p:nvSpPr>
+          <p:cNvPr id="2" name="Title 1"/>
+          <p:cNvSpPr>
+            <a:spLocks noGrp="1"/>
+          </p:cNvSpPr>
+          <p:nvPr>
+            <p:ph type="title"/>
+          </p:nvPr>
+        </p:nvSpPr>
+        <p:spPr/>
+        <p:txBody>
+          <a:bodyPr/>
+          <a:lstStyle/>
+          <a:p>
+            <a:r>
+              <a:rPr lang="en-US" dirty="0"/>
+              <a:t>Question 223.3.8</a:t>
+            </a:r>
+          </a:p>
+        </p:txBody>
+      </p:sp>
+      <p:sp>
+        <p:nvSpPr>
+          <p:cNvPr id="3" name="Content Placeholder 2"/>
+          <p:cNvSpPr>
+            <a:spLocks noGrp="1"/>
+          </p:cNvSpPr>
+          <p:nvPr>
+            <p:ph idx="1"/>
+          </p:nvPr>
+        </p:nvSpPr>
+        <p:spPr/>
+        <p:txBody>
+          <a:bodyPr/>
+          <a:lstStyle/>
+          <a:p>
+            <a:pPr marL="0" indent="0">
+              <a:buNone/>
+            </a:pPr>
+            <a:r>
+              <a:rPr lang="en-US" dirty="0"/>
+              <a:t>What does k tell us?</a:t>
+            </a:r>
+          </a:p>
+          <a:p>
+            <a:pPr marL="514350" indent="-514350">
+              <a:buFont typeface="+mj-lt"/>
+              <a:buAutoNum type="alphaLcParenR"/>
+            </a:pPr>
+            <a:r>
+              <a:rPr lang="en-US" dirty="0"/>
+              <a:t>How far apart wave crests are in distance</a:t>
+            </a:r>
+          </a:p>
+          <a:p>
+            <a:pPr marL="514350" indent="-514350">
+              <a:buFont typeface="+mj-lt"/>
+              <a:buAutoNum type="alphaLcParenR"/>
+            </a:pPr>
+            <a:r>
+              <a:rPr lang="en-US" dirty="0"/>
+              <a:t>How often we get a wave crest in distance</a:t>
+            </a:r>
+          </a:p>
+          <a:p>
+            <a:pPr marL="514350" indent="-514350">
+              <a:buFont typeface="+mj-lt"/>
+              <a:buAutoNum type="alphaLcParenR"/>
+            </a:pPr>
+            <a:r>
+              <a:rPr lang="en-US" dirty="0"/>
+              <a:t>How far apart wave crests are in time</a:t>
+            </a:r>
+          </a:p>
+          <a:p>
+            <a:pPr marL="514350" indent="-514350">
+              <a:buFont typeface="+mj-lt"/>
+              <a:buAutoNum type="alphaLcParenR"/>
+            </a:pPr>
+            <a:r>
+              <a:rPr lang="en-US" dirty="0"/>
+              <a:t>How often we get a wave crest in time</a:t>
+            </a:r>
+          </a:p>
+          <a:p>
+            <a:pPr marL="514350" indent="-514350">
+              <a:buFont typeface="+mj-lt"/>
+              <a:buAutoNum type="alphaLcParenR"/>
+            </a:pPr>
+            <a:r>
+              <a:rPr lang="en-US" dirty="0"/>
+              <a:t>Nothing</a:t>
+            </a:r>
+          </a:p>
+        </p:txBody>
+      </p:sp>
+      <p:sp>
+        <p:nvSpPr>
+          <p:cNvPr id="4" name="Slide Number Placeholder 3"/>
+          <p:cNvSpPr>
+            <a:spLocks noGrp="1"/>
+          </p:cNvSpPr>
+          <p:nvPr>
+            <p:ph type="sldNum" sz="quarter" idx="12"/>
+          </p:nvPr>
+        </p:nvSpPr>
+        <p:spPr/>
+        <p:txBody>
+          <a:bodyPr/>
+          <a:lstStyle/>
+          <a:p>
+            <a:pPr>
+              <a:defRPr/>
+            </a:pPr>
+            <a:fld id="{64137B81-8888-4253-92EC-0AED2A590749}" type="slidenum">
+              <a:rPr lang="en-US" smtClean="0"/>
+              <a:pPr>
+                <a:defRPr/>
+              </a:pPr>
+              <a:t>19</a:t>
+            </a:fld>
+            <a:endParaRPr lang="en-US"/>
+          </a:p>
+        </p:txBody>
+      </p:sp>
+    </p:spTree>
+    <p:extLst>
+      <p:ext uri="{BB962C8B-B14F-4D97-AF65-F5344CB8AC3E}">
+        <p14:creationId xmlns:p14="http://schemas.microsoft.com/office/powerpoint/2010/main" val="3218804755"/>
+      </p:ext>
+    </p:extLst>
+  </p:cSld>
+  <p:clrMapOvr>
+    <a:masterClrMapping/>
+  </p:clrMapOvr>
+</p:sld>
+</file>
+
+<file path=ppt/slides/slide2.xml><?xml version="1.0" encoding="utf-8"?>
+<p:sld xmlns:a="http://schemas.openxmlformats.org/drawingml/2006/main" xmlns:r="http://schemas.openxmlformats.org/officeDocument/2006/relationships" xmlns:p="http://schemas.openxmlformats.org/presentationml/2006/main">
+  <p:cSld>
+    <p:spTree>
+      <p:nvGrpSpPr>
+        <p:cNvPr id="1" name=""/>
+        <p:cNvGrpSpPr/>
+        <p:nvPr/>
+      </p:nvGrpSpPr>
+      <p:grpSpPr>
+        <a:xfrm>
+          <a:off x="0" y="0"/>
+          <a:ext cx="0" cy="0"/>
+          <a:chOff x="0" y="0"/>
+          <a:chExt cx="0" cy="0"/>
+        </a:xfrm>
+      </p:grpSpPr>
+      <p:sp>
+        <p:nvSpPr>
+          <p:cNvPr id="49154" name="Date Placeholder 3"/>
+          <p:cNvSpPr>
+            <a:spLocks noGrp="1"/>
+          </p:cNvSpPr>
+          <p:nvPr>
+            <p:ph type="dt" sz="quarter" idx="10"/>
+          </p:nvPr>
+        </p:nvSpPr>
+        <p:spPr>
+          <a:noFill/>
+        </p:spPr>
+        <p:txBody>
+          <a:bodyPr/>
+          <a:lstStyle/>
+          <a:p>
+            <a:r>
+              <a:rPr lang="en-US"/>
+              <a:t>Winter 2007</a:t>
+            </a:r>
+          </a:p>
+        </p:txBody>
+      </p:sp>
+      <p:sp>
+        <p:nvSpPr>
+          <p:cNvPr id="49155" name="Footer Placeholder 4"/>
+          <p:cNvSpPr>
+            <a:spLocks noGrp="1"/>
+          </p:cNvSpPr>
+          <p:nvPr>
+            <p:ph type="ftr" sz="quarter" idx="11"/>
+          </p:nvPr>
+        </p:nvSpPr>
+        <p:spPr>
+          <a:noFill/>
+        </p:spPr>
+        <p:txBody>
+          <a:bodyPr/>
+          <a:lstStyle/>
+          <a:p>
+            <a:r>
+              <a:rPr lang="en-US"/>
+              <a:t>R. Todd Lines</a:t>
+            </a:r>
+          </a:p>
+        </p:txBody>
+      </p:sp>
+      <p:sp>
+        <p:nvSpPr>
+          <p:cNvPr id="49156" name="Slide Number Placeholder 5"/>
+          <p:cNvSpPr>
+            <a:spLocks noGrp="1"/>
+          </p:cNvSpPr>
+          <p:nvPr>
+            <p:ph type="sldNum" sz="quarter" idx="12"/>
+          </p:nvPr>
+        </p:nvSpPr>
+        <p:spPr>
+          <a:noFill/>
+        </p:spPr>
+        <p:txBody>
+          <a:bodyPr/>
+          <a:lstStyle/>
+          <a:p>
+            <a:fld id="{F49D2939-641E-4F08-8F10-3E88662DB609}" type="slidenum">
+              <a:rPr lang="en-US" smtClean="0"/>
+              <a:pPr/>
+              <a:t>2</a:t>
+            </a:fld>
+            <a:endParaRPr lang="en-US"/>
+          </a:p>
+        </p:txBody>
+      </p:sp>
+      <p:sp>
+        <p:nvSpPr>
+          <p:cNvPr id="49157" name="Rectangle 2"/>
+          <p:cNvSpPr>
+            <a:spLocks noGrp="1" noChangeArrowheads="1"/>
+          </p:cNvSpPr>
+          <p:nvPr>
+            <p:ph type="title"/>
+          </p:nvPr>
+        </p:nvSpPr>
+        <p:spPr/>
+        <p:txBody>
+          <a:bodyPr/>
+          <a:lstStyle/>
+          <a:p>
+            <a:pPr eaLnBrk="1" hangingPunct="1"/>
+            <a:r>
+              <a:rPr lang="en-US"/>
               <a:t>Sinusoidal Waves</a:t>
             </a:r>
           </a:p>
@@ -3787,7 +6881,7 @@
               </a:lnSpc>
             </a:pPr>
             <a:r>
-              <a:rPr lang="en-US" sz="2400" smtClean="0"/>
+              <a:rPr lang="en-US" sz="2400"/>
               <a:t>A continuous wave can be created by shaking the end of the string in simple harmonic motion</a:t>
             </a:r>
           </a:p>
@@ -3798,15 +6892,15 @@
               </a:lnSpc>
             </a:pPr>
             <a:r>
-              <a:rPr lang="en-US" sz="2400" smtClean="0"/>
+              <a:rPr lang="en-US" sz="2400"/>
               <a:t>The shape of the wave is called </a:t>
             </a:r>
             <a:r>
-              <a:rPr lang="en-US" sz="2400" b="1" smtClean="0"/>
+              <a:rPr lang="en-US" sz="2400" b="1"/>
               <a:t>sinusoidal</a:t>
             </a:r>
             <a:r>
-              <a:rPr lang="en-US" sz="2400" smtClean="0"/>
+              <a:rPr lang="en-US" sz="2400"/>
               <a:t> since the waveform is that of a sine curve</a:t>
             </a:r>
           </a:p>
@@ -3817,7 +6911,7 @@
               </a:lnSpc>
             </a:pPr>
             <a:r>
-              <a:rPr lang="en-US" sz="2400" smtClean="0"/>
+              <a:rPr lang="en-US" sz="2400"/>
               <a:t>The shape remains the same but moves</a:t>
             </a:r>
           </a:p>
@@ -3828,7 +6922,7 @@
               </a:lnSpc>
             </a:pPr>
             <a:r>
-              <a:rPr lang="en-US" sz="2000" smtClean="0"/>
+              <a:rPr lang="en-US" sz="2000"/>
               <a:t>Toward the right in the text diagrams</a:t>
             </a:r>
           </a:p>
@@ -3874,7 +6968,7 @@
 </p:sld>
 </file>
 
-<file path=ppt/slides/slide10.xml><?xml version="1.0" encoding="utf-8"?>
+<file path=ppt/slides/slide20.xml><?xml version="1.0" encoding="utf-8"?>
 <p:sld xmlns:a="http://schemas.openxmlformats.org/drawingml/2006/main" xmlns:r="http://schemas.openxmlformats.org/officeDocument/2006/relationships" xmlns:p="http://schemas.openxmlformats.org/presentationml/2006/main">
   <p:cSld>
     <p:spTree>
@@ -3891,620 +6985,6 @@
           <a:chExt cx="0" cy="0"/>
         </a:xfrm>
       </p:grpSpPr>
-      <p:pic>
-        <p:nvPicPr>
-          <p:cNvPr id="31747" name="Picture 3"/>
-          <p:cNvPicPr>
-            <a:picLocks noChangeAspect="1" noChangeArrowheads="1"/>
-          </p:cNvPicPr>
-          <p:nvPr/>
-        </p:nvPicPr>
-        <p:blipFill>
-          <a:blip r:embed="rId3" cstate="print"/>
-          <a:srcRect/>
-          <a:stretch>
-            <a:fillRect/>
-          </a:stretch>
-        </p:blipFill>
-        <p:spPr bwMode="auto">
-          <a:xfrm>
-            <a:off x="890695" y="1665027"/>
-            <a:ext cx="7176933" cy="1205457"/>
-          </a:xfrm>
-          <a:prstGeom prst="rect">
-            <a:avLst/>
-          </a:prstGeom>
-          <a:noFill/>
-          <a:ln w="9525">
-            <a:noFill/>
-            <a:miter lim="800000"/>
-            <a:headEnd/>
-            <a:tailEnd/>
-          </a:ln>
-          <a:effectLst/>
-        </p:spPr>
-      </p:pic>
-      <p:pic>
-        <p:nvPicPr>
-          <p:cNvPr id="31748" name="Picture 4"/>
-          <p:cNvPicPr>
-            <a:picLocks noChangeAspect="1" noChangeArrowheads="1"/>
-          </p:cNvPicPr>
-          <p:nvPr/>
-        </p:nvPicPr>
-        <p:blipFill>
-          <a:blip r:embed="rId4" cstate="print"/>
-          <a:srcRect/>
-          <a:stretch>
-            <a:fillRect/>
-          </a:stretch>
-        </p:blipFill>
-        <p:spPr bwMode="auto">
-          <a:xfrm>
-            <a:off x="844403" y="4580720"/>
-            <a:ext cx="7586029" cy="1274170"/>
-          </a:xfrm>
-          <a:prstGeom prst="rect">
-            <a:avLst/>
-          </a:prstGeom>
-          <a:noFill/>
-          <a:ln w="9525">
-            <a:noFill/>
-            <a:miter lim="800000"/>
-            <a:headEnd/>
-            <a:tailEnd/>
-          </a:ln>
-          <a:effectLst/>
-        </p:spPr>
-      </p:pic>
-      <p:sp>
-        <p:nvSpPr>
-          <p:cNvPr id="31750" name="Rectangle 6"/>
-          <p:cNvSpPr>
-            <a:spLocks noChangeArrowheads="1"/>
-          </p:cNvSpPr>
-          <p:nvPr/>
-        </p:nvSpPr>
-        <p:spPr bwMode="auto">
-          <a:xfrm>
-            <a:off x="0" y="0"/>
-            <a:ext cx="9144000" cy="0"/>
-          </a:xfrm>
-          <a:prstGeom prst="rect">
-            <a:avLst/>
-          </a:prstGeom>
-          <a:noFill/>
-          <a:ln w="9525">
-            <a:noFill/>
-            <a:miter lim="800000"/>
-            <a:headEnd/>
-            <a:tailEnd/>
-          </a:ln>
-          <a:effectLst/>
-        </p:spPr>
-        <p:txBody>
-          <a:bodyPr vert="horz" wrap="none" lIns="91440" tIns="45720" rIns="91440" bIns="45720" numCol="1" anchor="ctr" anchorCtr="0" compatLnSpc="1">
-            <a:prstTxWarp prst="textNoShape">
-              <a:avLst/>
-            </a:prstTxWarp>
-            <a:spAutoFit/>
-          </a:bodyPr>
-          <a:lstStyle/>
-          <a:p>
-            <a:endParaRPr lang="en-US"/>
-          </a:p>
-        </p:txBody>
-      </p:sp>
-      <p:graphicFrame>
-        <p:nvGraphicFramePr>
-          <p:cNvPr id="31749" name="Object 5"/>
-          <p:cNvGraphicFramePr>
-            <a:graphicFrameLocks noChangeAspect="1"/>
-          </p:cNvGraphicFramePr>
-          <p:nvPr/>
-        </p:nvGraphicFramePr>
-        <p:xfrm>
-          <a:off x="2292824" y="368490"/>
-          <a:ext cx="4124960" cy="914400"/>
-        </p:xfrm>
-        <a:graphic>
-          <a:graphicData uri="http://schemas.openxmlformats.org/presentationml/2006/ole">
-            <mc:AlternateContent xmlns:mc="http://schemas.openxmlformats.org/markup-compatibility/2006">
-              <mc:Choice xmlns:v="urn:schemas-microsoft-com:vml" Requires="v">
-                <p:oleObj spid="_x0000_s31761" name="Equation" r:id="rId5" imgW="1930400" imgH="431800" progId="Equation.3">
-                  <p:embed/>
-                </p:oleObj>
-              </mc:Choice>
-              <mc:Fallback>
-                <p:oleObj name="Equation" r:id="rId5" imgW="1930400" imgH="431800" progId="Equation.3">
-                  <p:embed/>
-                  <p:pic>
-                    <p:nvPicPr>
-                      <p:cNvPr id="0" name="Picture 5"/>
-                      <p:cNvPicPr>
-                        <a:picLocks noChangeAspect="1" noChangeArrowheads="1"/>
-                      </p:cNvPicPr>
-                      <p:nvPr/>
-                    </p:nvPicPr>
-                    <p:blipFill>
-                      <a:blip r:embed="rId6">
-                        <a:extLst>
-                          <a:ext uri="{28A0092B-C50C-407E-A947-70E740481C1C}">
-                            <a14:useLocalDpi xmlns:a14="http://schemas.microsoft.com/office/drawing/2010/main" val="0"/>
-                          </a:ext>
-                        </a:extLst>
-                      </a:blip>
-                      <a:srcRect/>
-                      <a:stretch>
-                        <a:fillRect/>
-                      </a:stretch>
-                    </p:blipFill>
-                    <p:spPr bwMode="auto">
-                      <a:xfrm>
-                        <a:off x="2292824" y="368490"/>
-                        <a:ext cx="4124960" cy="914400"/>
-                      </a:xfrm>
-                      <a:prstGeom prst="rect">
-                        <a:avLst/>
-                      </a:prstGeom>
-                      <a:noFill/>
-                      <a:extLst>
-                        <a:ext uri="{909E8E84-426E-40DD-AFC4-6F175D3DCCD1}">
-                          <a14:hiddenFill xmlns:a14="http://schemas.microsoft.com/office/drawing/2010/main">
-                            <a:solidFill>
-                              <a:srgbClr val="FFFFFF"/>
-                            </a:solidFill>
-                          </a14:hiddenFill>
-                        </a:ext>
-                      </a:extLst>
-                    </p:spPr>
-                  </p:pic>
-                </p:oleObj>
-              </mc:Fallback>
-            </mc:AlternateContent>
-          </a:graphicData>
-        </a:graphic>
-      </p:graphicFrame>
-      <p:sp>
-        <p:nvSpPr>
-          <p:cNvPr id="31752" name="Rectangle 8"/>
-          <p:cNvSpPr>
-            <a:spLocks noChangeArrowheads="1"/>
-          </p:cNvSpPr>
-          <p:nvPr/>
-        </p:nvSpPr>
-        <p:spPr bwMode="auto">
-          <a:xfrm>
-            <a:off x="0" y="0"/>
-            <a:ext cx="9144000" cy="0"/>
-          </a:xfrm>
-          <a:prstGeom prst="rect">
-            <a:avLst/>
-          </a:prstGeom>
-          <a:noFill/>
-          <a:ln w="9525">
-            <a:noFill/>
-            <a:miter lim="800000"/>
-            <a:headEnd/>
-            <a:tailEnd/>
-          </a:ln>
-          <a:effectLst/>
-        </p:spPr>
-        <p:txBody>
-          <a:bodyPr vert="horz" wrap="none" lIns="91440" tIns="45720" rIns="91440" bIns="45720" numCol="1" anchor="ctr" anchorCtr="0" compatLnSpc="1">
-            <a:prstTxWarp prst="textNoShape">
-              <a:avLst/>
-            </a:prstTxWarp>
-            <a:spAutoFit/>
-          </a:bodyPr>
-          <a:lstStyle/>
-          <a:p>
-            <a:endParaRPr lang="en-US"/>
-          </a:p>
-        </p:txBody>
-      </p:sp>
-      <p:graphicFrame>
-        <p:nvGraphicFramePr>
-          <p:cNvPr id="31751" name="Object 7"/>
-          <p:cNvGraphicFramePr>
-            <a:graphicFrameLocks noChangeAspect="1"/>
-          </p:cNvGraphicFramePr>
-          <p:nvPr>
-            <p:extLst>
-              <p:ext uri="{D42A27DB-BD31-4B8C-83A1-F6EECF244321}">
-                <p14:modId xmlns:p14="http://schemas.microsoft.com/office/powerpoint/2010/main" val="912983521"/>
-              </p:ext>
-            </p:extLst>
-          </p:nvPr>
-        </p:nvGraphicFramePr>
-        <p:xfrm>
-          <a:off x="2412033" y="3283778"/>
-          <a:ext cx="3863975" cy="804863"/>
-        </p:xfrm>
-        <a:graphic>
-          <a:graphicData uri="http://schemas.openxmlformats.org/presentationml/2006/ole">
-            <mc:AlternateContent xmlns:mc="http://schemas.openxmlformats.org/markup-compatibility/2006">
-              <mc:Choice xmlns:v="urn:schemas-microsoft-com:vml" Requires="v">
-                <p:oleObj spid="_x0000_s31762" name="Equation" r:id="rId7" imgW="2057400" imgH="431640" progId="Equation.3">
-                  <p:embed/>
-                </p:oleObj>
-              </mc:Choice>
-              <mc:Fallback>
-                <p:oleObj name="Equation" r:id="rId7" imgW="2057400" imgH="431640" progId="Equation.3">
-                  <p:embed/>
-                  <p:pic>
-                    <p:nvPicPr>
-                      <p:cNvPr id="0" name="Picture 7"/>
-                      <p:cNvPicPr>
-                        <a:picLocks noChangeAspect="1" noChangeArrowheads="1"/>
-                      </p:cNvPicPr>
-                      <p:nvPr/>
-                    </p:nvPicPr>
-                    <p:blipFill>
-                      <a:blip r:embed="rId8"/>
-                      <a:srcRect/>
-                      <a:stretch>
-                        <a:fillRect/>
-                      </a:stretch>
-                    </p:blipFill>
-                    <p:spPr bwMode="auto">
-                      <a:xfrm>
-                        <a:off x="2412033" y="3283778"/>
-                        <a:ext cx="3863975" cy="804863"/>
-                      </a:xfrm>
-                      <a:prstGeom prst="rect">
-                        <a:avLst/>
-                      </a:prstGeom>
-                      <a:noFill/>
-                      <a:extLst>
-                        <a:ext uri="{909E8E84-426E-40DD-AFC4-6F175D3DCCD1}">
-                          <a14:hiddenFill xmlns:a14="http://schemas.microsoft.com/office/drawing/2010/main">
-                            <a:solidFill>
-                              <a:srgbClr val="FFFFFF"/>
-                            </a:solidFill>
-                          </a14:hiddenFill>
-                        </a:ext>
-                      </a:extLst>
-                    </p:spPr>
-                  </p:pic>
-                </p:oleObj>
-              </mc:Fallback>
-            </mc:AlternateContent>
-          </a:graphicData>
-        </a:graphic>
-      </p:graphicFrame>
-    </p:spTree>
-  </p:cSld>
-  <p:clrMapOvr>
-    <a:masterClrMapping/>
-  </p:clrMapOvr>
-</p:sld>
-</file>
-
-<file path=ppt/slides/slide11.xml><?xml version="1.0" encoding="utf-8"?>
-<p:sld xmlns:a="http://schemas.openxmlformats.org/drawingml/2006/main" xmlns:r="http://schemas.openxmlformats.org/officeDocument/2006/relationships" xmlns:p="http://schemas.openxmlformats.org/presentationml/2006/main">
-  <p:cSld>
-    <p:spTree>
-      <p:nvGrpSpPr>
-        <p:cNvPr id="1" name=""/>
-        <p:cNvGrpSpPr/>
-        <p:nvPr/>
-      </p:nvGrpSpPr>
-      <p:grpSpPr>
-        <a:xfrm>
-          <a:off x="0" y="0"/>
-          <a:ext cx="0" cy="0"/>
-          <a:chOff x="0" y="0"/>
-          <a:chExt cx="0" cy="0"/>
-        </a:xfrm>
-      </p:grpSpPr>
-      <p:pic>
-        <p:nvPicPr>
-          <p:cNvPr id="34818" name="Picture 2"/>
-          <p:cNvPicPr>
-            <a:picLocks noChangeAspect="1" noChangeArrowheads="1"/>
-          </p:cNvPicPr>
-          <p:nvPr/>
-        </p:nvPicPr>
-        <p:blipFill>
-          <a:blip r:embed="rId3" cstate="print"/>
-          <a:srcRect/>
-          <a:stretch>
-            <a:fillRect/>
-          </a:stretch>
-        </p:blipFill>
-        <p:spPr bwMode="auto">
-          <a:xfrm>
-            <a:off x="801829" y="1796575"/>
-            <a:ext cx="7261017" cy="1219580"/>
-          </a:xfrm>
-          <a:prstGeom prst="rect">
-            <a:avLst/>
-          </a:prstGeom>
-          <a:noFill/>
-          <a:ln w="9525">
-            <a:noFill/>
-            <a:miter lim="800000"/>
-            <a:headEnd/>
-            <a:tailEnd/>
-          </a:ln>
-          <a:effectLst/>
-        </p:spPr>
-      </p:pic>
-      <p:pic>
-        <p:nvPicPr>
-          <p:cNvPr id="34819" name="Picture 3"/>
-          <p:cNvPicPr>
-            <a:picLocks noChangeAspect="1" noChangeArrowheads="1"/>
-          </p:cNvPicPr>
-          <p:nvPr/>
-        </p:nvPicPr>
-        <p:blipFill>
-          <a:blip r:embed="rId4" cstate="print"/>
-          <a:srcRect/>
-          <a:stretch>
-            <a:fillRect/>
-          </a:stretch>
-        </p:blipFill>
-        <p:spPr bwMode="auto">
-          <a:xfrm>
-            <a:off x="938308" y="4594366"/>
-            <a:ext cx="7098504" cy="1192284"/>
-          </a:xfrm>
-          <a:prstGeom prst="rect">
-            <a:avLst/>
-          </a:prstGeom>
-          <a:noFill/>
-          <a:ln w="9525">
-            <a:noFill/>
-            <a:miter lim="800000"/>
-            <a:headEnd/>
-            <a:tailEnd/>
-          </a:ln>
-          <a:effectLst/>
-        </p:spPr>
-      </p:pic>
-      <p:sp>
-        <p:nvSpPr>
-          <p:cNvPr id="34821" name="Rectangle 5"/>
-          <p:cNvSpPr>
-            <a:spLocks noChangeArrowheads="1"/>
-          </p:cNvSpPr>
-          <p:nvPr/>
-        </p:nvSpPr>
-        <p:spPr bwMode="auto">
-          <a:xfrm>
-            <a:off x="0" y="0"/>
-            <a:ext cx="9144000" cy="0"/>
-          </a:xfrm>
-          <a:prstGeom prst="rect">
-            <a:avLst/>
-          </a:prstGeom>
-          <a:noFill/>
-          <a:ln w="9525">
-            <a:noFill/>
-            <a:miter lim="800000"/>
-            <a:headEnd/>
-            <a:tailEnd/>
-          </a:ln>
-          <a:effectLst/>
-        </p:spPr>
-        <p:txBody>
-          <a:bodyPr vert="horz" wrap="none" lIns="91440" tIns="45720" rIns="91440" bIns="45720" numCol="1" anchor="ctr" anchorCtr="0" compatLnSpc="1">
-            <a:prstTxWarp prst="textNoShape">
-              <a:avLst/>
-            </a:prstTxWarp>
-            <a:spAutoFit/>
-          </a:bodyPr>
-          <a:lstStyle/>
-          <a:p>
-            <a:endParaRPr lang="en-US"/>
-          </a:p>
-        </p:txBody>
-      </p:sp>
-      <p:graphicFrame>
-        <p:nvGraphicFramePr>
-          <p:cNvPr id="34820" name="Object 4"/>
-          <p:cNvGraphicFramePr>
-            <a:graphicFrameLocks noChangeAspect="1"/>
-          </p:cNvGraphicFramePr>
-          <p:nvPr>
-            <p:extLst>
-              <p:ext uri="{D42A27DB-BD31-4B8C-83A1-F6EECF244321}">
-                <p14:modId xmlns:p14="http://schemas.microsoft.com/office/powerpoint/2010/main" val="2766505344"/>
-              </p:ext>
-            </p:extLst>
-          </p:nvPr>
-        </p:nvGraphicFramePr>
-        <p:xfrm>
-          <a:off x="2373313" y="409575"/>
-          <a:ext cx="3948112" cy="900113"/>
-        </p:xfrm>
-        <a:graphic>
-          <a:graphicData uri="http://schemas.openxmlformats.org/presentationml/2006/ole">
-            <mc:AlternateContent xmlns:mc="http://schemas.openxmlformats.org/markup-compatibility/2006">
-              <mc:Choice xmlns:v="urn:schemas-microsoft-com:vml" Requires="v">
-                <p:oleObj spid="_x0000_s34831" name="Equation" r:id="rId5" imgW="1879560" imgH="431640" progId="Equation.3">
-                  <p:embed/>
-                </p:oleObj>
-              </mc:Choice>
-              <mc:Fallback>
-                <p:oleObj name="Equation" r:id="rId5" imgW="1879560" imgH="431640" progId="Equation.3">
-                  <p:embed/>
-                  <p:pic>
-                    <p:nvPicPr>
-                      <p:cNvPr id="0" name="Picture 4"/>
-                      <p:cNvPicPr>
-                        <a:picLocks noChangeAspect="1" noChangeArrowheads="1"/>
-                      </p:cNvPicPr>
-                      <p:nvPr/>
-                    </p:nvPicPr>
-                    <p:blipFill>
-                      <a:blip r:embed="rId6"/>
-                      <a:srcRect/>
-                      <a:stretch>
-                        <a:fillRect/>
-                      </a:stretch>
-                    </p:blipFill>
-                    <p:spPr bwMode="auto">
-                      <a:xfrm>
-                        <a:off x="2373313" y="409575"/>
-                        <a:ext cx="3948112" cy="900113"/>
-                      </a:xfrm>
-                      <a:prstGeom prst="rect">
-                        <a:avLst/>
-                      </a:prstGeom>
-                      <a:noFill/>
-                      <a:extLst>
-                        <a:ext uri="{909E8E84-426E-40DD-AFC4-6F175D3DCCD1}">
-                          <a14:hiddenFill xmlns:a14="http://schemas.microsoft.com/office/drawing/2010/main">
-                            <a:solidFill>
-                              <a:srgbClr val="FFFFFF"/>
-                            </a:solidFill>
-                          </a14:hiddenFill>
-                        </a:ext>
-                      </a:extLst>
-                    </p:spPr>
-                  </p:pic>
-                </p:oleObj>
-              </mc:Fallback>
-            </mc:AlternateContent>
-          </a:graphicData>
-        </a:graphic>
-      </p:graphicFrame>
-      <p:sp>
-        <p:nvSpPr>
-          <p:cNvPr id="34823" name="Rectangle 7"/>
-          <p:cNvSpPr>
-            <a:spLocks noChangeArrowheads="1"/>
-          </p:cNvSpPr>
-          <p:nvPr/>
-        </p:nvSpPr>
-        <p:spPr bwMode="auto">
-          <a:xfrm>
-            <a:off x="0" y="0"/>
-            <a:ext cx="9144000" cy="0"/>
-          </a:xfrm>
-          <a:prstGeom prst="rect">
-            <a:avLst/>
-          </a:prstGeom>
-          <a:noFill/>
-          <a:ln w="9525">
-            <a:noFill/>
-            <a:miter lim="800000"/>
-            <a:headEnd/>
-            <a:tailEnd/>
-          </a:ln>
-          <a:effectLst/>
-        </p:spPr>
-        <p:txBody>
-          <a:bodyPr vert="horz" wrap="none" lIns="91440" tIns="45720" rIns="91440" bIns="45720" numCol="1" anchor="ctr" anchorCtr="0" compatLnSpc="1">
-            <a:prstTxWarp prst="textNoShape">
-              <a:avLst/>
-            </a:prstTxWarp>
-            <a:spAutoFit/>
-          </a:bodyPr>
-          <a:lstStyle/>
-          <a:p>
-            <a:endParaRPr lang="en-US"/>
-          </a:p>
-        </p:txBody>
-      </p:sp>
-      <p:graphicFrame>
-        <p:nvGraphicFramePr>
-          <p:cNvPr id="34822" name="Object 6"/>
-          <p:cNvGraphicFramePr>
-            <a:graphicFrameLocks noChangeAspect="1"/>
-          </p:cNvGraphicFramePr>
-          <p:nvPr>
-            <p:extLst>
-              <p:ext uri="{D42A27DB-BD31-4B8C-83A1-F6EECF244321}">
-                <p14:modId xmlns:p14="http://schemas.microsoft.com/office/powerpoint/2010/main" val="3888570602"/>
-              </p:ext>
-            </p:extLst>
-          </p:nvPr>
-        </p:nvGraphicFramePr>
-        <p:xfrm>
-          <a:off x="2354263" y="3248025"/>
-          <a:ext cx="4408487" cy="819150"/>
-        </p:xfrm>
-        <a:graphic>
-          <a:graphicData uri="http://schemas.openxmlformats.org/presentationml/2006/ole">
-            <mc:AlternateContent xmlns:mc="http://schemas.openxmlformats.org/markup-compatibility/2006">
-              <mc:Choice xmlns:v="urn:schemas-microsoft-com:vml" Requires="v">
-                <p:oleObj spid="_x0000_s34832" name="Equation" r:id="rId7" imgW="2311200" imgH="431640" progId="Equation.3">
-                  <p:embed/>
-                </p:oleObj>
-              </mc:Choice>
-              <mc:Fallback>
-                <p:oleObj name="Equation" r:id="rId7" imgW="2311200" imgH="431640" progId="Equation.3">
-                  <p:embed/>
-                  <p:pic>
-                    <p:nvPicPr>
-                      <p:cNvPr id="0" name="Picture 6"/>
-                      <p:cNvPicPr>
-                        <a:picLocks noChangeAspect="1" noChangeArrowheads="1"/>
-                      </p:cNvPicPr>
-                      <p:nvPr/>
-                    </p:nvPicPr>
-                    <p:blipFill>
-                      <a:blip r:embed="rId8"/>
-                      <a:srcRect/>
-                      <a:stretch>
-                        <a:fillRect/>
-                      </a:stretch>
-                    </p:blipFill>
-                    <p:spPr bwMode="auto">
-                      <a:xfrm>
-                        <a:off x="2354263" y="3248025"/>
-                        <a:ext cx="4408487" cy="819150"/>
-                      </a:xfrm>
-                      <a:prstGeom prst="rect">
-                        <a:avLst/>
-                      </a:prstGeom>
-                      <a:noFill/>
-                      <a:extLst>
-                        <a:ext uri="{909E8E84-426E-40DD-AFC4-6F175D3DCCD1}">
-                          <a14:hiddenFill xmlns:a14="http://schemas.microsoft.com/office/drawing/2010/main">
-                            <a:solidFill>
-                              <a:srgbClr val="FFFFFF"/>
-                            </a:solidFill>
-                          </a14:hiddenFill>
-                        </a:ext>
-                      </a:extLst>
-                    </p:spPr>
-                  </p:pic>
-                </p:oleObj>
-              </mc:Fallback>
-            </mc:AlternateContent>
-          </a:graphicData>
-        </a:graphic>
-      </p:graphicFrame>
-    </p:spTree>
-  </p:cSld>
-  <p:clrMapOvr>
-    <a:masterClrMapping/>
-  </p:clrMapOvr>
-</p:sld>
-</file>
-
-<file path=ppt/slides/slide12.xml><?xml version="1.0" encoding="utf-8"?>
-<p:sld xmlns:a="http://schemas.openxmlformats.org/drawingml/2006/main" xmlns:r="http://schemas.openxmlformats.org/officeDocument/2006/relationships" xmlns:p="http://schemas.openxmlformats.org/presentationml/2006/main">
-  <p:cSld>
-    <p:spTree>
-      <p:nvGrpSpPr>
-        <p:cNvPr id="1" name=""/>
-        <p:cNvGrpSpPr/>
-        <p:nvPr/>
-      </p:nvGrpSpPr>
-      <p:grpSpPr>
-        <a:xfrm>
-          <a:off x="0" y="0"/>
-          <a:ext cx="0" cy="0"/>
-          <a:chOff x="0" y="0"/>
-          <a:chExt cx="0" cy="0"/>
-        </a:xfrm>
-      </p:grpSpPr>
       <p:sp>
         <p:nvSpPr>
           <p:cNvPr id="54274" name="Date Placeholder 3"/>
@@ -4523,7 +7003,7 @@
           <a:lstStyle/>
           <a:p>
             <a:r>
-              <a:rPr lang="en-US" smtClean="0"/>
+              <a:rPr lang="en-US"/>
               <a:t>Winter 2007</a:t>
             </a:r>
           </a:p>
@@ -4547,7 +7027,7 @@
           <a:lstStyle/>
           <a:p>
             <a:r>
-              <a:rPr lang="en-US" smtClean="0"/>
+              <a:rPr lang="en-US"/>
               <a:t>R. Todd Lines</a:t>
             </a:r>
           </a:p>
@@ -4573,9 +7053,9 @@
             <a:fld id="{B51AC80D-74C9-41DC-A482-5937D870D373}" type="slidenum">
               <a:rPr lang="en-US" smtClean="0"/>
               <a:pPr/>
-              <a:t>12</a:t>
+              <a:t>20</a:t>
             </a:fld>
-            <a:endParaRPr lang="en-US" smtClean="0"/>
+            <a:endParaRPr lang="en-US"/>
           </a:p>
         </p:txBody>
       </p:sp>
@@ -4596,7 +7076,7 @@
           <a:p>
             <a:pPr eaLnBrk="1" hangingPunct="1"/>
             <a:r>
-              <a:rPr lang="en-US" smtClean="0"/>
+              <a:rPr lang="en-US"/>
               <a:t>Speed of Waves</a:t>
             </a:r>
           </a:p>
@@ -4619,71 +7099,71 @@
           <a:p>
             <a:pPr eaLnBrk="1" hangingPunct="1"/>
             <a:r>
-              <a:rPr lang="en-US" sz="2800" smtClean="0"/>
+              <a:rPr lang="en-US" sz="2800"/>
               <a:t>Waves travel with a specific speed</a:t>
             </a:r>
           </a:p>
           <a:p>
             <a:pPr lvl="1" eaLnBrk="1" hangingPunct="1"/>
             <a:r>
-              <a:rPr lang="en-US" sz="2400" smtClean="0"/>
+              <a:rPr lang="en-US" sz="2400"/>
               <a:t>The speed depends on the properties of the medium being disturbed</a:t>
             </a:r>
           </a:p>
           <a:p>
             <a:pPr eaLnBrk="1" hangingPunct="1"/>
             <a:r>
-              <a:rPr lang="en-US" sz="2800" smtClean="0"/>
+              <a:rPr lang="en-US" sz="2800"/>
               <a:t>The wave function is given by</a:t>
             </a:r>
           </a:p>
           <a:p>
             <a:pPr eaLnBrk="1" hangingPunct="1"/>
-            <a:endParaRPr lang="en-US" sz="2800" smtClean="0"/>
+            <a:endParaRPr lang="en-US" sz="2800"/>
           </a:p>
           <a:p>
             <a:pPr eaLnBrk="1" hangingPunct="1"/>
-            <a:endParaRPr lang="en-US" sz="2800" smtClean="0"/>
+            <a:endParaRPr lang="en-US" sz="2800"/>
           </a:p>
           <a:p>
             <a:pPr lvl="1" eaLnBrk="1" hangingPunct="1"/>
             <a:r>
-              <a:rPr lang="en-US" sz="2400" smtClean="0"/>
+              <a:rPr lang="en-US" sz="2400"/>
               <a:t>This is for a wave moving to the right</a:t>
             </a:r>
           </a:p>
           <a:p>
             <a:pPr lvl="1" eaLnBrk="1" hangingPunct="1"/>
             <a:r>
-              <a:rPr lang="en-US" sz="2400" smtClean="0"/>
+              <a:rPr lang="en-US" sz="2400"/>
               <a:t>For a wave moving to the left, replace </a:t>
             </a:r>
             <a:r>
-              <a:rPr lang="en-US" sz="2400" i="1" smtClean="0"/>
+              <a:rPr lang="en-US" sz="2400" i="1"/>
               <a:t>x</a:t>
             </a:r>
             <a:r>
-              <a:rPr lang="en-US" sz="2400" smtClean="0"/>
+              <a:rPr lang="en-US" sz="2400"/>
               <a:t> – </a:t>
             </a:r>
             <a:r>
-              <a:rPr lang="en-US" sz="2400" i="1" smtClean="0"/>
+              <a:rPr lang="en-US" sz="2400" i="1"/>
               <a:t>vt </a:t>
             </a:r>
             <a:r>
-              <a:rPr lang="en-US" sz="2400" smtClean="0"/>
+              <a:rPr lang="en-US" sz="2400"/>
               <a:t>with </a:t>
             </a:r>
             <a:r>
-              <a:rPr lang="en-US" sz="2400" i="1" smtClean="0"/>
+              <a:rPr lang="en-US" sz="2400" i="1"/>
               <a:t>x</a:t>
             </a:r>
             <a:r>
-              <a:rPr lang="en-US" sz="2400" smtClean="0"/>
+              <a:rPr lang="en-US" sz="2400"/>
               <a:t> + </a:t>
             </a:r>
             <a:r>
-              <a:rPr lang="en-US" sz="2400" i="1" smtClean="0"/>
+              <a:rPr lang="en-US" sz="2400" i="1"/>
               <a:t>vt </a:t>
             </a:r>
           </a:p>
@@ -4729,7 +7209,7 @@
 </p:sld>
 </file>
 
-<file path=ppt/slides/slide13.xml><?xml version="1.0" encoding="utf-8"?>
+<file path=ppt/slides/slide21.xml><?xml version="1.0" encoding="utf-8"?>
 <p:sld xmlns:a="http://schemas.openxmlformats.org/drawingml/2006/main" xmlns:r="http://schemas.openxmlformats.org/officeDocument/2006/relationships" xmlns:p="http://schemas.openxmlformats.org/presentationml/2006/main">
   <p:cSld>
     <p:spTree>
@@ -4764,7 +7244,7 @@
           <a:lstStyle/>
           <a:p>
             <a:r>
-              <a:rPr lang="en-US" smtClean="0"/>
+              <a:rPr lang="en-US"/>
               <a:t>Winter 2007</a:t>
             </a:r>
           </a:p>
@@ -4788,7 +7268,7 @@
           <a:lstStyle/>
           <a:p>
             <a:r>
-              <a:rPr lang="en-US" smtClean="0"/>
+              <a:rPr lang="en-US"/>
               <a:t>R. Todd Lines</a:t>
             </a:r>
           </a:p>
@@ -4814,9 +7294,9 @@
             <a:fld id="{215061D5-BF90-41FA-9276-77D39722E3C1}" type="slidenum">
               <a:rPr lang="en-US" smtClean="0"/>
               <a:pPr/>
-              <a:t>13</a:t>
+              <a:t>21</a:t>
             </a:fld>
-            <a:endParaRPr lang="en-US" smtClean="0"/>
+            <a:endParaRPr lang="en-US"/>
           </a:p>
         </p:txBody>
       </p:sp>
@@ -4837,7 +7317,7 @@
           <a:p>
             <a:pPr eaLnBrk="1" hangingPunct="1"/>
             <a:r>
-              <a:rPr lang="en-US" smtClean="0"/>
+              <a:rPr lang="en-US"/>
               <a:t>16.3 Speed of Waves on Strings</a:t>
             </a:r>
           </a:p>
@@ -4859,7 +7339,7 @@
           <a:lstStyle/>
           <a:p>
             <a:pPr eaLnBrk="1" hangingPunct="1"/>
-            <a:endParaRPr lang="en-US" smtClean="0"/>
+            <a:endParaRPr lang="en-US"/>
           </a:p>
         </p:txBody>
       </p:sp>
@@ -4871,7 +7351,7 @@
 </p:sld>
 </file>
 
-<file path=ppt/slides/slide14.xml><?xml version="1.0" encoding="utf-8"?>
+<file path=ppt/slides/slide22.xml><?xml version="1.0" encoding="utf-8"?>
 <p:sld xmlns:a="http://schemas.openxmlformats.org/drawingml/2006/main" xmlns:r="http://schemas.openxmlformats.org/officeDocument/2006/relationships" xmlns:p="http://schemas.openxmlformats.org/presentationml/2006/main">
   <p:cSld>
     <p:spTree>
@@ -4904,7 +7384,7 @@
           <a:lstStyle/>
           <a:p>
             <a:pPr eaLnBrk="1" hangingPunct="1"/>
-            <a:endParaRPr lang="en-US" smtClean="0"/>
+            <a:endParaRPr lang="en-US"/>
           </a:p>
         </p:txBody>
       </p:sp>
@@ -4924,7 +7404,7 @@
           <a:lstStyle/>
           <a:p>
             <a:pPr eaLnBrk="1" hangingPunct="1"/>
-            <a:endParaRPr lang="en-US" smtClean="0"/>
+            <a:endParaRPr lang="en-US"/>
           </a:p>
         </p:txBody>
       </p:sp>
@@ -4946,7 +7426,7 @@
           <a:lstStyle/>
           <a:p>
             <a:r>
-              <a:rPr lang="en-US" smtClean="0"/>
+              <a:rPr lang="en-US"/>
               <a:t>Winter 2007</a:t>
             </a:r>
           </a:p>
@@ -4970,7 +7450,7 @@
           <a:lstStyle/>
           <a:p>
             <a:r>
-              <a:rPr lang="en-US" smtClean="0"/>
+              <a:rPr lang="en-US"/>
               <a:t>R. Todd Lines</a:t>
             </a:r>
           </a:p>
@@ -4996,9 +7476,9 @@
             <a:fld id="{44B496DA-9A26-4127-B4DB-65938A21EBFF}" type="slidenum">
               <a:rPr lang="en-US" smtClean="0"/>
               <a:pPr/>
-              <a:t>14</a:t>
+              <a:t>22</a:t>
             </a:fld>
-            <a:endParaRPr lang="en-US" smtClean="0"/>
+            <a:endParaRPr lang="en-US"/>
           </a:p>
         </p:txBody>
       </p:sp>
@@ -5070,23 +7550,23 @@
             <a:graphicData uri="http://schemas.openxmlformats.org/presentationml/2006/ole">
               <mc:AlternateContent xmlns:mc="http://schemas.openxmlformats.org/markup-compatibility/2006">
                 <mc:Choice xmlns:v="urn:schemas-microsoft-com:vml" Requires="v">
-                  <p:oleObj spid="_x0000_s3084" name="Equation" r:id="rId3" imgW="203040" imgH="177480" progId="Equation.3">
+                  <p:oleObj name="Equation" r:id="rId2" imgW="203040" imgH="177480" progId="Equation.3">
                     <p:embed/>
                   </p:oleObj>
                 </mc:Choice>
                 <mc:Fallback>
-                  <p:oleObj name="Equation" r:id="rId3" imgW="203040" imgH="177480" progId="Equation.3">
+                  <p:oleObj name="Equation" r:id="rId2" imgW="203040" imgH="177480" progId="Equation.3">
                     <p:embed/>
                     <p:pic>
                       <p:nvPicPr>
-                        <p:cNvPr id="0" name="Object 2"/>
+                        <p:cNvPr id="10242" name="Object 2"/>
                         <p:cNvPicPr>
                           <a:picLocks noChangeAspect="1" noChangeArrowheads="1"/>
                         </p:cNvPicPr>
                         <p:nvPr/>
                       </p:nvPicPr>
                       <p:blipFill>
-                        <a:blip r:embed="rId4">
+                        <a:blip r:embed="rId3">
                           <a:extLst>
                             <a:ext uri="{28A0092B-C50C-407E-A947-70E740481C1C}">
                               <a14:useLocalDpi xmlns:a14="http://schemas.microsoft.com/office/drawing/2010/main" val="0"/>
@@ -5536,23 +8016,23 @@
               <a:graphicData uri="http://schemas.openxmlformats.org/presentationml/2006/ole">
                 <mc:AlternateContent xmlns:mc="http://schemas.openxmlformats.org/markup-compatibility/2006">
                   <mc:Choice xmlns:v="urn:schemas-microsoft-com:vml" Requires="v">
-                    <p:oleObj spid="_x0000_s3085" name="Equation" r:id="rId5" imgW="203040" imgH="177480" progId="Equation.3">
+                    <p:oleObj name="Equation" r:id="rId4" imgW="203040" imgH="177480" progId="Equation.3">
                       <p:embed/>
                     </p:oleObj>
                   </mc:Choice>
                   <mc:Fallback>
-                    <p:oleObj name="Equation" r:id="rId5" imgW="203040" imgH="177480" progId="Equation.3">
+                    <p:oleObj name="Equation" r:id="rId4" imgW="203040" imgH="177480" progId="Equation.3">
                       <p:embed/>
                       <p:pic>
                         <p:nvPicPr>
-                          <p:cNvPr id="0" name="Object 3"/>
+                          <p:cNvPr id="10243" name="Object 3"/>
                           <p:cNvPicPr>
                             <a:picLocks noChangeAspect="1" noChangeArrowheads="1"/>
                           </p:cNvPicPr>
                           <p:nvPr/>
                         </p:nvPicPr>
                         <p:blipFill>
-                          <a:blip r:embed="rId6">
+                          <a:blip r:embed="rId5">
                             <a:extLst>
                               <a:ext uri="{28A0092B-C50C-407E-A947-70E740481C1C}">
                                 <a14:useLocalDpi xmlns:a14="http://schemas.microsoft.com/office/drawing/2010/main" val="0"/>
@@ -6173,7 +8653,7 @@
 </p:sld>
 </file>
 
-<file path=ppt/slides/slide15.xml><?xml version="1.0" encoding="utf-8"?>
+<file path=ppt/slides/slide23.xml><?xml version="1.0" encoding="utf-8"?>
 <p:sld xmlns:a="http://schemas.openxmlformats.org/drawingml/2006/main" xmlns:r="http://schemas.openxmlformats.org/officeDocument/2006/relationships" xmlns:p="http://schemas.openxmlformats.org/presentationml/2006/main">
   <p:cSld>
     <p:spTree>
@@ -6208,7 +8688,7 @@
           <a:lstStyle/>
           <a:p>
             <a:r>
-              <a:rPr lang="en-US" smtClean="0"/>
+              <a:rPr lang="en-US"/>
               <a:t>Winter 2007</a:t>
             </a:r>
           </a:p>
@@ -6232,7 +8712,7 @@
           <a:lstStyle/>
           <a:p>
             <a:r>
-              <a:rPr lang="en-US" smtClean="0"/>
+              <a:rPr lang="en-US"/>
               <a:t>R. Todd Lines</a:t>
             </a:r>
           </a:p>
@@ -6258,9 +8738,9 @@
             <a:fld id="{5C7A3FB9-8224-4B6F-9F67-0AF968C11E12}" type="slidenum">
               <a:rPr lang="en-US" smtClean="0"/>
               <a:pPr/>
-              <a:t>15</a:t>
+              <a:t>23</a:t>
             </a:fld>
-            <a:endParaRPr lang="en-US" smtClean="0"/>
+            <a:endParaRPr lang="en-US"/>
           </a:p>
         </p:txBody>
       </p:sp>
@@ -6281,7 +8761,7 @@
           <a:p>
             <a:pPr eaLnBrk="1" hangingPunct="1"/>
             <a:r>
-              <a:rPr lang="en-US" smtClean="0"/>
+              <a:rPr lang="en-US"/>
               <a:t>Forces on a Segment of String</a:t>
             </a:r>
           </a:p>
@@ -6304,29 +8784,29 @@
           <a:p>
             <a:pPr eaLnBrk="1" hangingPunct="1"/>
             <a:r>
-              <a:rPr lang="en-US" sz="2400" smtClean="0"/>
+              <a:rPr lang="en-US" sz="2400"/>
               <a:t>Tension on the RHS of the element from the rest of the string on the right,  </a:t>
             </a:r>
           </a:p>
           <a:p>
             <a:pPr eaLnBrk="1" hangingPunct="1"/>
-            <a:endParaRPr lang="en-US" sz="2400" smtClean="0"/>
+            <a:endParaRPr lang="en-US" sz="2400"/>
           </a:p>
           <a:p>
             <a:pPr eaLnBrk="1" hangingPunct="1"/>
             <a:r>
-              <a:rPr lang="en-US" sz="2400" smtClean="0"/>
+              <a:rPr lang="en-US" sz="2400"/>
               <a:t>Tension on the LHS of the element from the rest of the string on the left</a:t>
             </a:r>
           </a:p>
           <a:p>
             <a:pPr eaLnBrk="1" hangingPunct="1"/>
-            <a:endParaRPr lang="en-US" sz="2400" smtClean="0"/>
+            <a:endParaRPr lang="en-US" sz="2400"/>
           </a:p>
           <a:p>
             <a:pPr eaLnBrk="1" hangingPunct="1"/>
             <a:r>
-              <a:rPr lang="en-US" sz="2400" smtClean="0"/>
+              <a:rPr lang="en-US" sz="2400"/>
               <a:t>Force due to gravity</a:t>
             </a:r>
           </a:p>
@@ -6400,23 +8880,23 @@
             <a:graphicData uri="http://schemas.openxmlformats.org/presentationml/2006/ole">
               <mc:AlternateContent xmlns:mc="http://schemas.openxmlformats.org/markup-compatibility/2006">
                 <mc:Choice xmlns:v="urn:schemas-microsoft-com:vml" Requires="v">
-                  <p:oleObj spid="_x0000_s4108" name="Equation" r:id="rId3" imgW="203040" imgH="177480" progId="Equation.3">
+                  <p:oleObj name="Equation" r:id="rId2" imgW="203040" imgH="177480" progId="Equation.3">
                     <p:embed/>
                   </p:oleObj>
                 </mc:Choice>
                 <mc:Fallback>
-                  <p:oleObj name="Equation" r:id="rId3" imgW="203040" imgH="177480" progId="Equation.3">
+                  <p:oleObj name="Equation" r:id="rId2" imgW="203040" imgH="177480" progId="Equation.3">
                     <p:embed/>
                     <p:pic>
                       <p:nvPicPr>
-                        <p:cNvPr id="0" name="Object 23"/>
+                        <p:cNvPr id="11266" name="Object 23"/>
                         <p:cNvPicPr>
                           <a:picLocks noChangeAspect="1" noChangeArrowheads="1"/>
                         </p:cNvPicPr>
                         <p:nvPr/>
                       </p:nvPicPr>
                       <p:blipFill>
-                        <a:blip r:embed="rId4">
+                        <a:blip r:embed="rId3">
                           <a:extLst>
                             <a:ext uri="{28A0092B-C50C-407E-A947-70E740481C1C}">
                               <a14:useLocalDpi xmlns:a14="http://schemas.microsoft.com/office/drawing/2010/main" val="0"/>
@@ -6866,23 +9346,23 @@
               <a:graphicData uri="http://schemas.openxmlformats.org/presentationml/2006/ole">
                 <mc:AlternateContent xmlns:mc="http://schemas.openxmlformats.org/markup-compatibility/2006">
                   <mc:Choice xmlns:v="urn:schemas-microsoft-com:vml" Requires="v">
-                    <p:oleObj spid="_x0000_s4109" name="Equation" r:id="rId5" imgW="203040" imgH="177480" progId="Equation.3">
+                    <p:oleObj name="Equation" r:id="rId4" imgW="203040" imgH="177480" progId="Equation.3">
                       <p:embed/>
                     </p:oleObj>
                   </mc:Choice>
                   <mc:Fallback>
-                    <p:oleObj name="Equation" r:id="rId5" imgW="203040" imgH="177480" progId="Equation.3">
+                    <p:oleObj name="Equation" r:id="rId4" imgW="203040" imgH="177480" progId="Equation.3">
                       <p:embed/>
                       <p:pic>
                         <p:nvPicPr>
-                          <p:cNvPr id="0" name="Object 35"/>
+                          <p:cNvPr id="11267" name="Object 35"/>
                           <p:cNvPicPr>
                             <a:picLocks noChangeAspect="1" noChangeArrowheads="1"/>
                           </p:cNvPicPr>
                           <p:nvPr/>
                         </p:nvPicPr>
                         <p:blipFill>
-                          <a:blip r:embed="rId6">
+                          <a:blip r:embed="rId5">
                             <a:extLst>
                               <a:ext uri="{28A0092B-C50C-407E-A947-70E740481C1C}">
                                 <a14:useLocalDpi xmlns:a14="http://schemas.microsoft.com/office/drawing/2010/main" val="0"/>
@@ -7539,17 +10019,10 @@
   <p:clrMapOvr>
     <a:masterClrMapping/>
   </p:clrMapOvr>
-  <p:timing>
-    <p:tnLst>
-      <p:par>
-        <p:cTn id="1" dur="indefinite" restart="never" nodeType="tmRoot"/>
-      </p:par>
-    </p:tnLst>
-  </p:timing>
 </p:sld>
 </file>
 
-<file path=ppt/slides/slide16.xml><?xml version="1.0" encoding="utf-8"?>
+<file path=ppt/slides/slide24.xml><?xml version="1.0" encoding="utf-8"?>
 <p:sld xmlns:a="http://schemas.openxmlformats.org/drawingml/2006/main" xmlns:r="http://schemas.openxmlformats.org/officeDocument/2006/relationships" xmlns:p="http://schemas.openxmlformats.org/presentationml/2006/main">
   <p:cSld>
     <p:spTree>
@@ -7584,7 +10057,7 @@
           <a:lstStyle/>
           <a:p>
             <a:r>
-              <a:rPr lang="en-US" smtClean="0"/>
+              <a:rPr lang="en-US"/>
               <a:t>Winter 2007</a:t>
             </a:r>
           </a:p>
@@ -7608,7 +10081,7 @@
           <a:lstStyle/>
           <a:p>
             <a:r>
-              <a:rPr lang="en-US" smtClean="0"/>
+              <a:rPr lang="en-US"/>
               <a:t>R. Todd Lines</a:t>
             </a:r>
           </a:p>
@@ -7634,9 +10107,9 @@
             <a:fld id="{BB937D73-E016-4D34-A007-D3CAB01028EC}" type="slidenum">
               <a:rPr lang="en-US" smtClean="0"/>
               <a:pPr/>
-              <a:t>16</a:t>
+              <a:t>24</a:t>
             </a:fld>
-            <a:endParaRPr lang="en-US" smtClean="0"/>
+            <a:endParaRPr lang="en-US"/>
           </a:p>
         </p:txBody>
       </p:sp>
@@ -7657,7 +10130,7 @@
           <a:p>
             <a:pPr eaLnBrk="1" hangingPunct="1"/>
             <a:r>
-              <a:rPr lang="en-US" smtClean="0"/>
+              <a:rPr lang="en-US"/>
               <a:t>Forces on a Segment of String</a:t>
             </a:r>
           </a:p>
@@ -7689,17 +10162,17 @@
               </a:lnSpc>
             </a:pPr>
             <a:r>
-              <a:rPr lang="en-US" sz="2400" smtClean="0"/>
+              <a:rPr lang="en-US" sz="2400"/>
               <a:t>Assume that </a:t>
             </a:r>
             <a:r>
-              <a:rPr lang="en-US" sz="2400" smtClean="0">
+              <a:rPr lang="en-US" sz="2400">
                 <a:sym typeface="Symbol" pitchFamily="18" charset="2"/>
               </a:rPr>
               <a:t>s</a:t>
             </a:r>
             <a:r>
-              <a:rPr lang="en-US" sz="2400" smtClean="0"/>
+              <a:rPr lang="en-US" sz="2400"/>
               <a:t> an arc of a circle with radius R.</a:t>
             </a:r>
           </a:p>
@@ -7710,7 +10183,7 @@
               </a:lnSpc>
             </a:pPr>
             <a:r>
-              <a:rPr lang="en-US" sz="2400" smtClean="0"/>
+              <a:rPr lang="en-US" sz="2400"/>
               <a:t>There is a force pulling left on the left end of the element that is tangent to the arc, </a:t>
             </a:r>
           </a:p>
@@ -7721,7 +10194,7 @@
               </a:lnSpc>
             </a:pPr>
             <a:r>
-              <a:rPr lang="en-US" sz="2400" smtClean="0"/>
+              <a:rPr lang="en-US" sz="2400"/>
               <a:t>there is a force pulling right at the right end of the element which is tangent to the arc. </a:t>
             </a:r>
           </a:p>
@@ -7732,7 +10205,7 @@
               </a:lnSpc>
             </a:pPr>
             <a:r>
-              <a:rPr lang="en-US" sz="2400" smtClean="0"/>
+              <a:rPr lang="en-US" sz="2400"/>
               <a:t>These forces produce centripetal accelerations</a:t>
             </a:r>
           </a:p>
@@ -7754,23 +10227,23 @@
           <a:graphicData uri="http://schemas.openxmlformats.org/presentationml/2006/ole">
             <mc:AlternateContent xmlns:mc="http://schemas.openxmlformats.org/markup-compatibility/2006">
               <mc:Choice xmlns:v="urn:schemas-microsoft-com:vml" Requires="v">
-                <p:oleObj spid="_x0000_s5137" name="Equation" r:id="rId3" imgW="444307" imgH="418918" progId="Equation.3">
+                <p:oleObj name="Equation" r:id="rId2" imgW="444307" imgH="418918" progId="Equation.3">
                   <p:embed/>
                 </p:oleObj>
               </mc:Choice>
               <mc:Fallback>
-                <p:oleObj name="Equation" r:id="rId3" imgW="444307" imgH="418918" progId="Equation.3">
+                <p:oleObj name="Equation" r:id="rId2" imgW="444307" imgH="418918" progId="Equation.3">
                   <p:embed/>
                   <p:pic>
                     <p:nvPicPr>
-                      <p:cNvPr id="0" name="Object 30"/>
+                      <p:cNvPr id="12290" name="Object 30"/>
                       <p:cNvPicPr>
                         <a:picLocks noChangeAspect="1" noChangeArrowheads="1"/>
                       </p:cNvPicPr>
                       <p:nvPr/>
                     </p:nvPicPr>
                     <p:blipFill>
-                      <a:blip r:embed="rId4">
+                      <a:blip r:embed="rId3">
                         <a:extLst>
                           <a:ext uri="{28A0092B-C50C-407E-A947-70E740481C1C}">
                             <a14:useLocalDpi xmlns:a14="http://schemas.microsoft.com/office/drawing/2010/main" val="0"/>
@@ -7876,23 +10349,23 @@
             <a:graphicData uri="http://schemas.openxmlformats.org/presentationml/2006/ole">
               <mc:AlternateContent xmlns:mc="http://schemas.openxmlformats.org/markup-compatibility/2006">
                 <mc:Choice xmlns:v="urn:schemas-microsoft-com:vml" Requires="v">
-                  <p:oleObj spid="_x0000_s5138" name="Equation" r:id="rId5" imgW="203040" imgH="177480" progId="Equation.3">
+                  <p:oleObj name="Equation" r:id="rId4" imgW="203040" imgH="177480" progId="Equation.3">
                     <p:embed/>
                   </p:oleObj>
                 </mc:Choice>
                 <mc:Fallback>
-                  <p:oleObj name="Equation" r:id="rId5" imgW="203040" imgH="177480" progId="Equation.3">
+                  <p:oleObj name="Equation" r:id="rId4" imgW="203040" imgH="177480" progId="Equation.3">
                     <p:embed/>
                     <p:pic>
                       <p:nvPicPr>
-                        <p:cNvPr id="0" name="Object 59"/>
+                        <p:cNvPr id="12291" name="Object 59"/>
                         <p:cNvPicPr>
                           <a:picLocks noChangeAspect="1" noChangeArrowheads="1"/>
                         </p:cNvPicPr>
                         <p:nvPr/>
                       </p:nvPicPr>
                       <p:blipFill>
-                        <a:blip r:embed="rId6">
+                        <a:blip r:embed="rId5">
                           <a:extLst>
                             <a:ext uri="{28A0092B-C50C-407E-A947-70E740481C1C}">
                               <a14:useLocalDpi xmlns:a14="http://schemas.microsoft.com/office/drawing/2010/main" val="0"/>
@@ -8342,23 +10815,23 @@
               <a:graphicData uri="http://schemas.openxmlformats.org/presentationml/2006/ole">
                 <mc:AlternateContent xmlns:mc="http://schemas.openxmlformats.org/markup-compatibility/2006">
                   <mc:Choice xmlns:v="urn:schemas-microsoft-com:vml" Requires="v">
-                    <p:oleObj spid="_x0000_s5139" name="Equation" r:id="rId7" imgW="203040" imgH="177480" progId="Equation.3">
+                    <p:oleObj name="Equation" r:id="rId6" imgW="203040" imgH="177480" progId="Equation.3">
                       <p:embed/>
                     </p:oleObj>
                   </mc:Choice>
                   <mc:Fallback>
-                    <p:oleObj name="Equation" r:id="rId7" imgW="203040" imgH="177480" progId="Equation.3">
+                    <p:oleObj name="Equation" r:id="rId6" imgW="203040" imgH="177480" progId="Equation.3">
                       <p:embed/>
                       <p:pic>
                         <p:nvPicPr>
-                          <p:cNvPr id="0" name="Object 65"/>
+                          <p:cNvPr id="12292" name="Object 65"/>
                           <p:cNvPicPr>
                             <a:picLocks noChangeAspect="1" noChangeArrowheads="1"/>
                           </p:cNvPicPr>
                           <p:nvPr/>
                         </p:nvPicPr>
                         <p:blipFill>
-                          <a:blip r:embed="rId8">
+                          <a:blip r:embed="rId7">
                             <a:extLst>
                               <a:ext uri="{28A0092B-C50C-407E-A947-70E740481C1C}">
                                 <a14:useLocalDpi xmlns:a14="http://schemas.microsoft.com/office/drawing/2010/main" val="0"/>
@@ -8976,17 +11449,10 @@
   <p:clrMapOvr>
     <a:masterClrMapping/>
   </p:clrMapOvr>
-  <p:timing>
-    <p:tnLst>
-      <p:par>
-        <p:cTn id="1" dur="indefinite" restart="never" nodeType="tmRoot"/>
-      </p:par>
-    </p:tnLst>
-  </p:timing>
 </p:sld>
 </file>
 
-<file path=ppt/slides/slide17.xml><?xml version="1.0" encoding="utf-8"?>
+<file path=ppt/slides/slide25.xml><?xml version="1.0" encoding="utf-8"?>
 <p:sld xmlns:a="http://schemas.openxmlformats.org/drawingml/2006/main" xmlns:r="http://schemas.openxmlformats.org/officeDocument/2006/relationships" xmlns:p="http://schemas.openxmlformats.org/presentationml/2006/main">
   <p:cSld>
     <p:spTree>
@@ -9021,7 +11487,7 @@
           <a:lstStyle/>
           <a:p>
             <a:r>
-              <a:rPr lang="en-US" smtClean="0"/>
+              <a:rPr lang="en-US"/>
               <a:t>Winter 2007</a:t>
             </a:r>
           </a:p>
@@ -9045,7 +11511,7 @@
           <a:lstStyle/>
           <a:p>
             <a:r>
-              <a:rPr lang="en-US" smtClean="0"/>
+              <a:rPr lang="en-US"/>
               <a:t>R. Todd Lines</a:t>
             </a:r>
           </a:p>
@@ -9071,9 +11537,9 @@
             <a:fld id="{C00B0964-3FFB-4881-9119-45BABDCA57FB}" type="slidenum">
               <a:rPr lang="en-US" smtClean="0"/>
               <a:pPr/>
-              <a:t>17</a:t>
+              <a:t>25</a:t>
             </a:fld>
-            <a:endParaRPr lang="en-US" smtClean="0"/>
+            <a:endParaRPr lang="en-US"/>
           </a:p>
         </p:txBody>
       </p:sp>
@@ -9094,7 +11560,7 @@
           <a:p>
             <a:pPr eaLnBrk="1" hangingPunct="1"/>
             <a:r>
-              <a:rPr lang="en-US" smtClean="0"/>
+              <a:rPr lang="en-US"/>
               <a:t>Forces on a Segment of String</a:t>
             </a:r>
           </a:p>
@@ -9126,7 +11592,7 @@
               </a:lnSpc>
             </a:pPr>
             <a:r>
-              <a:rPr lang="en-US" sz="2000" smtClean="0"/>
+              <a:rPr lang="en-US" sz="2000"/>
               <a:t>The horizontal components of the forces cancel </a:t>
             </a:r>
           </a:p>
@@ -9136,7 +11602,7 @@
                 <a:spcPct val="80000"/>
               </a:lnSpc>
             </a:pPr>
-            <a:endParaRPr lang="en-US" sz="2000" smtClean="0"/>
+            <a:endParaRPr lang="en-US" sz="2000"/>
           </a:p>
           <a:p>
             <a:pPr eaLnBrk="1" hangingPunct="1">
@@ -9144,7 +11610,7 @@
                 <a:spcPct val="80000"/>
               </a:lnSpc>
             </a:pPr>
-            <a:endParaRPr lang="en-US" sz="2000" smtClean="0"/>
+            <a:endParaRPr lang="en-US" sz="2000"/>
           </a:p>
           <a:p>
             <a:pPr eaLnBrk="1" hangingPunct="1">
@@ -9153,7 +11619,7 @@
               </a:lnSpc>
             </a:pPr>
             <a:r>
-              <a:rPr lang="en-US" sz="2000" smtClean="0"/>
+              <a:rPr lang="en-US" sz="2000"/>
               <a:t>The vertical component,    is directed toward the center of the arc </a:t>
             </a:r>
           </a:p>
@@ -9163,7 +11629,7 @@
                 <a:spcPct val="80000"/>
               </a:lnSpc>
             </a:pPr>
-            <a:endParaRPr lang="en-US" sz="2000" smtClean="0"/>
+            <a:endParaRPr lang="en-US" sz="2000"/>
           </a:p>
           <a:p>
             <a:pPr eaLnBrk="1" hangingPunct="1">
@@ -9171,7 +11637,7 @@
                 <a:spcPct val="80000"/>
               </a:lnSpc>
             </a:pPr>
-            <a:endParaRPr lang="en-US" sz="2000" smtClean="0"/>
+            <a:endParaRPr lang="en-US" sz="2000"/>
           </a:p>
           <a:p>
             <a:pPr eaLnBrk="1" hangingPunct="1">
@@ -9180,7 +11646,7 @@
               </a:lnSpc>
             </a:pPr>
             <a:r>
-              <a:rPr lang="en-US" sz="2000" smtClean="0"/>
+              <a:rPr lang="en-US" sz="2000"/>
               <a:t>If the rope is not moving in the  x direction, then </a:t>
             </a:r>
           </a:p>
@@ -9190,7 +11656,7 @@
                 <a:spcPct val="80000"/>
               </a:lnSpc>
             </a:pPr>
-            <a:endParaRPr lang="en-US" sz="2000" smtClean="0"/>
+            <a:endParaRPr lang="en-US" sz="2000"/>
           </a:p>
           <a:p>
             <a:pPr eaLnBrk="1" hangingPunct="1">
@@ -9198,7 +11664,7 @@
                 <a:spcPct val="80000"/>
               </a:lnSpc>
             </a:pPr>
-            <a:endParaRPr lang="en-US" sz="2000" smtClean="0"/>
+            <a:endParaRPr lang="en-US" sz="2000"/>
           </a:p>
           <a:p>
             <a:pPr eaLnBrk="1" hangingPunct="1">
@@ -9206,7 +11672,7 @@
                 <a:spcPct val="80000"/>
               </a:lnSpc>
             </a:pPr>
-            <a:endParaRPr lang="en-US" sz="2000" smtClean="0"/>
+            <a:endParaRPr lang="en-US" sz="2000"/>
           </a:p>
           <a:p>
             <a:pPr eaLnBrk="1" hangingPunct="1">
@@ -9215,7 +11681,7 @@
               </a:lnSpc>
             </a:pPr>
             <a:r>
-              <a:rPr lang="en-US" sz="2000" smtClean="0"/>
+              <a:rPr lang="en-US" sz="2000"/>
               <a:t>Then the force is </a:t>
             </a:r>
           </a:p>
@@ -9273,23 +11739,23 @@
           <a:graphicData uri="http://schemas.openxmlformats.org/presentationml/2006/ole">
             <mc:AlternateContent xmlns:mc="http://schemas.openxmlformats.org/markup-compatibility/2006">
               <mc:Choice xmlns:v="urn:schemas-microsoft-com:vml" Requires="v">
-                <p:oleObj spid="_x0000_s6186" name="Equation" r:id="rId3" imgW="203040" imgH="177480" progId="Equation.3">
+                <p:oleObj name="Equation" r:id="rId2" imgW="203040" imgH="177480" progId="Equation.3">
                   <p:embed/>
                 </p:oleObj>
               </mc:Choice>
               <mc:Fallback>
-                <p:oleObj name="Equation" r:id="rId3" imgW="203040" imgH="177480" progId="Equation.3">
+                <p:oleObj name="Equation" r:id="rId2" imgW="203040" imgH="177480" progId="Equation.3">
                   <p:embed/>
                   <p:pic>
                     <p:nvPicPr>
-                      <p:cNvPr id="0" name="Object 6"/>
+                      <p:cNvPr id="13314" name="Object 6"/>
                       <p:cNvPicPr>
                         <a:picLocks noChangeAspect="1" noChangeArrowheads="1"/>
                       </p:cNvPicPr>
                       <p:nvPr/>
                     </p:nvPicPr>
                     <p:blipFill>
-                      <a:blip r:embed="rId4">
+                      <a:blip r:embed="rId3">
                         <a:extLst>
                           <a:ext uri="{28A0092B-C50C-407E-A947-70E740481C1C}">
                             <a14:useLocalDpi xmlns:a14="http://schemas.microsoft.com/office/drawing/2010/main" val="0"/>
@@ -9723,23 +12189,23 @@
           <a:graphicData uri="http://schemas.openxmlformats.org/presentationml/2006/ole">
             <mc:AlternateContent xmlns:mc="http://schemas.openxmlformats.org/markup-compatibility/2006">
               <mc:Choice xmlns:v="urn:schemas-microsoft-com:vml" Requires="v">
-                <p:oleObj spid="_x0000_s6187" name="Equation" r:id="rId5" imgW="203040" imgH="177480" progId="Equation.3">
+                <p:oleObj name="Equation" r:id="rId4" imgW="203040" imgH="177480" progId="Equation.3">
                   <p:embed/>
                 </p:oleObj>
               </mc:Choice>
               <mc:Fallback>
-                <p:oleObj name="Equation" r:id="rId5" imgW="203040" imgH="177480" progId="Equation.3">
+                <p:oleObj name="Equation" r:id="rId4" imgW="203040" imgH="177480" progId="Equation.3">
                   <p:embed/>
                   <p:pic>
                     <p:nvPicPr>
-                      <p:cNvPr id="0" name="Object 12"/>
+                      <p:cNvPr id="13315" name="Object 12"/>
                       <p:cNvPicPr>
                         <a:picLocks noChangeAspect="1" noChangeArrowheads="1"/>
                       </p:cNvPicPr>
                       <p:nvPr/>
                     </p:nvPicPr>
                     <p:blipFill>
-                      <a:blip r:embed="rId6">
+                      <a:blip r:embed="rId5">
                         <a:extLst>
                           <a:ext uri="{28A0092B-C50C-407E-A947-70E740481C1C}">
                             <a14:useLocalDpi xmlns:a14="http://schemas.microsoft.com/office/drawing/2010/main" val="0"/>
@@ -10366,23 +12832,23 @@
           <a:graphicData uri="http://schemas.openxmlformats.org/presentationml/2006/ole">
             <mc:AlternateContent xmlns:mc="http://schemas.openxmlformats.org/markup-compatibility/2006">
               <mc:Choice xmlns:v="urn:schemas-microsoft-com:vml" Requires="v">
-                <p:oleObj spid="_x0000_s6188" name="Equation" r:id="rId7" imgW="672840" imgH="215640" progId="Equation.3">
+                <p:oleObj name="Equation" r:id="rId6" imgW="672840" imgH="215640" progId="Equation.3">
                   <p:embed/>
                 </p:oleObj>
               </mc:Choice>
               <mc:Fallback>
-                <p:oleObj name="Equation" r:id="rId7" imgW="672840" imgH="215640" progId="Equation.3">
+                <p:oleObj name="Equation" r:id="rId6" imgW="672840" imgH="215640" progId="Equation.3">
                   <p:embed/>
                   <p:pic>
                     <p:nvPicPr>
-                      <p:cNvPr id="0" name="Object 29"/>
+                      <p:cNvPr id="13316" name="Object 29"/>
                       <p:cNvPicPr>
                         <a:picLocks noChangeAspect="1" noChangeArrowheads="1"/>
                       </p:cNvPicPr>
                       <p:nvPr/>
                     </p:nvPicPr>
                     <p:blipFill>
-                      <a:blip r:embed="rId8">
+                      <a:blip r:embed="rId7">
                         <a:extLst>
                           <a:ext uri="{28A0092B-C50C-407E-A947-70E740481C1C}">
                             <a14:useLocalDpi xmlns:a14="http://schemas.microsoft.com/office/drawing/2010/main" val="0"/>
@@ -10470,23 +12936,23 @@
           <a:graphicData uri="http://schemas.openxmlformats.org/presentationml/2006/ole">
             <mc:AlternateContent xmlns:mc="http://schemas.openxmlformats.org/markup-compatibility/2006">
               <mc:Choice xmlns:v="urn:schemas-microsoft-com:vml" Requires="v">
-                <p:oleObj spid="_x0000_s6189" name="Equation" r:id="rId9" imgW="609336" imgH="215806" progId="Equation.3">
+                <p:oleObj name="Equation" r:id="rId8" imgW="609336" imgH="215806" progId="Equation.3">
                   <p:embed/>
                 </p:oleObj>
               </mc:Choice>
               <mc:Fallback>
-                <p:oleObj name="Equation" r:id="rId9" imgW="609336" imgH="215806" progId="Equation.3">
+                <p:oleObj name="Equation" r:id="rId8" imgW="609336" imgH="215806" progId="Equation.3">
                   <p:embed/>
                   <p:pic>
                     <p:nvPicPr>
-                      <p:cNvPr id="0" name="Object 31"/>
+                      <p:cNvPr id="13317" name="Object 31"/>
                       <p:cNvPicPr>
                         <a:picLocks noChangeAspect="1" noChangeArrowheads="1"/>
                       </p:cNvPicPr>
                       <p:nvPr/>
                     </p:nvPicPr>
                     <p:blipFill>
-                      <a:blip r:embed="rId10">
+                      <a:blip r:embed="rId9">
                         <a:extLst>
                           <a:ext uri="{28A0092B-C50C-407E-A947-70E740481C1C}">
                             <a14:useLocalDpi xmlns:a14="http://schemas.microsoft.com/office/drawing/2010/main" val="0"/>
@@ -10574,23 +13040,23 @@
           <a:graphicData uri="http://schemas.openxmlformats.org/presentationml/2006/ole">
             <mc:AlternateContent xmlns:mc="http://schemas.openxmlformats.org/markup-compatibility/2006">
               <mc:Choice xmlns:v="urn:schemas-microsoft-com:vml" Requires="v">
-                <p:oleObj spid="_x0000_s6190" name="Equation" r:id="rId11" imgW="698400" imgH="228600" progId="Equation.3">
+                <p:oleObj name="Equation" r:id="rId10" imgW="698400" imgH="228600" progId="Equation.3">
                   <p:embed/>
                 </p:oleObj>
               </mc:Choice>
               <mc:Fallback>
-                <p:oleObj name="Equation" r:id="rId11" imgW="698400" imgH="228600" progId="Equation.3">
+                <p:oleObj name="Equation" r:id="rId10" imgW="698400" imgH="228600" progId="Equation.3">
                   <p:embed/>
                   <p:pic>
                     <p:nvPicPr>
-                      <p:cNvPr id="0" name="Object 33"/>
+                      <p:cNvPr id="13318" name="Object 33"/>
                       <p:cNvPicPr>
                         <a:picLocks noChangeAspect="1" noChangeArrowheads="1"/>
                       </p:cNvPicPr>
                       <p:nvPr/>
                     </p:nvPicPr>
                     <p:blipFill>
-                      <a:blip r:embed="rId12">
+                      <a:blip r:embed="rId11">
                         <a:extLst>
                           <a:ext uri="{28A0092B-C50C-407E-A947-70E740481C1C}">
                             <a14:useLocalDpi xmlns:a14="http://schemas.microsoft.com/office/drawing/2010/main" val="0"/>
@@ -10644,23 +13110,23 @@
           <a:graphicData uri="http://schemas.openxmlformats.org/presentationml/2006/ole">
             <mc:AlternateContent xmlns:mc="http://schemas.openxmlformats.org/markup-compatibility/2006">
               <mc:Choice xmlns:v="urn:schemas-microsoft-com:vml" Requires="v">
-                <p:oleObj spid="_x0000_s6191" name="Equation" r:id="rId13" imgW="901440" imgH="241200" progId="Equation.3">
+                <p:oleObj name="Equation" r:id="rId12" imgW="901440" imgH="241200" progId="Equation.3">
                   <p:embed/>
                 </p:oleObj>
               </mc:Choice>
               <mc:Fallback>
-                <p:oleObj name="Equation" r:id="rId13" imgW="901440" imgH="241200" progId="Equation.3">
+                <p:oleObj name="Equation" r:id="rId12" imgW="901440" imgH="241200" progId="Equation.3">
                   <p:embed/>
                   <p:pic>
                     <p:nvPicPr>
-                      <p:cNvPr id="0" name="Object 35"/>
+                      <p:cNvPr id="13319" name="Object 35"/>
                       <p:cNvPicPr>
                         <a:picLocks noChangeAspect="1" noChangeArrowheads="1"/>
                       </p:cNvPicPr>
                       <p:nvPr/>
                     </p:nvPicPr>
                     <p:blipFill>
-                      <a:blip r:embed="rId14">
+                      <a:blip r:embed="rId13">
                         <a:extLst>
                           <a:ext uri="{28A0092B-C50C-407E-A947-70E740481C1C}">
                             <a14:useLocalDpi xmlns:a14="http://schemas.microsoft.com/office/drawing/2010/main" val="0"/>
@@ -10766,23 +13232,23 @@
             <a:graphicData uri="http://schemas.openxmlformats.org/presentationml/2006/ole">
               <mc:AlternateContent xmlns:mc="http://schemas.openxmlformats.org/markup-compatibility/2006">
                 <mc:Choice xmlns:v="urn:schemas-microsoft-com:vml" Requires="v">
-                  <p:oleObj spid="_x0000_s6192" name="Equation" r:id="rId15" imgW="203040" imgH="177480" progId="Equation.3">
+                  <p:oleObj name="Equation" r:id="rId14" imgW="203040" imgH="177480" progId="Equation.3">
                     <p:embed/>
                   </p:oleObj>
                 </mc:Choice>
                 <mc:Fallback>
-                  <p:oleObj name="Equation" r:id="rId15" imgW="203040" imgH="177480" progId="Equation.3">
+                  <p:oleObj name="Equation" r:id="rId14" imgW="203040" imgH="177480" progId="Equation.3">
                     <p:embed/>
                     <p:pic>
                       <p:nvPicPr>
-                        <p:cNvPr id="0" name="Object 38"/>
+                        <p:cNvPr id="13320" name="Object 38"/>
                         <p:cNvPicPr>
                           <a:picLocks noChangeAspect="1" noChangeArrowheads="1"/>
                         </p:cNvPicPr>
                         <p:nvPr/>
                       </p:nvPicPr>
                       <p:blipFill>
-                        <a:blip r:embed="rId4">
+                        <a:blip r:embed="rId3">
                           <a:extLst>
                             <a:ext uri="{28A0092B-C50C-407E-A947-70E740481C1C}">
                               <a14:useLocalDpi xmlns:a14="http://schemas.microsoft.com/office/drawing/2010/main" val="0"/>
@@ -11232,23 +13698,23 @@
               <a:graphicData uri="http://schemas.openxmlformats.org/presentationml/2006/ole">
                 <mc:AlternateContent xmlns:mc="http://schemas.openxmlformats.org/markup-compatibility/2006">
                   <mc:Choice xmlns:v="urn:schemas-microsoft-com:vml" Requires="v">
-                    <p:oleObj spid="_x0000_s6193" name="Equation" r:id="rId16" imgW="203040" imgH="177480" progId="Equation.3">
+                    <p:oleObj name="Equation" r:id="rId15" imgW="203040" imgH="177480" progId="Equation.3">
                       <p:embed/>
                     </p:oleObj>
                   </mc:Choice>
                   <mc:Fallback>
-                    <p:oleObj name="Equation" r:id="rId16" imgW="203040" imgH="177480" progId="Equation.3">
+                    <p:oleObj name="Equation" r:id="rId15" imgW="203040" imgH="177480" progId="Equation.3">
                       <p:embed/>
                       <p:pic>
                         <p:nvPicPr>
-                          <p:cNvPr id="0" name="Object 44"/>
+                          <p:cNvPr id="13321" name="Object 44"/>
                           <p:cNvPicPr>
                             <a:picLocks noChangeAspect="1" noChangeArrowheads="1"/>
                           </p:cNvPicPr>
                           <p:nvPr/>
                         </p:nvPicPr>
                         <p:blipFill>
-                          <a:blip r:embed="rId6">
+                          <a:blip r:embed="rId5">
                             <a:extLst>
                               <a:ext uri="{28A0092B-C50C-407E-A947-70E740481C1C}">
                                 <a14:useLocalDpi xmlns:a14="http://schemas.microsoft.com/office/drawing/2010/main" val="0"/>
@@ -11866,17 +14332,10 @@
   <p:clrMapOvr>
     <a:masterClrMapping/>
   </p:clrMapOvr>
-  <p:timing>
-    <p:tnLst>
-      <p:par>
-        <p:cTn id="1" dur="indefinite" restart="never" nodeType="tmRoot"/>
-      </p:par>
-    </p:tnLst>
-  </p:timing>
 </p:sld>
 </file>
 
-<file path=ppt/slides/slide18.xml><?xml version="1.0" encoding="utf-8"?>
+<file path=ppt/slides/slide26.xml><?xml version="1.0" encoding="utf-8"?>
 <p:sld xmlns:a="http://schemas.openxmlformats.org/drawingml/2006/main" xmlns:r="http://schemas.openxmlformats.org/officeDocument/2006/relationships" xmlns:p="http://schemas.openxmlformats.org/presentationml/2006/main">
   <p:cSld>
     <p:spTree>
@@ -11911,7 +14370,7 @@
           <a:lstStyle/>
           <a:p>
             <a:r>
-              <a:rPr lang="en-US" smtClean="0"/>
+              <a:rPr lang="en-US"/>
               <a:t>Winter 2007</a:t>
             </a:r>
           </a:p>
@@ -11935,7 +14394,7 @@
           <a:lstStyle/>
           <a:p>
             <a:r>
-              <a:rPr lang="en-US" smtClean="0"/>
+              <a:rPr lang="en-US"/>
               <a:t>R. Todd Lines</a:t>
             </a:r>
           </a:p>
@@ -11961,9 +14420,9 @@
             <a:fld id="{3310E9A9-CDC9-4C8C-AA01-E7907DAB06D4}" type="slidenum">
               <a:rPr lang="en-US" smtClean="0"/>
               <a:pPr/>
-              <a:t>18</a:t>
+              <a:t>26</a:t>
             </a:fld>
-            <a:endParaRPr lang="en-US" smtClean="0"/>
+            <a:endParaRPr lang="en-US"/>
           </a:p>
         </p:txBody>
       </p:sp>
@@ -11984,7 +14443,7 @@
           <a:p>
             <a:pPr eaLnBrk="1" hangingPunct="1"/>
             <a:r>
-              <a:rPr lang="en-US" smtClean="0"/>
+              <a:rPr lang="en-US"/>
               <a:t>Forces on a Segment of String</a:t>
             </a:r>
           </a:p>
@@ -12016,7 +14475,7 @@
               </a:lnSpc>
             </a:pPr>
             <a:r>
-              <a:rPr lang="en-US" sz="2000" smtClean="0"/>
+              <a:rPr lang="en-US" sz="2000"/>
               <a:t>Small Angle Aprox.</a:t>
             </a:r>
           </a:p>
@@ -12026,7 +14485,7 @@
                 <a:spcPct val="80000"/>
               </a:lnSpc>
             </a:pPr>
-            <a:endParaRPr lang="en-US" sz="2000" smtClean="0"/>
+            <a:endParaRPr lang="en-US" sz="2000"/>
           </a:p>
           <a:p>
             <a:pPr eaLnBrk="1" hangingPunct="1">
@@ -12034,7 +14493,7 @@
                 <a:spcPct val="80000"/>
               </a:lnSpc>
             </a:pPr>
-            <a:endParaRPr lang="en-US" sz="2000" smtClean="0"/>
+            <a:endParaRPr lang="en-US" sz="2000"/>
           </a:p>
           <a:p>
             <a:pPr eaLnBrk="1" hangingPunct="1">
@@ -12043,7 +14502,7 @@
               </a:lnSpc>
             </a:pPr>
             <a:r>
-              <a:rPr lang="en-US" sz="2000" smtClean="0"/>
+              <a:rPr lang="en-US" sz="2000"/>
               <a:t>Define </a:t>
             </a:r>
           </a:p>
@@ -12053,7 +14512,7 @@
                 <a:spcPct val="80000"/>
               </a:lnSpc>
             </a:pPr>
-            <a:endParaRPr lang="en-US" sz="2000" smtClean="0"/>
+            <a:endParaRPr lang="en-US" sz="2000"/>
           </a:p>
           <a:p>
             <a:pPr eaLnBrk="1" hangingPunct="1">
@@ -12061,7 +14520,7 @@
                 <a:spcPct val="80000"/>
               </a:lnSpc>
             </a:pPr>
-            <a:endParaRPr lang="en-US" sz="2000" smtClean="0"/>
+            <a:endParaRPr lang="en-US" sz="2000"/>
           </a:p>
           <a:p>
             <a:pPr eaLnBrk="1" hangingPunct="1">
@@ -12070,7 +14529,7 @@
               </a:lnSpc>
             </a:pPr>
             <a:r>
-              <a:rPr lang="en-US" sz="2000" smtClean="0"/>
+              <a:rPr lang="en-US" sz="2000"/>
               <a:t>so</a:t>
             </a:r>
           </a:p>
@@ -12080,7 +14539,7 @@
                 <a:spcPct val="80000"/>
               </a:lnSpc>
             </a:pPr>
-            <a:endParaRPr lang="en-US" sz="2000" smtClean="0"/>
+            <a:endParaRPr lang="en-US" sz="2000"/>
           </a:p>
           <a:p>
             <a:pPr eaLnBrk="1" hangingPunct="1">
@@ -12088,7 +14547,7 @@
                 <a:spcPct val="80000"/>
               </a:lnSpc>
             </a:pPr>
-            <a:endParaRPr lang="en-US" sz="2000" smtClean="0"/>
+            <a:endParaRPr lang="en-US" sz="2000"/>
           </a:p>
           <a:p>
             <a:pPr eaLnBrk="1" hangingPunct="1">
@@ -12096,7 +14555,7 @@
                 <a:spcPct val="80000"/>
               </a:lnSpc>
             </a:pPr>
-            <a:endParaRPr lang="en-US" sz="2000" smtClean="0"/>
+            <a:endParaRPr lang="en-US" sz="2000"/>
           </a:p>
         </p:txBody>
       </p:sp>
@@ -12218,23 +14677,23 @@
           <a:graphicData uri="http://schemas.openxmlformats.org/presentationml/2006/ole">
             <mc:AlternateContent xmlns:mc="http://schemas.openxmlformats.org/markup-compatibility/2006">
               <mc:Choice xmlns:v="urn:schemas-microsoft-com:vml" Requires="v">
-                <p:oleObj spid="_x0000_s7195" name="Equation" r:id="rId3" imgW="1066680" imgH="203040" progId="Equation.3">
+                <p:oleObj name="Equation" r:id="rId2" imgW="1066680" imgH="203040" progId="Equation.3">
                   <p:embed/>
                 </p:oleObj>
               </mc:Choice>
               <mc:Fallback>
-                <p:oleObj name="Equation" r:id="rId3" imgW="1066680" imgH="203040" progId="Equation.3">
+                <p:oleObj name="Equation" r:id="rId2" imgW="1066680" imgH="203040" progId="Equation.3">
                   <p:embed/>
                   <p:pic>
                     <p:nvPicPr>
-                      <p:cNvPr id="0" name="Object 30"/>
+                      <p:cNvPr id="14338" name="Object 30"/>
                       <p:cNvPicPr>
                         <a:picLocks noChangeAspect="1" noChangeArrowheads="1"/>
                       </p:cNvPicPr>
                       <p:nvPr/>
                     </p:nvPicPr>
                     <p:blipFill>
-                      <a:blip r:embed="rId4">
+                      <a:blip r:embed="rId3">
                         <a:extLst>
                           <a:ext uri="{28A0092B-C50C-407E-A947-70E740481C1C}">
                             <a14:useLocalDpi xmlns:a14="http://schemas.microsoft.com/office/drawing/2010/main" val="0"/>
@@ -12288,23 +14747,23 @@
           <a:graphicData uri="http://schemas.openxmlformats.org/presentationml/2006/ole">
             <mc:AlternateContent xmlns:mc="http://schemas.openxmlformats.org/markup-compatibility/2006">
               <mc:Choice xmlns:v="urn:schemas-microsoft-com:vml" Requires="v">
-                <p:oleObj spid="_x0000_s7196" name="Equation" r:id="rId5" imgW="914400" imgH="241200" progId="Equation.3">
+                <p:oleObj name="Equation" r:id="rId4" imgW="914400" imgH="241200" progId="Equation.3">
                   <p:embed/>
                 </p:oleObj>
               </mc:Choice>
               <mc:Fallback>
-                <p:oleObj name="Equation" r:id="rId5" imgW="914400" imgH="241200" progId="Equation.3">
+                <p:oleObj name="Equation" r:id="rId4" imgW="914400" imgH="241200" progId="Equation.3">
                   <p:embed/>
                   <p:pic>
                     <p:nvPicPr>
-                      <p:cNvPr id="0" name="Object 31"/>
+                      <p:cNvPr id="14339" name="Object 31"/>
                       <p:cNvPicPr>
                         <a:picLocks noChangeAspect="1" noChangeArrowheads="1"/>
                       </p:cNvPicPr>
                       <p:nvPr/>
                     </p:nvPicPr>
                     <p:blipFill>
-                      <a:blip r:embed="rId6">
+                      <a:blip r:embed="rId5">
                         <a:extLst>
                           <a:ext uri="{28A0092B-C50C-407E-A947-70E740481C1C}">
                             <a14:useLocalDpi xmlns:a14="http://schemas.microsoft.com/office/drawing/2010/main" val="0"/>
@@ -12410,23 +14869,23 @@
             <a:graphicData uri="http://schemas.openxmlformats.org/presentationml/2006/ole">
               <mc:AlternateContent xmlns:mc="http://schemas.openxmlformats.org/markup-compatibility/2006">
                 <mc:Choice xmlns:v="urn:schemas-microsoft-com:vml" Requires="v">
-                  <p:oleObj spid="_x0000_s7197" name="Equation" r:id="rId7" imgW="203040" imgH="177480" progId="Equation.3">
+                  <p:oleObj name="Equation" r:id="rId6" imgW="203040" imgH="177480" progId="Equation.3">
                     <p:embed/>
                   </p:oleObj>
                 </mc:Choice>
                 <mc:Fallback>
-                  <p:oleObj name="Equation" r:id="rId7" imgW="203040" imgH="177480" progId="Equation.3">
+                  <p:oleObj name="Equation" r:id="rId6" imgW="203040" imgH="177480" progId="Equation.3">
                     <p:embed/>
                     <p:pic>
                       <p:nvPicPr>
-                        <p:cNvPr id="0" name="Object 34"/>
+                        <p:cNvPr id="14341" name="Object 34"/>
                         <p:cNvPicPr>
                           <a:picLocks noChangeAspect="1" noChangeArrowheads="1"/>
                         </p:cNvPicPr>
                         <p:nvPr/>
                       </p:nvPicPr>
                       <p:blipFill>
-                        <a:blip r:embed="rId8">
+                        <a:blip r:embed="rId7">
                           <a:extLst>
                             <a:ext uri="{28A0092B-C50C-407E-A947-70E740481C1C}">
                               <a14:useLocalDpi xmlns:a14="http://schemas.microsoft.com/office/drawing/2010/main" val="0"/>
@@ -12876,23 +15335,23 @@
               <a:graphicData uri="http://schemas.openxmlformats.org/presentationml/2006/ole">
                 <mc:AlternateContent xmlns:mc="http://schemas.openxmlformats.org/markup-compatibility/2006">
                   <mc:Choice xmlns:v="urn:schemas-microsoft-com:vml" Requires="v">
-                    <p:oleObj spid="_x0000_s7198" name="Equation" r:id="rId9" imgW="203040" imgH="177480" progId="Equation.3">
+                    <p:oleObj name="Equation" r:id="rId8" imgW="203040" imgH="177480" progId="Equation.3">
                       <p:embed/>
                     </p:oleObj>
                   </mc:Choice>
                   <mc:Fallback>
-                    <p:oleObj name="Equation" r:id="rId9" imgW="203040" imgH="177480" progId="Equation.3">
+                    <p:oleObj name="Equation" r:id="rId8" imgW="203040" imgH="177480" progId="Equation.3">
                       <p:embed/>
                       <p:pic>
                         <p:nvPicPr>
-                          <p:cNvPr id="0" name="Object 40"/>
+                          <p:cNvPr id="14342" name="Object 40"/>
                           <p:cNvPicPr>
                             <a:picLocks noChangeAspect="1" noChangeArrowheads="1"/>
                           </p:cNvPicPr>
                           <p:nvPr/>
                         </p:nvPicPr>
                         <p:blipFill>
-                          <a:blip r:embed="rId10">
+                          <a:blip r:embed="rId9">
                             <a:extLst>
                               <a:ext uri="{28A0092B-C50C-407E-A947-70E740481C1C}">
                                 <a14:useLocalDpi xmlns:a14="http://schemas.microsoft.com/office/drawing/2010/main" val="0"/>
@@ -13521,23 +15980,23 @@
           <a:graphicData uri="http://schemas.openxmlformats.org/presentationml/2006/ole">
             <mc:AlternateContent xmlns:mc="http://schemas.openxmlformats.org/markup-compatibility/2006">
               <mc:Choice xmlns:v="urn:schemas-microsoft-com:vml" Requires="v">
-                <p:oleObj spid="_x0000_s7199" name="Equation" r:id="rId11" imgW="482400" imgH="393480" progId="Equation.3">
+                <p:oleObj name="Equation" r:id="rId10" imgW="482400" imgH="393480" progId="Equation.3">
                   <p:embed/>
                 </p:oleObj>
               </mc:Choice>
               <mc:Fallback>
-                <p:oleObj name="Equation" r:id="rId11" imgW="482400" imgH="393480" progId="Equation.3">
+                <p:oleObj name="Equation" r:id="rId10" imgW="482400" imgH="393480" progId="Equation.3">
                   <p:embed/>
                   <p:pic>
                     <p:nvPicPr>
-                      <p:cNvPr id="0" name="Object 55"/>
+                      <p:cNvPr id="14340" name="Object 55"/>
                       <p:cNvPicPr>
                         <a:picLocks noChangeAspect="1" noChangeArrowheads="1"/>
                       </p:cNvPicPr>
                       <p:nvPr/>
                     </p:nvPicPr>
                     <p:blipFill>
-                      <a:blip r:embed="rId12">
+                      <a:blip r:embed="rId11">
                         <a:extLst>
                           <a:ext uri="{28A0092B-C50C-407E-A947-70E740481C1C}">
                             <a14:useLocalDpi xmlns:a14="http://schemas.microsoft.com/office/drawing/2010/main" val="0"/>
@@ -13580,17 +16039,10 @@
   <p:clrMapOvr>
     <a:masterClrMapping/>
   </p:clrMapOvr>
-  <p:timing>
-    <p:tnLst>
-      <p:par>
-        <p:cTn id="1" dur="indefinite" restart="never" nodeType="tmRoot"/>
-      </p:par>
-    </p:tnLst>
-  </p:timing>
 </p:sld>
 </file>
 
-<file path=ppt/slides/slide19.xml><?xml version="1.0" encoding="utf-8"?>
+<file path=ppt/slides/slide27.xml><?xml version="1.0" encoding="utf-8"?>
 <p:sld xmlns:a="http://schemas.openxmlformats.org/drawingml/2006/main" xmlns:r="http://schemas.openxmlformats.org/officeDocument/2006/relationships" xmlns:p="http://schemas.openxmlformats.org/presentationml/2006/main">
   <p:cSld>
     <p:spTree>
@@ -13625,7 +16077,7 @@
           <a:lstStyle/>
           <a:p>
             <a:r>
-              <a:rPr lang="en-US" smtClean="0"/>
+              <a:rPr lang="en-US"/>
               <a:t>Winter 2007</a:t>
             </a:r>
           </a:p>
@@ -13649,7 +16101,7 @@
           <a:lstStyle/>
           <a:p>
             <a:r>
-              <a:rPr lang="en-US" smtClean="0"/>
+              <a:rPr lang="en-US"/>
               <a:t>R. Todd Lines</a:t>
             </a:r>
           </a:p>
@@ -13675,9 +16127,9 @@
             <a:fld id="{EBEC6F0E-A2C5-4AC2-BD25-525A6BEF0D8E}" type="slidenum">
               <a:rPr lang="en-US" smtClean="0"/>
               <a:pPr/>
-              <a:t>19</a:t>
+              <a:t>27</a:t>
             </a:fld>
-            <a:endParaRPr lang="en-US" smtClean="0"/>
+            <a:endParaRPr lang="en-US"/>
           </a:p>
         </p:txBody>
       </p:sp>
@@ -13698,7 +16150,7 @@
           <a:p>
             <a:pPr eaLnBrk="1" hangingPunct="1"/>
             <a:r>
-              <a:rPr lang="en-US" smtClean="0"/>
+              <a:rPr lang="en-US"/>
               <a:t>Forces on a Segment of String</a:t>
             </a:r>
           </a:p>
@@ -13730,7 +16182,7 @@
               </a:lnSpc>
             </a:pPr>
             <a:r>
-              <a:rPr lang="en-US" sz="2000" smtClean="0"/>
+              <a:rPr lang="en-US" sz="2000"/>
               <a:t>Use Newton’ Second in Radial Direction</a:t>
             </a:r>
           </a:p>
@@ -13740,7 +16192,7 @@
                 <a:spcPct val="80000"/>
               </a:lnSpc>
             </a:pPr>
-            <a:endParaRPr lang="en-US" sz="2000" smtClean="0"/>
+            <a:endParaRPr lang="en-US" sz="2000"/>
           </a:p>
           <a:p>
             <a:pPr eaLnBrk="1" hangingPunct="1">
@@ -13748,7 +16200,7 @@
                 <a:spcPct val="80000"/>
               </a:lnSpc>
             </a:pPr>
-            <a:endParaRPr lang="en-US" sz="2000" smtClean="0"/>
+            <a:endParaRPr lang="en-US" sz="2000"/>
           </a:p>
           <a:p>
             <a:pPr eaLnBrk="1" hangingPunct="1">
@@ -13756,7 +16208,7 @@
                 <a:spcPct val="80000"/>
               </a:lnSpc>
             </a:pPr>
-            <a:endParaRPr lang="en-US" sz="2000" smtClean="0"/>
+            <a:endParaRPr lang="en-US" sz="2000"/>
           </a:p>
           <a:p>
             <a:pPr eaLnBrk="1" hangingPunct="1">
@@ -13764,7 +16216,7 @@
                 <a:spcPct val="80000"/>
               </a:lnSpc>
             </a:pPr>
-            <a:endParaRPr lang="en-US" sz="2000" smtClean="0"/>
+            <a:endParaRPr lang="en-US" sz="2000"/>
           </a:p>
         </p:txBody>
       </p:sp>
@@ -13886,23 +16338,23 @@
           <a:graphicData uri="http://schemas.openxmlformats.org/presentationml/2006/ole">
             <mc:AlternateContent xmlns:mc="http://schemas.openxmlformats.org/markup-compatibility/2006">
               <mc:Choice xmlns:v="urn:schemas-microsoft-com:vml" Requires="v">
-                <p:oleObj spid="_x0000_s8224" name="Equation" r:id="rId3" imgW="965160" imgH="419040" progId="Equation.3">
+                <p:oleObj name="Equation" r:id="rId2" imgW="965160" imgH="419040" progId="Equation.3">
                   <p:embed/>
                 </p:oleObj>
               </mc:Choice>
               <mc:Fallback>
-                <p:oleObj name="Equation" r:id="rId3" imgW="965160" imgH="419040" progId="Equation.3">
+                <p:oleObj name="Equation" r:id="rId2" imgW="965160" imgH="419040" progId="Equation.3">
                   <p:embed/>
                   <p:pic>
                     <p:nvPicPr>
-                      <p:cNvPr id="0" name="Object 8"/>
+                      <p:cNvPr id="15362" name="Object 8"/>
                       <p:cNvPicPr>
                         <a:picLocks noChangeAspect="1" noChangeArrowheads="1"/>
                       </p:cNvPicPr>
                       <p:nvPr/>
                     </p:nvPicPr>
                     <p:blipFill>
-                      <a:blip r:embed="rId4">
+                      <a:blip r:embed="rId3">
                         <a:extLst>
                           <a:ext uri="{28A0092B-C50C-407E-A947-70E740481C1C}">
                             <a14:useLocalDpi xmlns:a14="http://schemas.microsoft.com/office/drawing/2010/main" val="0"/>
@@ -14008,23 +16460,23 @@
             <a:graphicData uri="http://schemas.openxmlformats.org/presentationml/2006/ole">
               <mc:AlternateContent xmlns:mc="http://schemas.openxmlformats.org/markup-compatibility/2006">
                 <mc:Choice xmlns:v="urn:schemas-microsoft-com:vml" Requires="v">
-                  <p:oleObj spid="_x0000_s8225" name="Equation" r:id="rId5" imgW="203040" imgH="177480" progId="Equation.3">
+                  <p:oleObj name="Equation" r:id="rId4" imgW="203040" imgH="177480" progId="Equation.3">
                     <p:embed/>
                   </p:oleObj>
                 </mc:Choice>
                 <mc:Fallback>
-                  <p:oleObj name="Equation" r:id="rId5" imgW="203040" imgH="177480" progId="Equation.3">
+                  <p:oleObj name="Equation" r:id="rId4" imgW="203040" imgH="177480" progId="Equation.3">
                     <p:embed/>
                     <p:pic>
                       <p:nvPicPr>
-                        <p:cNvPr id="0" name="Object 11"/>
+                        <p:cNvPr id="15366" name="Object 11"/>
                         <p:cNvPicPr>
                           <a:picLocks noChangeAspect="1" noChangeArrowheads="1"/>
                         </p:cNvPicPr>
                         <p:nvPr/>
                       </p:nvPicPr>
                       <p:blipFill>
-                        <a:blip r:embed="rId6">
+                        <a:blip r:embed="rId5">
                           <a:extLst>
                             <a:ext uri="{28A0092B-C50C-407E-A947-70E740481C1C}">
                               <a14:useLocalDpi xmlns:a14="http://schemas.microsoft.com/office/drawing/2010/main" val="0"/>
@@ -14474,23 +16926,23 @@
               <a:graphicData uri="http://schemas.openxmlformats.org/presentationml/2006/ole">
                 <mc:AlternateContent xmlns:mc="http://schemas.openxmlformats.org/markup-compatibility/2006">
                   <mc:Choice xmlns:v="urn:schemas-microsoft-com:vml" Requires="v">
-                    <p:oleObj spid="_x0000_s8226" name="Equation" r:id="rId7" imgW="203040" imgH="177480" progId="Equation.3">
+                    <p:oleObj name="Equation" r:id="rId6" imgW="203040" imgH="177480" progId="Equation.3">
                       <p:embed/>
                     </p:oleObj>
                   </mc:Choice>
                   <mc:Fallback>
-                    <p:oleObj name="Equation" r:id="rId7" imgW="203040" imgH="177480" progId="Equation.3">
+                    <p:oleObj name="Equation" r:id="rId6" imgW="203040" imgH="177480" progId="Equation.3">
                       <p:embed/>
                       <p:pic>
                         <p:nvPicPr>
-                          <p:cNvPr id="0" name="Object 17"/>
+                          <p:cNvPr id="15367" name="Object 17"/>
                           <p:cNvPicPr>
                             <a:picLocks noChangeAspect="1" noChangeArrowheads="1"/>
                           </p:cNvPicPr>
                           <p:nvPr/>
                         </p:nvPicPr>
                         <p:blipFill>
-                          <a:blip r:embed="rId8">
+                          <a:blip r:embed="rId7">
                             <a:extLst>
                               <a:ext uri="{28A0092B-C50C-407E-A947-70E740481C1C}">
                                 <a14:useLocalDpi xmlns:a14="http://schemas.microsoft.com/office/drawing/2010/main" val="0"/>
@@ -15119,23 +17571,23 @@
           <a:graphicData uri="http://schemas.openxmlformats.org/presentationml/2006/ole">
             <mc:AlternateContent xmlns:mc="http://schemas.openxmlformats.org/markup-compatibility/2006">
               <mc:Choice xmlns:v="urn:schemas-microsoft-com:vml" Requires="v">
-                <p:oleObj spid="_x0000_s8227" name="Equation" r:id="rId9" imgW="723600" imgH="419040" progId="Equation.3">
+                <p:oleObj name="Equation" r:id="rId8" imgW="723600" imgH="419040" progId="Equation.3">
                   <p:embed/>
                 </p:oleObj>
               </mc:Choice>
               <mc:Fallback>
-                <p:oleObj name="Equation" r:id="rId9" imgW="723600" imgH="419040" progId="Equation.3">
+                <p:oleObj name="Equation" r:id="rId8" imgW="723600" imgH="419040" progId="Equation.3">
                   <p:embed/>
                   <p:pic>
                     <p:nvPicPr>
-                      <p:cNvPr id="0" name="Object 33"/>
+                      <p:cNvPr id="15363" name="Object 33"/>
                       <p:cNvPicPr>
                         <a:picLocks noChangeAspect="1" noChangeArrowheads="1"/>
                       </p:cNvPicPr>
                       <p:nvPr/>
                     </p:nvPicPr>
                     <p:blipFill>
-                      <a:blip r:embed="rId10">
+                      <a:blip r:embed="rId9">
                         <a:extLst>
                           <a:ext uri="{28A0092B-C50C-407E-A947-70E740481C1C}">
                             <a14:useLocalDpi xmlns:a14="http://schemas.microsoft.com/office/drawing/2010/main" val="0"/>
@@ -15189,23 +17641,23 @@
           <a:graphicData uri="http://schemas.openxmlformats.org/presentationml/2006/ole">
             <mc:AlternateContent xmlns:mc="http://schemas.openxmlformats.org/markup-compatibility/2006">
               <mc:Choice xmlns:v="urn:schemas-microsoft-com:vml" Requires="v">
-                <p:oleObj spid="_x0000_s8228" name="Equation" r:id="rId11" imgW="952200" imgH="419040" progId="Equation.3">
+                <p:oleObj name="Equation" r:id="rId10" imgW="952200" imgH="419040" progId="Equation.3">
                   <p:embed/>
                 </p:oleObj>
               </mc:Choice>
               <mc:Fallback>
-                <p:oleObj name="Equation" r:id="rId11" imgW="952200" imgH="419040" progId="Equation.3">
+                <p:oleObj name="Equation" r:id="rId10" imgW="952200" imgH="419040" progId="Equation.3">
                   <p:embed/>
                   <p:pic>
                     <p:nvPicPr>
-                      <p:cNvPr id="0" name="Object 34"/>
+                      <p:cNvPr id="15364" name="Object 34"/>
                       <p:cNvPicPr>
                         <a:picLocks noChangeAspect="1" noChangeArrowheads="1"/>
                       </p:cNvPicPr>
                       <p:nvPr/>
                     </p:nvPicPr>
                     <p:blipFill>
-                      <a:blip r:embed="rId12">
+                      <a:blip r:embed="rId11">
                         <a:extLst>
                           <a:ext uri="{28A0092B-C50C-407E-A947-70E740481C1C}">
                             <a14:useLocalDpi xmlns:a14="http://schemas.microsoft.com/office/drawing/2010/main" val="0"/>
@@ -15429,23 +17881,23 @@
           <a:graphicData uri="http://schemas.openxmlformats.org/presentationml/2006/ole">
             <mc:AlternateContent xmlns:mc="http://schemas.openxmlformats.org/markup-compatibility/2006">
               <mc:Choice xmlns:v="urn:schemas-microsoft-com:vml" Requires="v">
-                <p:oleObj spid="_x0000_s8229" name="Equation" r:id="rId13" imgW="507960" imgH="469800" progId="Equation.3">
+                <p:oleObj name="Equation" r:id="rId12" imgW="507960" imgH="469800" progId="Equation.3">
                   <p:embed/>
                 </p:oleObj>
               </mc:Choice>
               <mc:Fallback>
-                <p:oleObj name="Equation" r:id="rId13" imgW="507960" imgH="469800" progId="Equation.3">
+                <p:oleObj name="Equation" r:id="rId12" imgW="507960" imgH="469800" progId="Equation.3">
                   <p:embed/>
                   <p:pic>
                     <p:nvPicPr>
-                      <p:cNvPr id="0" name="Object 40"/>
+                      <p:cNvPr id="15365" name="Object 40"/>
                       <p:cNvPicPr>
                         <a:picLocks noChangeAspect="1" noChangeArrowheads="1"/>
                       </p:cNvPicPr>
                       <p:nvPr/>
                     </p:nvPicPr>
                     <p:blipFill>
-                      <a:blip r:embed="rId14">
+                      <a:blip r:embed="rId13">
                         <a:extLst>
                           <a:ext uri="{28A0092B-C50C-407E-A947-70E740481C1C}">
                             <a14:useLocalDpi xmlns:a14="http://schemas.microsoft.com/office/drawing/2010/main" val="0"/>
@@ -15488,17 +17940,10 @@
   <p:clrMapOvr>
     <a:masterClrMapping/>
   </p:clrMapOvr>
-  <p:timing>
-    <p:tnLst>
-      <p:par>
-        <p:cTn id="1" dur="indefinite" restart="never" nodeType="tmRoot"/>
-      </p:par>
-    </p:tnLst>
-  </p:timing>
 </p:sld>
 </file>
 
-<file path=ppt/slides/slide2.xml><?xml version="1.0" encoding="utf-8"?>
+<file path=ppt/slides/slide28.xml><?xml version="1.0" encoding="utf-8"?>
 <p:sld xmlns:a="http://schemas.openxmlformats.org/drawingml/2006/main" xmlns:r="http://schemas.openxmlformats.org/officeDocument/2006/relationships" xmlns:p="http://schemas.openxmlformats.org/presentationml/2006/main">
   <p:cSld>
     <p:spTree>
@@ -15517,232 +17962,6 @@
       </p:grpSpPr>
       <p:sp>
         <p:nvSpPr>
-          <p:cNvPr id="50178" name="Date Placeholder 4"/>
-          <p:cNvSpPr>
-            <a:spLocks noGrp="1"/>
-          </p:cNvSpPr>
-          <p:nvPr>
-            <p:ph type="dt" sz="quarter" idx="10"/>
-          </p:nvPr>
-        </p:nvSpPr>
-        <p:spPr>
-          <a:noFill/>
-        </p:spPr>
-        <p:txBody>
-          <a:bodyPr/>
-          <a:lstStyle/>
-          <a:p>
-            <a:r>
-              <a:rPr lang="en-US" smtClean="0"/>
-              <a:t>Winter 2007</a:t>
-            </a:r>
-          </a:p>
-        </p:txBody>
-      </p:sp>
-      <p:sp>
-        <p:nvSpPr>
-          <p:cNvPr id="50179" name="Footer Placeholder 5"/>
-          <p:cNvSpPr>
-            <a:spLocks noGrp="1"/>
-          </p:cNvSpPr>
-          <p:nvPr>
-            <p:ph type="ftr" sz="quarter" idx="11"/>
-          </p:nvPr>
-        </p:nvSpPr>
-        <p:spPr>
-          <a:noFill/>
-        </p:spPr>
-        <p:txBody>
-          <a:bodyPr/>
-          <a:lstStyle/>
-          <a:p>
-            <a:r>
-              <a:rPr lang="en-US" smtClean="0"/>
-              <a:t>R. Todd Lines</a:t>
-            </a:r>
-          </a:p>
-        </p:txBody>
-      </p:sp>
-      <p:sp>
-        <p:nvSpPr>
-          <p:cNvPr id="50180" name="Slide Number Placeholder 6"/>
-          <p:cNvSpPr>
-            <a:spLocks noGrp="1"/>
-          </p:cNvSpPr>
-          <p:nvPr>
-            <p:ph type="sldNum" sz="quarter" idx="12"/>
-          </p:nvPr>
-        </p:nvSpPr>
-        <p:spPr>
-          <a:noFill/>
-        </p:spPr>
-        <p:txBody>
-          <a:bodyPr/>
-          <a:lstStyle/>
-          <a:p>
-            <a:fld id="{BDCED46C-3496-4F4D-B6B4-CABD5763A9F2}" type="slidenum">
-              <a:rPr lang="en-US" smtClean="0"/>
-              <a:pPr/>
-              <a:t>2</a:t>
-            </a:fld>
-            <a:endParaRPr lang="en-US" smtClean="0"/>
-          </a:p>
-        </p:txBody>
-      </p:sp>
-      <p:sp>
-        <p:nvSpPr>
-          <p:cNvPr id="50181" name="Rectangle 2"/>
-          <p:cNvSpPr>
-            <a:spLocks noGrp="1" noChangeArrowheads="1"/>
-          </p:cNvSpPr>
-          <p:nvPr>
-            <p:ph type="title"/>
-          </p:nvPr>
-        </p:nvSpPr>
-        <p:spPr/>
-        <p:txBody>
-          <a:bodyPr/>
-          <a:lstStyle/>
-          <a:p>
-            <a:pPr eaLnBrk="1" hangingPunct="1"/>
-            <a:r>
-              <a:rPr lang="en-US" smtClean="0"/>
-              <a:t>Amplitude and Wavelength</a:t>
-            </a:r>
-          </a:p>
-        </p:txBody>
-      </p:sp>
-      <p:sp>
-        <p:nvSpPr>
-          <p:cNvPr id="50182" name="Rectangle 3"/>
-          <p:cNvSpPr>
-            <a:spLocks noGrp="1" noChangeArrowheads="1"/>
-          </p:cNvSpPr>
-          <p:nvPr>
-            <p:ph type="body" sz="half" idx="1"/>
-          </p:nvPr>
-        </p:nvSpPr>
-        <p:spPr>
-          <a:xfrm>
-            <a:off x="457200" y="1600200"/>
-            <a:ext cx="4879975" cy="4525963"/>
-          </a:xfrm>
-        </p:spPr>
-        <p:txBody>
-          <a:bodyPr/>
-          <a:lstStyle/>
-          <a:p>
-            <a:pPr eaLnBrk="1" hangingPunct="1"/>
-            <a:r>
-              <a:rPr lang="en-US" sz="2400" smtClean="0"/>
-              <a:t>The </a:t>
-            </a:r>
-            <a:r>
-              <a:rPr lang="en-US" sz="2400" b="1" smtClean="0"/>
-              <a:t>crest</a:t>
-            </a:r>
-            <a:r>
-              <a:rPr lang="en-US" sz="2400" smtClean="0"/>
-              <a:t> of the wave is the location of the maximum displacement of the element from its normal position</a:t>
-            </a:r>
-          </a:p>
-          <a:p>
-            <a:pPr lvl="1" eaLnBrk="1" hangingPunct="1"/>
-            <a:r>
-              <a:rPr lang="en-US" sz="2000" smtClean="0"/>
-              <a:t>This distance is called the </a:t>
-            </a:r>
-            <a:r>
-              <a:rPr lang="en-US" sz="2000" b="1" smtClean="0"/>
-              <a:t>amplitude</a:t>
-            </a:r>
-            <a:r>
-              <a:rPr lang="en-US" sz="2000" smtClean="0"/>
-              <a:t>, </a:t>
-            </a:r>
-            <a:r>
-              <a:rPr lang="en-US" sz="2000" i="1" smtClean="0"/>
-              <a:t>A</a:t>
-            </a:r>
-          </a:p>
-          <a:p>
-            <a:pPr lvl="1" eaLnBrk="1" hangingPunct="1"/>
-            <a:r>
-              <a:rPr lang="en-US" sz="2000" smtClean="0"/>
-              <a:t>The point at the negative amplitude is called the </a:t>
-            </a:r>
-            <a:r>
-              <a:rPr lang="en-US" sz="2000" b="1" smtClean="0"/>
-              <a:t>trough</a:t>
-            </a:r>
-            <a:endParaRPr lang="en-US" sz="2000" smtClean="0"/>
-          </a:p>
-          <a:p>
-            <a:pPr eaLnBrk="1" hangingPunct="1"/>
-            <a:r>
-              <a:rPr lang="en-US" sz="2400" smtClean="0"/>
-              <a:t>The </a:t>
-            </a:r>
-            <a:r>
-              <a:rPr lang="en-US" sz="2400" b="1" smtClean="0"/>
-              <a:t>wavelength</a:t>
-            </a:r>
-            <a:r>
-              <a:rPr lang="en-US" sz="2400" smtClean="0"/>
-              <a:t>, </a:t>
-            </a:r>
-            <a:r>
-              <a:rPr lang="en-US" sz="2400" i="1" smtClean="0">
-                <a:latin typeface="Symbol" pitchFamily="18" charset="2"/>
-              </a:rPr>
-              <a:t>l</a:t>
-            </a:r>
-            <a:r>
-              <a:rPr lang="en-US" sz="2400" smtClean="0"/>
-              <a:t>, is the distance from one crest to the next</a:t>
-            </a:r>
-          </a:p>
-        </p:txBody>
-      </p:sp>
-      <p:sp>
-        <p:nvSpPr>
-          <p:cNvPr id="9" name="ClipArt Placeholder 8"/>
-          <p:cNvSpPr>
-            <a:spLocks noGrp="1"/>
-          </p:cNvSpPr>
-          <p:nvPr>
-            <p:ph type="clipArt" sz="half" idx="2"/>
-          </p:nvPr>
-        </p:nvSpPr>
-        <p:spPr/>
-      </p:sp>
-    </p:spTree>
-  </p:cSld>
-  <p:clrMapOvr>
-    <a:masterClrMapping/>
-  </p:clrMapOvr>
-</p:sld>
-</file>
-
-<file path=ppt/slides/slide20.xml><?xml version="1.0" encoding="utf-8"?>
-<p:sld xmlns:a="http://schemas.openxmlformats.org/drawingml/2006/main" xmlns:r="http://schemas.openxmlformats.org/officeDocument/2006/relationships" xmlns:p="http://schemas.openxmlformats.org/presentationml/2006/main">
-  <p:cSld>
-    <p:spTree>
-      <p:nvGrpSpPr>
-        <p:cNvPr id="1" name=""/>
-        <p:cNvGrpSpPr/>
-        <p:nvPr/>
-      </p:nvGrpSpPr>
-      <p:grpSpPr>
-        <a:xfrm>
-          <a:off x="0" y="0"/>
-          <a:ext cx="0" cy="0"/>
-          <a:chOff x="0" y="0"/>
-          <a:chExt cx="0" cy="0"/>
-        </a:xfrm>
-      </p:grpSpPr>
-      <p:sp>
-        <p:nvSpPr>
           <p:cNvPr id="2" name="Title 1"/>
           <p:cNvSpPr>
             <a:spLocks noGrp="1"/>
@@ -15783,10 +18002,9 @@
           <a:lstStyle/>
           <a:p>
             <a:r>
-              <a:rPr lang="en-US" sz="2000" dirty="0" smtClean="0"/>
+              <a:rPr lang="en-US" sz="2000" dirty="0"/>
               <a:t>Water Drop and wave From Julian Evil: Attribution-Share Alike 2.0 Generic</a:t>
             </a:r>
-            <a:endParaRPr lang="en-US" sz="2000" dirty="0"/>
           </a:p>
         </p:txBody>
       </p:sp>
@@ -15830,7 +18048,7 @@
 </p:sld>
 </file>
 
-<file path=ppt/slides/slide21.xml><?xml version="1.0" encoding="utf-8"?>
+<file path=ppt/slides/slide29.xml><?xml version="1.0" encoding="utf-8"?>
 <p:sld xmlns:a="http://schemas.openxmlformats.org/drawingml/2006/main" xmlns:r="http://schemas.openxmlformats.org/officeDocument/2006/relationships" xmlns:p="http://schemas.openxmlformats.org/presentationml/2006/main">
   <p:cSld>
     <p:spTree>
@@ -15962,7 +18180,190 @@
 </p:sld>
 </file>
 
-<file path=ppt/slides/slide22.xml><?xml version="1.0" encoding="utf-8"?>
+<file path=ppt/slides/slide3.xml><?xml version="1.0" encoding="utf-8"?>
+<p:sld xmlns:a="http://schemas.openxmlformats.org/drawingml/2006/main" xmlns:r="http://schemas.openxmlformats.org/officeDocument/2006/relationships" xmlns:p="http://schemas.openxmlformats.org/presentationml/2006/main">
+  <p:cSld>
+    <p:spTree>
+      <p:nvGrpSpPr>
+        <p:cNvPr id="1" name=""/>
+        <p:cNvGrpSpPr/>
+        <p:nvPr/>
+      </p:nvGrpSpPr>
+      <p:grpSpPr>
+        <a:xfrm>
+          <a:off x="0" y="0"/>
+          <a:ext cx="0" cy="0"/>
+          <a:chOff x="0" y="0"/>
+          <a:chExt cx="0" cy="0"/>
+        </a:xfrm>
+      </p:grpSpPr>
+      <p:sp>
+        <p:nvSpPr>
+          <p:cNvPr id="45059" name="Rectangle 2"/>
+          <p:cNvSpPr>
+            <a:spLocks noGrp="1" noChangeArrowheads="1"/>
+          </p:cNvSpPr>
+          <p:nvPr>
+            <p:ph type="title"/>
+          </p:nvPr>
+        </p:nvSpPr>
+        <p:spPr/>
+        <p:txBody>
+          <a:bodyPr/>
+          <a:lstStyle/>
+          <a:p>
+            <a:r>
+              <a:rPr lang="en-US" dirty="0"/>
+              <a:t>Question 223.3.2</a:t>
+            </a:r>
+          </a:p>
+        </p:txBody>
+      </p:sp>
+      <p:sp>
+        <p:nvSpPr>
+          <p:cNvPr id="433155" name="Rectangle 3"/>
+          <p:cNvSpPr>
+            <a:spLocks noGrp="1" noChangeArrowheads="1"/>
+          </p:cNvSpPr>
+          <p:nvPr>
+            <p:ph idx="1"/>
+          </p:nvPr>
+        </p:nvSpPr>
+        <p:spPr>
+          <a:xfrm>
+            <a:off x="457199" y="1600200"/>
+            <a:ext cx="7973367" cy="4525963"/>
+          </a:xfrm>
+        </p:spPr>
+        <p:txBody>
+          <a:bodyPr>
+            <a:normAutofit/>
+          </a:bodyPr>
+          <a:lstStyle/>
+          <a:p>
+            <a:pPr eaLnBrk="1" hangingPunct="1">
+              <a:lnSpc>
+                <a:spcPct val="130000"/>
+              </a:lnSpc>
+              <a:spcBef>
+                <a:spcPct val="50000"/>
+              </a:spcBef>
+              <a:buFontTx/>
+              <a:buNone/>
+              <a:defRPr/>
+            </a:pPr>
+            <a:r>
+              <a:rPr lang="en-US" sz="2800" dirty="0"/>
+              <a:t>Does a longitudinal wave, have an amplitude ?</a:t>
+            </a:r>
+          </a:p>
+          <a:p>
+            <a:pPr lvl="1">
+              <a:lnSpc>
+                <a:spcPct val="140000"/>
+              </a:lnSpc>
+              <a:buNone/>
+              <a:defRPr/>
+            </a:pPr>
+            <a:r>
+              <a:rPr lang="en-US" sz="2400" dirty="0">
+                <a:solidFill>
+                  <a:schemeClr val="tx2"/>
+                </a:solidFill>
+              </a:rPr>
+              <a:t>a)  yes</a:t>
+            </a:r>
+          </a:p>
+          <a:p>
+            <a:pPr lvl="1">
+              <a:lnSpc>
+                <a:spcPct val="140000"/>
+              </a:lnSpc>
+              <a:buNone/>
+              <a:defRPr/>
+            </a:pPr>
+            <a:r>
+              <a:rPr lang="en-US" sz="2400" dirty="0">
+                <a:solidFill>
+                  <a:schemeClr val="tx2"/>
+                </a:solidFill>
+              </a:rPr>
+              <a:t>b)  no</a:t>
+            </a:r>
+          </a:p>
+          <a:p>
+            <a:pPr lvl="1">
+              <a:lnSpc>
+                <a:spcPct val="130000"/>
+              </a:lnSpc>
+              <a:buNone/>
+              <a:defRPr/>
+            </a:pPr>
+            <a:r>
+              <a:rPr lang="en-US" sz="2400" dirty="0">
+                <a:solidFill>
+                  <a:schemeClr val="tx2"/>
+                </a:solidFill>
+              </a:rPr>
+              <a:t>c)  it depends on the medium the wave is in</a:t>
+            </a:r>
+            <a:endParaRPr lang="en-US" sz="2400" dirty="0">
+              <a:solidFill>
+                <a:schemeClr val="tx2"/>
+              </a:solidFill>
+              <a:effectLst>
+                <a:outerShdw blurRad="38100" dist="38100" dir="2700000" algn="tl">
+                  <a:srgbClr val="C0C0C0"/>
+                </a:outerShdw>
+              </a:effectLst>
+            </a:endParaRPr>
+          </a:p>
+          <a:p>
+            <a:pPr eaLnBrk="1" hangingPunct="1">
+              <a:lnSpc>
+                <a:spcPct val="80000"/>
+              </a:lnSpc>
+              <a:defRPr/>
+            </a:pPr>
+            <a:endParaRPr lang="en-US" sz="2800" dirty="0"/>
+          </a:p>
+        </p:txBody>
+      </p:sp>
+      <p:sp>
+        <p:nvSpPr>
+          <p:cNvPr id="45058" name="Slide Number Placeholder 5"/>
+          <p:cNvSpPr>
+            <a:spLocks noGrp="1"/>
+          </p:cNvSpPr>
+          <p:nvPr>
+            <p:ph type="sldNum" sz="quarter" idx="12"/>
+          </p:nvPr>
+        </p:nvSpPr>
+        <p:spPr>
+          <a:noFill/>
+        </p:spPr>
+        <p:txBody>
+          <a:bodyPr/>
+          <a:lstStyle/>
+          <a:p>
+            <a:fld id="{6590F4AF-F7D9-43D4-9D0C-E33F993FEEBD}" type="slidenum">
+              <a:rPr lang="en-US" smtClean="0"/>
+              <a:pPr/>
+              <a:t>3</a:t>
+            </a:fld>
+            <a:endParaRPr lang="en-US"/>
+          </a:p>
+        </p:txBody>
+      </p:sp>
+    </p:spTree>
+  </p:cSld>
+  <p:clrMapOvr>
+    <a:masterClrMapping/>
+  </p:clrMapOvr>
+</p:sld>
+</file>
+
+<file path=ppt/slides/slide30.xml><?xml version="1.0" encoding="utf-8"?>
 <p:sld xmlns:a="http://schemas.openxmlformats.org/drawingml/2006/main" xmlns:r="http://schemas.openxmlformats.org/officeDocument/2006/relationships" xmlns:p="http://schemas.openxmlformats.org/presentationml/2006/main">
   <p:cSld>
     <p:spTree>
@@ -16054,10 +18455,9 @@
           <a:lstStyle/>
           <a:p>
             <a:r>
-              <a:rPr lang="en-US" dirty="0" smtClean="0"/>
+              <a:rPr lang="en-US" dirty="0"/>
               <a:t>Portion of a Spherical Wave: Wave becomes more flat as it expands</a:t>
             </a:r>
-            <a:endParaRPr lang="en-US" dirty="0"/>
           </a:p>
         </p:txBody>
       </p:sp>
@@ -16201,7 +18601,7 @@
 </p:sld>
 </file>
 
-<file path=ppt/slides/slide3.xml><?xml version="1.0" encoding="utf-8"?>
+<file path=ppt/slides/slide4.xml><?xml version="1.0" encoding="utf-8"?>
 <p:sld xmlns:a="http://schemas.openxmlformats.org/drawingml/2006/main" xmlns:r="http://schemas.openxmlformats.org/officeDocument/2006/relationships" xmlns:p="http://schemas.openxmlformats.org/presentationml/2006/main">
   <p:cSld>
     <p:spTree>
@@ -16220,7 +18620,150 @@
       </p:grpSpPr>
       <p:sp>
         <p:nvSpPr>
-          <p:cNvPr id="51202" name="Date Placeholder 3"/>
+          <p:cNvPr id="2" name="Title 1"/>
+          <p:cNvSpPr>
+            <a:spLocks noGrp="1"/>
+          </p:cNvSpPr>
+          <p:nvPr>
+            <p:ph type="title"/>
+          </p:nvPr>
+        </p:nvSpPr>
+        <p:spPr/>
+        <p:txBody>
+          <a:bodyPr/>
+          <a:lstStyle/>
+          <a:p>
+            <a:r>
+              <a:rPr lang="en-US" dirty="0"/>
+              <a:t>Question 223.3.2.5</a:t>
+            </a:r>
+          </a:p>
+        </p:txBody>
+      </p:sp>
+      <p:sp>
+        <p:nvSpPr>
+          <p:cNvPr id="3" name="Content Placeholder 2"/>
+          <p:cNvSpPr>
+            <a:spLocks noGrp="1"/>
+          </p:cNvSpPr>
+          <p:nvPr>
+            <p:ph idx="1"/>
+          </p:nvPr>
+        </p:nvSpPr>
+        <p:spPr/>
+        <p:txBody>
+          <a:bodyPr/>
+          <a:lstStyle/>
+          <a:p>
+            <a:pPr marL="0" indent="0">
+              <a:buNone/>
+            </a:pPr>
+            <a:r>
+              <a:rPr lang="en-US" dirty="0"/>
+              <a:t>What do we mean when we say “amplitude” for a sound wave?</a:t>
+            </a:r>
+          </a:p>
+          <a:p>
+            <a:pPr marL="514350" indent="-514350">
+              <a:buFont typeface="+mj-lt"/>
+              <a:buAutoNum type="alphaLcParenR"/>
+            </a:pPr>
+            <a:r>
+              <a:rPr lang="en-US" dirty="0"/>
+              <a:t>The maximum displacement from equilibrium of the molecule perpendicular to the wave direction.</a:t>
+            </a:r>
+          </a:p>
+          <a:p>
+            <a:pPr marL="514350" indent="-514350">
+              <a:buFont typeface="+mj-lt"/>
+              <a:buAutoNum type="alphaLcParenR"/>
+            </a:pPr>
+            <a:r>
+              <a:rPr lang="en-US" dirty="0"/>
+              <a:t>The maximum displacement of one air molecule from it’s equilibrium point</a:t>
+            </a:r>
+          </a:p>
+          <a:p>
+            <a:pPr marL="514350" indent="-514350">
+              <a:buFont typeface="+mj-lt"/>
+              <a:buAutoNum type="alphaLcParenR"/>
+            </a:pPr>
+            <a:r>
+              <a:rPr lang="en-US" dirty="0"/>
+              <a:t>The maximum distance an air particle travels</a:t>
+            </a:r>
+          </a:p>
+          <a:p>
+            <a:pPr marL="514350" indent="-514350">
+              <a:buFont typeface="+mj-lt"/>
+              <a:buAutoNum type="alphaLcParenR"/>
+            </a:pPr>
+            <a:endParaRPr lang="en-US" dirty="0"/>
+          </a:p>
+        </p:txBody>
+      </p:sp>
+      <p:sp>
+        <p:nvSpPr>
+          <p:cNvPr id="4" name="Slide Number Placeholder 3"/>
+          <p:cNvSpPr>
+            <a:spLocks noGrp="1"/>
+          </p:cNvSpPr>
+          <p:nvPr>
+            <p:ph type="sldNum" sz="quarter" idx="12"/>
+          </p:nvPr>
+        </p:nvSpPr>
+        <p:spPr/>
+        <p:txBody>
+          <a:bodyPr/>
+          <a:lstStyle/>
+          <a:p>
+            <a:pPr>
+              <a:defRPr/>
+            </a:pPr>
+            <a:fld id="{64137B81-8888-4253-92EC-0AED2A590749}" type="slidenum">
+              <a:rPr lang="en-US" smtClean="0"/>
+              <a:pPr>
+                <a:defRPr/>
+              </a:pPr>
+              <a:t>4</a:t>
+            </a:fld>
+            <a:endParaRPr lang="en-US"/>
+          </a:p>
+        </p:txBody>
+      </p:sp>
+    </p:spTree>
+    <p:extLst>
+      <p:ext uri="{BB962C8B-B14F-4D97-AF65-F5344CB8AC3E}">
+        <p14:creationId xmlns:p14="http://schemas.microsoft.com/office/powerpoint/2010/main" val="1858017139"/>
+      </p:ext>
+    </p:extLst>
+  </p:cSld>
+  <p:clrMapOvr>
+    <a:masterClrMapping/>
+  </p:clrMapOvr>
+</p:sld>
+</file>
+
+<file path=ppt/slides/slide5.xml><?xml version="1.0" encoding="utf-8"?>
+<p:sld xmlns:a="http://schemas.openxmlformats.org/drawingml/2006/main" xmlns:r="http://schemas.openxmlformats.org/officeDocument/2006/relationships" xmlns:p="http://schemas.openxmlformats.org/presentationml/2006/main">
+  <p:cSld>
+    <p:spTree>
+      <p:nvGrpSpPr>
+        <p:cNvPr id="1" name=""/>
+        <p:cNvGrpSpPr/>
+        <p:nvPr/>
+      </p:nvGrpSpPr>
+      <p:grpSpPr>
+        <a:xfrm>
+          <a:off x="0" y="0"/>
+          <a:ext cx="0" cy="0"/>
+          <a:chOff x="0" y="0"/>
+          <a:chExt cx="0" cy="0"/>
+        </a:xfrm>
+      </p:grpSpPr>
+      <p:sp>
+        <p:nvSpPr>
+          <p:cNvPr id="50178" name="Date Placeholder 4"/>
           <p:cNvSpPr>
             <a:spLocks noGrp="1"/>
           </p:cNvSpPr>
@@ -16236,7 +18779,7 @@
           <a:lstStyle/>
           <a:p>
             <a:r>
-              <a:rPr lang="en-US" smtClean="0"/>
+              <a:rPr lang="en-US"/>
               <a:t>Winter 2007</a:t>
             </a:r>
           </a:p>
@@ -16244,7 +18787,7 @@
       </p:sp>
       <p:sp>
         <p:nvSpPr>
-          <p:cNvPr id="51203" name="Footer Placeholder 4"/>
+          <p:cNvPr id="50179" name="Footer Placeholder 5"/>
           <p:cNvSpPr>
             <a:spLocks noGrp="1"/>
           </p:cNvSpPr>
@@ -16260,7 +18803,7 @@
           <a:lstStyle/>
           <a:p>
             <a:r>
-              <a:rPr lang="en-US" smtClean="0"/>
+              <a:rPr lang="en-US"/>
               <a:t>R. Todd Lines</a:t>
             </a:r>
           </a:p>
@@ -16268,7 +18811,7 @@
       </p:sp>
       <p:sp>
         <p:nvSpPr>
-          <p:cNvPr id="51204" name="Slide Number Placeholder 5"/>
+          <p:cNvPr id="50180" name="Slide Number Placeholder 6"/>
           <p:cNvSpPr>
             <a:spLocks noGrp="1"/>
           </p:cNvSpPr>
@@ -16283,18 +18826,18 @@
           <a:bodyPr/>
           <a:lstStyle/>
           <a:p>
-            <a:fld id="{0CE0B612-0B94-463A-9AD6-D3899DCBBD70}" type="slidenum">
+            <a:fld id="{BDCED46C-3496-4F4D-B6B4-CABD5763A9F2}" type="slidenum">
               <a:rPr lang="en-US" smtClean="0"/>
               <a:pPr/>
-              <a:t>3</a:t>
+              <a:t>5</a:t>
             </a:fld>
-            <a:endParaRPr lang="en-US" smtClean="0"/>
-          </a:p>
-        </p:txBody>
-      </p:sp>
-      <p:sp>
-        <p:nvSpPr>
-          <p:cNvPr id="51205" name="Rectangle 2"/>
+            <a:endParaRPr lang="en-US"/>
+          </a:p>
+        </p:txBody>
+      </p:sp>
+      <p:sp>
+        <p:nvSpPr>
+          <p:cNvPr id="50181" name="Rectangle 2"/>
           <p:cNvSpPr>
             <a:spLocks noGrp="1" noChangeArrowheads="1"/>
           </p:cNvSpPr>
@@ -16309,85 +18852,100 @@
           <a:p>
             <a:pPr eaLnBrk="1" hangingPunct="1"/>
             <a:r>
-              <a:rPr lang="en-US" smtClean="0"/>
-              <a:t>Wavelength and Period</a:t>
-            </a:r>
-          </a:p>
-        </p:txBody>
-      </p:sp>
-      <p:sp>
-        <p:nvSpPr>
-          <p:cNvPr id="51206" name="Rectangle 3"/>
+              <a:rPr lang="en-US"/>
+              <a:t>Amplitude and Wavelength</a:t>
+            </a:r>
+          </a:p>
+        </p:txBody>
+      </p:sp>
+      <p:sp>
+        <p:nvSpPr>
+          <p:cNvPr id="50182" name="Rectangle 3"/>
           <p:cNvSpPr>
             <a:spLocks noGrp="1" noChangeArrowheads="1"/>
           </p:cNvSpPr>
           <p:nvPr>
-            <p:ph type="body" idx="1"/>
+            <p:ph type="body" sz="half" idx="1"/>
           </p:nvPr>
         </p:nvSpPr>
-        <p:spPr/>
+        <p:spPr>
+          <a:xfrm>
+            <a:off x="457200" y="1600200"/>
+            <a:ext cx="6477000" cy="4525963"/>
+          </a:xfrm>
+        </p:spPr>
         <p:txBody>
           <a:bodyPr/>
           <a:lstStyle/>
           <a:p>
-            <a:pPr eaLnBrk="1" hangingPunct="1">
-              <a:lnSpc>
-                <a:spcPct val="90000"/>
-              </a:lnSpc>
-            </a:pPr>
-            <a:r>
-              <a:rPr lang="en-US" smtClean="0"/>
-              <a:t>More generally, the </a:t>
-            </a:r>
-            <a:r>
-              <a:rPr lang="en-US" b="1" smtClean="0"/>
+            <a:pPr eaLnBrk="1" hangingPunct="1"/>
+            <a:r>
+              <a:rPr lang="en-US" sz="2400" dirty="0"/>
+              <a:t>The </a:t>
+            </a:r>
+            <a:r>
+              <a:rPr lang="en-US" sz="2400" b="1" dirty="0"/>
+              <a:t>crest</a:t>
+            </a:r>
+            <a:r>
+              <a:rPr lang="en-US" sz="2400" dirty="0"/>
+              <a:t> of the wave is the location of the maximum displacement of the element from its normal position</a:t>
+            </a:r>
+          </a:p>
+          <a:p>
+            <a:pPr lvl="1" eaLnBrk="1" hangingPunct="1"/>
+            <a:r>
+              <a:rPr lang="en-US" sz="2000" dirty="0"/>
+              <a:t>This distance is called the </a:t>
+            </a:r>
+            <a:r>
+              <a:rPr lang="en-US" sz="2000" b="1" dirty="0"/>
+              <a:t>amplitude</a:t>
+            </a:r>
+            <a:r>
+              <a:rPr lang="en-US" sz="2000" dirty="0"/>
+              <a:t>, </a:t>
+            </a:r>
+            <a:r>
+              <a:rPr lang="en-US" sz="2000" i="1" dirty="0"/>
+              <a:t>A</a:t>
+            </a:r>
+          </a:p>
+          <a:p>
+            <a:pPr lvl="1" eaLnBrk="1" hangingPunct="1"/>
+            <a:r>
+              <a:rPr lang="en-US" sz="2000" dirty="0"/>
+              <a:t>The point at the negative amplitude is called the </a:t>
+            </a:r>
+            <a:r>
+              <a:rPr lang="en-US" sz="2000" b="1" dirty="0"/>
+              <a:t>trough</a:t>
+            </a:r>
+            <a:endParaRPr lang="en-US" sz="2000" dirty="0"/>
+          </a:p>
+          <a:p>
+            <a:pPr eaLnBrk="1" hangingPunct="1"/>
+            <a:r>
+              <a:rPr lang="en-US" sz="2400" dirty="0"/>
+              <a:t>The </a:t>
+            </a:r>
+            <a:r>
+              <a:rPr lang="en-US" sz="2400" b="1" dirty="0"/>
               <a:t>wavelength</a:t>
             </a:r>
             <a:r>
-              <a:rPr lang="en-US" smtClean="0"/>
-              <a:t> is the minimum distance between any two identical points on adjacent waves</a:t>
-            </a:r>
-          </a:p>
-          <a:p>
-            <a:pPr eaLnBrk="1" hangingPunct="1">
-              <a:lnSpc>
-                <a:spcPct val="90000"/>
-              </a:lnSpc>
-            </a:pPr>
-            <a:r>
-              <a:rPr lang="en-US" smtClean="0"/>
-              <a:t>The </a:t>
-            </a:r>
-            <a:r>
-              <a:rPr lang="en-US" b="1" smtClean="0"/>
-              <a:t>period</a:t>
-            </a:r>
-            <a:r>
-              <a:rPr lang="en-US" i="1" smtClean="0"/>
-              <a:t>,</a:t>
-            </a:r>
-            <a:r>
-              <a:rPr lang="en-US" b="1" i="1" smtClean="0"/>
-              <a:t> </a:t>
-            </a:r>
-            <a:r>
-              <a:rPr lang="en-US" i="1" smtClean="0"/>
-              <a:t>T ,</a:t>
-            </a:r>
-            <a:r>
-              <a:rPr lang="en-US" smtClean="0"/>
-              <a:t> is the time interval required for two identical points of adjacent waves to pass by a point</a:t>
-            </a:r>
-          </a:p>
-          <a:p>
-            <a:pPr lvl="1" eaLnBrk="1" hangingPunct="1">
-              <a:lnSpc>
-                <a:spcPct val="90000"/>
-              </a:lnSpc>
-            </a:pPr>
-            <a:r>
-              <a:rPr lang="en-US" smtClean="0"/>
-              <a:t>The period of the wave is the same as the period of the simple harmonic oscillation of one element of the medium</a:t>
+              <a:rPr lang="en-US" sz="2400" dirty="0"/>
+              <a:t>, </a:t>
+            </a:r>
+            <a:r>
+              <a:rPr lang="en-US" sz="2400" i="1" dirty="0">
+                <a:latin typeface="Symbol" pitchFamily="18" charset="2"/>
+              </a:rPr>
+              <a:t>l</a:t>
+            </a:r>
+            <a:r>
+              <a:rPr lang="en-US" sz="2400" dirty="0"/>
+              <a:t>, is the distance from one crest to the next</a:t>
             </a:r>
           </a:p>
         </p:txBody>
@@ -16400,7 +18958,206 @@
 </p:sld>
 </file>
 
-<file path=ppt/slides/slide4.xml><?xml version="1.0" encoding="utf-8"?>
+<file path=ppt/slides/slide6.xml><?xml version="1.0" encoding="utf-8"?>
+<p:sld xmlns:a="http://schemas.openxmlformats.org/drawingml/2006/main" xmlns:r="http://schemas.openxmlformats.org/officeDocument/2006/relationships" xmlns:p="http://schemas.openxmlformats.org/presentationml/2006/main">
+  <p:cSld>
+    <p:spTree>
+      <p:nvGrpSpPr>
+        <p:cNvPr id="1" name=""/>
+        <p:cNvGrpSpPr/>
+        <p:nvPr/>
+      </p:nvGrpSpPr>
+      <p:grpSpPr>
+        <a:xfrm>
+          <a:off x="0" y="0"/>
+          <a:ext cx="0" cy="0"/>
+          <a:chOff x="0" y="0"/>
+          <a:chExt cx="0" cy="0"/>
+        </a:xfrm>
+      </p:grpSpPr>
+      <p:sp>
+        <p:nvSpPr>
+          <p:cNvPr id="51202" name="Date Placeholder 3"/>
+          <p:cNvSpPr>
+            <a:spLocks noGrp="1"/>
+          </p:cNvSpPr>
+          <p:nvPr>
+            <p:ph type="dt" sz="quarter" idx="10"/>
+          </p:nvPr>
+        </p:nvSpPr>
+        <p:spPr>
+          <a:noFill/>
+        </p:spPr>
+        <p:txBody>
+          <a:bodyPr/>
+          <a:lstStyle/>
+          <a:p>
+            <a:r>
+              <a:rPr lang="en-US"/>
+              <a:t>Winter 2007</a:t>
+            </a:r>
+          </a:p>
+        </p:txBody>
+      </p:sp>
+      <p:sp>
+        <p:nvSpPr>
+          <p:cNvPr id="51203" name="Footer Placeholder 4"/>
+          <p:cNvSpPr>
+            <a:spLocks noGrp="1"/>
+          </p:cNvSpPr>
+          <p:nvPr>
+            <p:ph type="ftr" sz="quarter" idx="11"/>
+          </p:nvPr>
+        </p:nvSpPr>
+        <p:spPr>
+          <a:noFill/>
+        </p:spPr>
+        <p:txBody>
+          <a:bodyPr/>
+          <a:lstStyle/>
+          <a:p>
+            <a:r>
+              <a:rPr lang="en-US"/>
+              <a:t>R. Todd Lines</a:t>
+            </a:r>
+          </a:p>
+        </p:txBody>
+      </p:sp>
+      <p:sp>
+        <p:nvSpPr>
+          <p:cNvPr id="51204" name="Slide Number Placeholder 5"/>
+          <p:cNvSpPr>
+            <a:spLocks noGrp="1"/>
+          </p:cNvSpPr>
+          <p:nvPr>
+            <p:ph type="sldNum" sz="quarter" idx="12"/>
+          </p:nvPr>
+        </p:nvSpPr>
+        <p:spPr>
+          <a:noFill/>
+        </p:spPr>
+        <p:txBody>
+          <a:bodyPr/>
+          <a:lstStyle/>
+          <a:p>
+            <a:fld id="{0CE0B612-0B94-463A-9AD6-D3899DCBBD70}" type="slidenum">
+              <a:rPr lang="en-US" smtClean="0"/>
+              <a:pPr/>
+              <a:t>6</a:t>
+            </a:fld>
+            <a:endParaRPr lang="en-US"/>
+          </a:p>
+        </p:txBody>
+      </p:sp>
+      <p:sp>
+        <p:nvSpPr>
+          <p:cNvPr id="51205" name="Rectangle 2"/>
+          <p:cNvSpPr>
+            <a:spLocks noGrp="1" noChangeArrowheads="1"/>
+          </p:cNvSpPr>
+          <p:nvPr>
+            <p:ph type="title"/>
+          </p:nvPr>
+        </p:nvSpPr>
+        <p:spPr/>
+        <p:txBody>
+          <a:bodyPr/>
+          <a:lstStyle/>
+          <a:p>
+            <a:pPr eaLnBrk="1" hangingPunct="1"/>
+            <a:r>
+              <a:rPr lang="en-US"/>
+              <a:t>Wavelength and Period</a:t>
+            </a:r>
+          </a:p>
+        </p:txBody>
+      </p:sp>
+      <p:sp>
+        <p:nvSpPr>
+          <p:cNvPr id="51206" name="Rectangle 3"/>
+          <p:cNvSpPr>
+            <a:spLocks noGrp="1" noChangeArrowheads="1"/>
+          </p:cNvSpPr>
+          <p:nvPr>
+            <p:ph type="body" idx="1"/>
+          </p:nvPr>
+        </p:nvSpPr>
+        <p:spPr/>
+        <p:txBody>
+          <a:bodyPr/>
+          <a:lstStyle/>
+          <a:p>
+            <a:pPr eaLnBrk="1" hangingPunct="1">
+              <a:lnSpc>
+                <a:spcPct val="90000"/>
+              </a:lnSpc>
+            </a:pPr>
+            <a:r>
+              <a:rPr lang="en-US"/>
+              <a:t>More generally, the </a:t>
+            </a:r>
+            <a:r>
+              <a:rPr lang="en-US" b="1"/>
+              <a:t>wavelength</a:t>
+            </a:r>
+            <a:r>
+              <a:rPr lang="en-US"/>
+              <a:t> is the minimum distance between any two identical points on adjacent waves</a:t>
+            </a:r>
+          </a:p>
+          <a:p>
+            <a:pPr eaLnBrk="1" hangingPunct="1">
+              <a:lnSpc>
+                <a:spcPct val="90000"/>
+              </a:lnSpc>
+            </a:pPr>
+            <a:r>
+              <a:rPr lang="en-US"/>
+              <a:t>The </a:t>
+            </a:r>
+            <a:r>
+              <a:rPr lang="en-US" b="1"/>
+              <a:t>period</a:t>
+            </a:r>
+            <a:r>
+              <a:rPr lang="en-US" i="1"/>
+              <a:t>,</a:t>
+            </a:r>
+            <a:r>
+              <a:rPr lang="en-US" b="1" i="1"/>
+              <a:t> </a:t>
+            </a:r>
+            <a:r>
+              <a:rPr lang="en-US" i="1"/>
+              <a:t>T ,</a:t>
+            </a:r>
+            <a:r>
+              <a:rPr lang="en-US"/>
+              <a:t> is the time interval required for two identical points of adjacent waves to pass by a point</a:t>
+            </a:r>
+          </a:p>
+          <a:p>
+            <a:pPr lvl="1" eaLnBrk="1" hangingPunct="1">
+              <a:lnSpc>
+                <a:spcPct val="90000"/>
+              </a:lnSpc>
+            </a:pPr>
+            <a:r>
+              <a:rPr lang="en-US"/>
+              <a:t>The period of the wave is the same as the period of the simple harmonic oscillation of one element of the medium</a:t>
+            </a:r>
+          </a:p>
+        </p:txBody>
+      </p:sp>
+    </p:spTree>
+  </p:cSld>
+  <p:clrMapOvr>
+    <a:masterClrMapping/>
+  </p:clrMapOvr>
+</p:sld>
+</file>
+
+<file path=ppt/slides/slide7.xml><?xml version="1.0" encoding="utf-8"?>
 <p:sld xmlns:a="http://schemas.openxmlformats.org/drawingml/2006/main" xmlns:r="http://schemas.openxmlformats.org/officeDocument/2006/relationships" xmlns:p="http://schemas.openxmlformats.org/presentationml/2006/main">
   <p:cSld>
     <p:spTree>
@@ -16458,7 +19215,7 @@
 </p:sld>
 </file>
 
-<file path=ppt/slides/slide5.xml><?xml version="1.0" encoding="utf-8"?>
+<file path=ppt/slides/slide8.xml><?xml version="1.0" encoding="utf-8"?>
 <p:sld xmlns:a="http://schemas.openxmlformats.org/drawingml/2006/main" xmlns:r="http://schemas.openxmlformats.org/officeDocument/2006/relationships" xmlns:p="http://schemas.openxmlformats.org/presentationml/2006/main">
   <p:cSld>
     <p:spTree>
@@ -16493,7 +19250,7 @@
           <a:lstStyle/>
           <a:p>
             <a:r>
-              <a:rPr lang="en-US" smtClean="0"/>
+              <a:rPr lang="en-US"/>
               <a:t>Winter 2007</a:t>
             </a:r>
           </a:p>
@@ -16517,7 +19274,7 @@
           <a:lstStyle/>
           <a:p>
             <a:r>
-              <a:rPr lang="en-US" smtClean="0"/>
+              <a:rPr lang="en-US"/>
               <a:t>R. Todd Lines</a:t>
             </a:r>
           </a:p>
@@ -16543,9 +19300,9 @@
             <a:fld id="{7756F50B-7866-470A-8715-38CA1645C162}" type="slidenum">
               <a:rPr lang="en-US" smtClean="0"/>
               <a:pPr/>
-              <a:t>5</a:t>
+              <a:t>8</a:t>
             </a:fld>
-            <a:endParaRPr lang="en-US" smtClean="0"/>
+            <a:endParaRPr lang="en-US"/>
           </a:p>
         </p:txBody>
       </p:sp>
@@ -16566,7 +19323,7 @@
           <a:p>
             <a:pPr eaLnBrk="1" hangingPunct="1"/>
             <a:r>
-              <a:rPr lang="en-US" smtClean="0"/>
+              <a:rPr lang="en-US"/>
               <a:t>Frequency</a:t>
             </a:r>
           </a:p>
@@ -16598,15 +19355,15 @@
               </a:lnSpc>
             </a:pPr>
             <a:r>
-              <a:rPr lang="en-US" sz="2800" smtClean="0"/>
+              <a:rPr lang="en-US" sz="2800"/>
               <a:t>The </a:t>
             </a:r>
             <a:r>
-              <a:rPr lang="en-US" sz="2800" b="1" smtClean="0"/>
+              <a:rPr lang="en-US" sz="2800" b="1"/>
               <a:t>frequency</a:t>
             </a:r>
             <a:r>
-              <a:rPr lang="en-US" sz="2800" smtClean="0"/>
+              <a:rPr lang="en-US" sz="2800"/>
               <a:t>, ƒ, is the number of crests (or any point on the wave) that pass a given point in a unit time interval</a:t>
             </a:r>
           </a:p>
@@ -16617,7 +19374,7 @@
               </a:lnSpc>
             </a:pPr>
             <a:r>
-              <a:rPr lang="en-US" sz="2400" smtClean="0"/>
+              <a:rPr lang="en-US" sz="2400"/>
               <a:t>The time interval is most commonly the second</a:t>
             </a:r>
           </a:p>
@@ -16628,7 +19385,7 @@
               </a:lnSpc>
             </a:pPr>
             <a:r>
-              <a:rPr lang="en-US" sz="2400" smtClean="0"/>
+              <a:rPr lang="en-US" sz="2400"/>
               <a:t>The frequency of the wave is the same as the frequency of the simple harmonic motion of one element of the medium</a:t>
             </a:r>
           </a:p>
@@ -16674,1448 +19431,6 @@
 </p:sld>
 </file>
 
-<file path=ppt/slides/slide6.xml><?xml version="1.0" encoding="utf-8"?>
-<p:sld xmlns:a="http://schemas.openxmlformats.org/drawingml/2006/main" xmlns:r="http://schemas.openxmlformats.org/officeDocument/2006/relationships" xmlns:p="http://schemas.openxmlformats.org/presentationml/2006/main">
-  <p:cSld>
-    <p:spTree>
-      <p:nvGrpSpPr>
-        <p:cNvPr id="1" name=""/>
-        <p:cNvGrpSpPr/>
-        <p:nvPr/>
-      </p:nvGrpSpPr>
-      <p:grpSpPr>
-        <a:xfrm>
-          <a:off x="0" y="0"/>
-          <a:ext cx="0" cy="0"/>
-          <a:chOff x="0" y="0"/>
-          <a:chExt cx="0" cy="0"/>
-        </a:xfrm>
-      </p:grpSpPr>
-      <p:sp>
-        <p:nvSpPr>
-          <p:cNvPr id="53250" name="Date Placeholder 3"/>
-          <p:cNvSpPr>
-            <a:spLocks noGrp="1"/>
-          </p:cNvSpPr>
-          <p:nvPr>
-            <p:ph type="dt" sz="quarter" idx="10"/>
-          </p:nvPr>
-        </p:nvSpPr>
-        <p:spPr>
-          <a:noFill/>
-        </p:spPr>
-        <p:txBody>
-          <a:bodyPr/>
-          <a:lstStyle/>
-          <a:p>
-            <a:r>
-              <a:rPr lang="en-US" smtClean="0"/>
-              <a:t>Winter 2007</a:t>
-            </a:r>
-          </a:p>
-        </p:txBody>
-      </p:sp>
-      <p:sp>
-        <p:nvSpPr>
-          <p:cNvPr id="53251" name="Footer Placeholder 4"/>
-          <p:cNvSpPr>
-            <a:spLocks noGrp="1"/>
-          </p:cNvSpPr>
-          <p:nvPr>
-            <p:ph type="ftr" sz="quarter" idx="11"/>
-          </p:nvPr>
-        </p:nvSpPr>
-        <p:spPr>
-          <a:noFill/>
-        </p:spPr>
-        <p:txBody>
-          <a:bodyPr/>
-          <a:lstStyle/>
-          <a:p>
-            <a:r>
-              <a:rPr lang="en-US" smtClean="0"/>
-              <a:t>R. Todd Lines</a:t>
-            </a:r>
-          </a:p>
-        </p:txBody>
-      </p:sp>
-      <p:sp>
-        <p:nvSpPr>
-          <p:cNvPr id="53252" name="Slide Number Placeholder 5"/>
-          <p:cNvSpPr>
-            <a:spLocks noGrp="1"/>
-          </p:cNvSpPr>
-          <p:nvPr>
-            <p:ph type="sldNum" sz="quarter" idx="12"/>
-          </p:nvPr>
-        </p:nvSpPr>
-        <p:spPr>
-          <a:noFill/>
-        </p:spPr>
-        <p:txBody>
-          <a:bodyPr/>
-          <a:lstStyle/>
-          <a:p>
-            <a:fld id="{003D31FD-9B7F-4D94-878A-4AD12AC2E9A2}" type="slidenum">
-              <a:rPr lang="en-US" smtClean="0"/>
-              <a:pPr/>
-              <a:t>6</a:t>
-            </a:fld>
-            <a:endParaRPr lang="en-US" smtClean="0"/>
-          </a:p>
-        </p:txBody>
-      </p:sp>
-      <p:sp>
-        <p:nvSpPr>
-          <p:cNvPr id="53253" name="Rectangle 2"/>
-          <p:cNvSpPr>
-            <a:spLocks noGrp="1" noChangeArrowheads="1"/>
-          </p:cNvSpPr>
-          <p:nvPr>
-            <p:ph type="title"/>
-          </p:nvPr>
-        </p:nvSpPr>
-        <p:spPr/>
-        <p:txBody>
-          <a:bodyPr/>
-          <a:lstStyle/>
-          <a:p>
-            <a:pPr eaLnBrk="1" hangingPunct="1"/>
-            <a:r>
-              <a:rPr lang="en-US" smtClean="0"/>
-              <a:t>Frequency, cont</a:t>
-            </a:r>
-          </a:p>
-        </p:txBody>
-      </p:sp>
-      <p:sp>
-        <p:nvSpPr>
-          <p:cNvPr id="53254" name="Rectangle 3"/>
-          <p:cNvSpPr>
-            <a:spLocks noGrp="1" noChangeArrowheads="1"/>
-          </p:cNvSpPr>
-          <p:nvPr>
-            <p:ph type="body" idx="1"/>
-          </p:nvPr>
-        </p:nvSpPr>
-        <p:spPr/>
-        <p:txBody>
-          <a:bodyPr/>
-          <a:lstStyle/>
-          <a:p>
-            <a:pPr eaLnBrk="1" hangingPunct="1"/>
-            <a:r>
-              <a:rPr lang="en-US" smtClean="0"/>
-              <a:t>The frequency and the period are related</a:t>
-            </a:r>
-          </a:p>
-          <a:p>
-            <a:pPr eaLnBrk="1" hangingPunct="1"/>
-            <a:endParaRPr lang="en-US" smtClean="0"/>
-          </a:p>
-          <a:p>
-            <a:pPr eaLnBrk="1" hangingPunct="1"/>
-            <a:endParaRPr lang="en-US" smtClean="0"/>
-          </a:p>
-          <a:p>
-            <a:pPr eaLnBrk="1" hangingPunct="1"/>
-            <a:r>
-              <a:rPr lang="en-US" smtClean="0"/>
-              <a:t>When the time interval is the second, the units of frequency are s</a:t>
-            </a:r>
-            <a:r>
-              <a:rPr lang="en-US" baseline="30000" smtClean="0"/>
-              <a:t>-1</a:t>
-            </a:r>
-            <a:r>
-              <a:rPr lang="en-US" smtClean="0"/>
-              <a:t> = Hz</a:t>
-            </a:r>
-          </a:p>
-          <a:p>
-            <a:pPr lvl="1" eaLnBrk="1" hangingPunct="1"/>
-            <a:r>
-              <a:rPr lang="en-US" smtClean="0"/>
-              <a:t>Hz is a hertz</a:t>
-            </a:r>
-          </a:p>
-        </p:txBody>
-      </p:sp>
-      <p:pic>
-        <p:nvPicPr>
-          <p:cNvPr id="53255" name="Picture 4"/>
-          <p:cNvPicPr>
-            <a:picLocks noChangeAspect="1" noChangeArrowheads="1"/>
-          </p:cNvPicPr>
-          <p:nvPr/>
-        </p:nvPicPr>
-        <p:blipFill>
-          <a:blip r:embed="rId2" cstate="print"/>
-          <a:srcRect/>
-          <a:stretch>
-            <a:fillRect/>
-          </a:stretch>
-        </p:blipFill>
-        <p:spPr bwMode="auto">
-          <a:xfrm>
-            <a:off x="4351338" y="2206625"/>
-            <a:ext cx="1176337" cy="1049338"/>
-          </a:xfrm>
-          <a:prstGeom prst="rect">
-            <a:avLst/>
-          </a:prstGeom>
-          <a:noFill/>
-          <a:ln w="9525">
-            <a:noFill/>
-            <a:miter lim="800000"/>
-            <a:headEnd/>
-            <a:tailEnd/>
-          </a:ln>
-        </p:spPr>
-      </p:pic>
-    </p:spTree>
-  </p:cSld>
-  <p:clrMapOvr>
-    <a:masterClrMapping/>
-  </p:clrMapOvr>
-</p:sld>
-</file>
-
-<file path=ppt/slides/slide7.xml><?xml version="1.0" encoding="utf-8"?>
-<p:sld xmlns:a="http://schemas.openxmlformats.org/drawingml/2006/main" xmlns:r="http://schemas.openxmlformats.org/officeDocument/2006/relationships" xmlns:p="http://schemas.openxmlformats.org/presentationml/2006/main">
-  <p:cSld>
-    <p:spTree>
-      <p:nvGrpSpPr>
-        <p:cNvPr id="1" name=""/>
-        <p:cNvGrpSpPr/>
-        <p:nvPr/>
-      </p:nvGrpSpPr>
-      <p:grpSpPr>
-        <a:xfrm>
-          <a:off x="0" y="0"/>
-          <a:ext cx="0" cy="0"/>
-          <a:chOff x="0" y="0"/>
-          <a:chExt cx="0" cy="0"/>
-        </a:xfrm>
-      </p:grpSpPr>
-      <p:sp>
-        <p:nvSpPr>
-          <p:cNvPr id="8196" name="Date Placeholder 3"/>
-          <p:cNvSpPr>
-            <a:spLocks noGrp="1"/>
-          </p:cNvSpPr>
-          <p:nvPr>
-            <p:ph type="dt" sz="quarter" idx="10"/>
-          </p:nvPr>
-        </p:nvSpPr>
-        <p:spPr>
-          <a:noFill/>
-        </p:spPr>
-        <p:txBody>
-          <a:bodyPr/>
-          <a:lstStyle/>
-          <a:p>
-            <a:r>
-              <a:rPr lang="en-US" smtClean="0"/>
-              <a:t>Winter 2007</a:t>
-            </a:r>
-          </a:p>
-        </p:txBody>
-      </p:sp>
-      <p:sp>
-        <p:nvSpPr>
-          <p:cNvPr id="8197" name="Footer Placeholder 4"/>
-          <p:cNvSpPr>
-            <a:spLocks noGrp="1"/>
-          </p:cNvSpPr>
-          <p:nvPr>
-            <p:ph type="ftr" sz="quarter" idx="11"/>
-          </p:nvPr>
-        </p:nvSpPr>
-        <p:spPr>
-          <a:noFill/>
-        </p:spPr>
-        <p:txBody>
-          <a:bodyPr/>
-          <a:lstStyle/>
-          <a:p>
-            <a:r>
-              <a:rPr lang="en-US" smtClean="0"/>
-              <a:t>R. Todd Lines</a:t>
-            </a:r>
-          </a:p>
-        </p:txBody>
-      </p:sp>
-      <p:sp>
-        <p:nvSpPr>
-          <p:cNvPr id="8198" name="Slide Number Placeholder 5"/>
-          <p:cNvSpPr>
-            <a:spLocks noGrp="1"/>
-          </p:cNvSpPr>
-          <p:nvPr>
-            <p:ph type="sldNum" sz="quarter" idx="12"/>
-          </p:nvPr>
-        </p:nvSpPr>
-        <p:spPr>
-          <a:noFill/>
-        </p:spPr>
-        <p:txBody>
-          <a:bodyPr/>
-          <a:lstStyle/>
-          <a:p>
-            <a:fld id="{99C4FF6E-0BC5-4353-B174-029A48221FCC}" type="slidenum">
-              <a:rPr lang="en-US" smtClean="0"/>
-              <a:pPr/>
-              <a:t>7</a:t>
-            </a:fld>
-            <a:endParaRPr lang="en-US" smtClean="0"/>
-          </a:p>
-        </p:txBody>
-      </p:sp>
-      <p:sp>
-        <p:nvSpPr>
-          <p:cNvPr id="8199" name="Rectangle 2"/>
-          <p:cNvSpPr>
-            <a:spLocks noGrp="1" noChangeArrowheads="1"/>
-          </p:cNvSpPr>
-          <p:nvPr>
-            <p:ph type="title"/>
-          </p:nvPr>
-        </p:nvSpPr>
-        <p:spPr/>
-        <p:txBody>
-          <a:bodyPr/>
-          <a:lstStyle/>
-          <a:p>
-            <a:pPr eaLnBrk="1" hangingPunct="1"/>
-            <a:r>
-              <a:rPr lang="en-US" smtClean="0"/>
-              <a:t>Wavenumber</a:t>
-            </a:r>
-          </a:p>
-        </p:txBody>
-      </p:sp>
-      <p:sp>
-        <p:nvSpPr>
-          <p:cNvPr id="8200" name="Rectangle 3"/>
-          <p:cNvSpPr>
-            <a:spLocks noGrp="1" noChangeArrowheads="1"/>
-          </p:cNvSpPr>
-          <p:nvPr>
-            <p:ph type="body" idx="1"/>
-          </p:nvPr>
-        </p:nvSpPr>
-        <p:spPr>
-          <a:xfrm>
-            <a:off x="457200" y="1600200"/>
-            <a:ext cx="5051425" cy="4525963"/>
-          </a:xfrm>
-        </p:spPr>
-        <p:txBody>
-          <a:bodyPr/>
-          <a:lstStyle/>
-          <a:p>
-            <a:pPr eaLnBrk="1" hangingPunct="1"/>
-            <a:r>
-              <a:rPr lang="en-US" sz="2400" smtClean="0"/>
-              <a:t>consider again a sinusoidal wave</a:t>
-            </a:r>
-          </a:p>
-          <a:p>
-            <a:pPr eaLnBrk="1" hangingPunct="1"/>
-            <a:endParaRPr lang="en-US" sz="2400" smtClean="0"/>
-          </a:p>
-          <a:p>
-            <a:pPr eaLnBrk="1" hangingPunct="1"/>
-            <a:endParaRPr lang="en-US" sz="2400" smtClean="0"/>
-          </a:p>
-          <a:p>
-            <a:pPr eaLnBrk="1" hangingPunct="1"/>
-            <a:r>
-              <a:rPr lang="en-US" sz="2400" smtClean="0"/>
-              <a:t> A is the amplitude (x</a:t>
-            </a:r>
-            <a:r>
-              <a:rPr lang="en-US" sz="2400" baseline="-25000" smtClean="0"/>
-              <a:t>max</a:t>
-            </a:r>
-            <a:r>
-              <a:rPr lang="en-US" sz="2400" smtClean="0"/>
-              <a:t>). </a:t>
-            </a:r>
-          </a:p>
-          <a:p>
-            <a:pPr eaLnBrk="1" hangingPunct="1"/>
-            <a:r>
-              <a:rPr lang="en-US" sz="2400" smtClean="0"/>
-              <a:t>We need to find a (like for SHM we found </a:t>
-            </a:r>
-            <a:r>
-              <a:rPr lang="en-US" sz="2400" smtClean="0">
-                <a:sym typeface="Symbol" pitchFamily="18" charset="2"/>
-              </a:rPr>
-              <a:t></a:t>
-            </a:r>
-            <a:r>
-              <a:rPr lang="en-US" sz="2400" smtClean="0"/>
-              <a:t>). </a:t>
-            </a:r>
-          </a:p>
-          <a:p>
-            <a:pPr eaLnBrk="1" hangingPunct="1"/>
-            <a:r>
-              <a:rPr lang="en-US" sz="2400" smtClean="0"/>
-              <a:t>Use initial conditions</a:t>
-            </a:r>
-          </a:p>
-          <a:p>
-            <a:pPr eaLnBrk="1" hangingPunct="1"/>
-            <a:endParaRPr lang="en-US" sz="2400" smtClean="0"/>
-          </a:p>
-        </p:txBody>
-      </p:sp>
-      <p:pic>
-        <p:nvPicPr>
-          <p:cNvPr id="8201" name="Picture 4"/>
-          <p:cNvPicPr>
-            <a:picLocks noChangeAspect="1" noChangeArrowheads="1"/>
-          </p:cNvPicPr>
-          <p:nvPr/>
-        </p:nvPicPr>
-        <p:blipFill>
-          <a:blip r:embed="rId3" cstate="print"/>
-          <a:srcRect/>
-          <a:stretch>
-            <a:fillRect/>
-          </a:stretch>
-        </p:blipFill>
-        <p:spPr bwMode="auto">
-          <a:xfrm>
-            <a:off x="5719763" y="2598738"/>
-            <a:ext cx="2987675" cy="1978025"/>
-          </a:xfrm>
-          <a:prstGeom prst="rect">
-            <a:avLst/>
-          </a:prstGeom>
-          <a:noFill/>
-          <a:ln w="9525">
-            <a:noFill/>
-            <a:miter lim="800000"/>
-            <a:headEnd/>
-            <a:tailEnd/>
-          </a:ln>
-        </p:spPr>
-      </p:pic>
-      <p:sp>
-        <p:nvSpPr>
-          <p:cNvPr id="8202" name="Rectangle 6"/>
-          <p:cNvSpPr>
-            <a:spLocks noChangeArrowheads="1"/>
-          </p:cNvSpPr>
-          <p:nvPr/>
-        </p:nvSpPr>
-        <p:spPr bwMode="auto">
-          <a:xfrm>
-            <a:off x="0" y="3300413"/>
-            <a:ext cx="9144000" cy="0"/>
-          </a:xfrm>
-          <a:prstGeom prst="rect">
-            <a:avLst/>
-          </a:prstGeom>
-          <a:noFill/>
-          <a:ln w="9525" algn="ctr">
-            <a:noFill/>
-            <a:miter lim="800000"/>
-            <a:headEnd/>
-            <a:tailEnd/>
-          </a:ln>
-        </p:spPr>
-        <p:txBody>
-          <a:bodyPr wrap="none" anchor="ctr">
-            <a:spAutoFit/>
-          </a:bodyPr>
-          <a:lstStyle/>
-          <a:p>
-            <a:endParaRPr lang="en-US"/>
-          </a:p>
-        </p:txBody>
-      </p:sp>
-      <p:graphicFrame>
-        <p:nvGraphicFramePr>
-          <p:cNvPr id="8194" name="Object 5"/>
-          <p:cNvGraphicFramePr>
-            <a:graphicFrameLocks noChangeAspect="1"/>
-          </p:cNvGraphicFramePr>
-          <p:nvPr/>
-        </p:nvGraphicFramePr>
-        <p:xfrm>
-          <a:off x="1330325" y="2208213"/>
-          <a:ext cx="2841625" cy="541337"/>
-        </p:xfrm>
-        <a:graphic>
-          <a:graphicData uri="http://schemas.openxmlformats.org/presentationml/2006/ole">
-            <mc:AlternateContent xmlns:mc="http://schemas.openxmlformats.org/markup-compatibility/2006">
-              <mc:Choice xmlns:v="urn:schemas-microsoft-com:vml" Requires="v">
-                <p:oleObj spid="_x0000_s1036" name="Equation" r:id="rId4" imgW="1130040" imgH="215640" progId="Equation.3">
-                  <p:embed/>
-                </p:oleObj>
-              </mc:Choice>
-              <mc:Fallback>
-                <p:oleObj name="Equation" r:id="rId4" imgW="1130040" imgH="215640" progId="Equation.3">
-                  <p:embed/>
-                  <p:pic>
-                    <p:nvPicPr>
-                      <p:cNvPr id="0" name="Object 5"/>
-                      <p:cNvPicPr>
-                        <a:picLocks noChangeAspect="1" noChangeArrowheads="1"/>
-                      </p:cNvPicPr>
-                      <p:nvPr/>
-                    </p:nvPicPr>
-                    <p:blipFill>
-                      <a:blip r:embed="rId5">
-                        <a:extLst>
-                          <a:ext uri="{28A0092B-C50C-407E-A947-70E740481C1C}">
-                            <a14:useLocalDpi xmlns:a14="http://schemas.microsoft.com/office/drawing/2010/main" val="0"/>
-                          </a:ext>
-                        </a:extLst>
-                      </a:blip>
-                      <a:srcRect/>
-                      <a:stretch>
-                        <a:fillRect/>
-                      </a:stretch>
-                    </p:blipFill>
-                    <p:spPr bwMode="auto">
-                      <a:xfrm>
-                        <a:off x="1330325" y="2208213"/>
-                        <a:ext cx="2841625" cy="541337"/>
-                      </a:xfrm>
-                      <a:prstGeom prst="rect">
-                        <a:avLst/>
-                      </a:prstGeom>
-                      <a:noFill/>
-                      <a:extLst>
-                        <a:ext uri="{909E8E84-426E-40DD-AFC4-6F175D3DCCD1}">
-                          <a14:hiddenFill xmlns:a14="http://schemas.microsoft.com/office/drawing/2010/main">
-                            <a:solidFill>
-                              <a:srgbClr val="FFFFFF"/>
-                            </a:solidFill>
-                          </a14:hiddenFill>
-                        </a:ext>
-                      </a:extLst>
-                    </p:spPr>
-                  </p:pic>
-                </p:oleObj>
-              </mc:Fallback>
-            </mc:AlternateContent>
-          </a:graphicData>
-        </a:graphic>
-      </p:graphicFrame>
-      <p:sp>
-        <p:nvSpPr>
-          <p:cNvPr id="8203" name="Rectangle 8"/>
-          <p:cNvSpPr>
-            <a:spLocks noChangeArrowheads="1"/>
-          </p:cNvSpPr>
-          <p:nvPr/>
-        </p:nvSpPr>
-        <p:spPr bwMode="auto">
-          <a:xfrm>
-            <a:off x="0" y="3300413"/>
-            <a:ext cx="9144000" cy="0"/>
-          </a:xfrm>
-          <a:prstGeom prst="rect">
-            <a:avLst/>
-          </a:prstGeom>
-          <a:noFill/>
-          <a:ln w="9525" algn="ctr">
-            <a:noFill/>
-            <a:miter lim="800000"/>
-            <a:headEnd/>
-            <a:tailEnd/>
-          </a:ln>
-        </p:spPr>
-        <p:txBody>
-          <a:bodyPr wrap="none" anchor="ctr">
-            <a:spAutoFit/>
-          </a:bodyPr>
-          <a:lstStyle/>
-          <a:p>
-            <a:endParaRPr lang="en-US"/>
-          </a:p>
-        </p:txBody>
-      </p:sp>
-      <p:graphicFrame>
-        <p:nvGraphicFramePr>
-          <p:cNvPr id="8195" name="Object 7"/>
-          <p:cNvGraphicFramePr>
-            <a:graphicFrameLocks noChangeAspect="1"/>
-          </p:cNvGraphicFramePr>
-          <p:nvPr/>
-        </p:nvGraphicFramePr>
-        <p:xfrm>
-          <a:off x="1501775" y="4672013"/>
-          <a:ext cx="2635250" cy="392112"/>
-        </p:xfrm>
-        <a:graphic>
-          <a:graphicData uri="http://schemas.openxmlformats.org/presentationml/2006/ole">
-            <mc:AlternateContent xmlns:mc="http://schemas.openxmlformats.org/markup-compatibility/2006">
-              <mc:Choice xmlns:v="urn:schemas-microsoft-com:vml" Requires="v">
-                <p:oleObj spid="_x0000_s1037" name="Equation" r:id="rId6" imgW="1447560" imgH="215640" progId="Equation.3">
-                  <p:embed/>
-                </p:oleObj>
-              </mc:Choice>
-              <mc:Fallback>
-                <p:oleObj name="Equation" r:id="rId6" imgW="1447560" imgH="215640" progId="Equation.3">
-                  <p:embed/>
-                  <p:pic>
-                    <p:nvPicPr>
-                      <p:cNvPr id="0" name="Object 7"/>
-                      <p:cNvPicPr>
-                        <a:picLocks noChangeAspect="1" noChangeArrowheads="1"/>
-                      </p:cNvPicPr>
-                      <p:nvPr/>
-                    </p:nvPicPr>
-                    <p:blipFill>
-                      <a:blip r:embed="rId7">
-                        <a:extLst>
-                          <a:ext uri="{28A0092B-C50C-407E-A947-70E740481C1C}">
-                            <a14:useLocalDpi xmlns:a14="http://schemas.microsoft.com/office/drawing/2010/main" val="0"/>
-                          </a:ext>
-                        </a:extLst>
-                      </a:blip>
-                      <a:srcRect/>
-                      <a:stretch>
-                        <a:fillRect/>
-                      </a:stretch>
-                    </p:blipFill>
-                    <p:spPr bwMode="auto">
-                      <a:xfrm>
-                        <a:off x="1501775" y="4672013"/>
-                        <a:ext cx="2635250" cy="392112"/>
-                      </a:xfrm>
-                      <a:prstGeom prst="rect">
-                        <a:avLst/>
-                      </a:prstGeom>
-                      <a:noFill/>
-                      <a:extLst>
-                        <a:ext uri="{909E8E84-426E-40DD-AFC4-6F175D3DCCD1}">
-                          <a14:hiddenFill xmlns:a14="http://schemas.microsoft.com/office/drawing/2010/main">
-                            <a:solidFill>
-                              <a:srgbClr val="FFFFFF"/>
-                            </a:solidFill>
-                          </a14:hiddenFill>
-                        </a:ext>
-                      </a:extLst>
-                    </p:spPr>
-                  </p:pic>
-                </p:oleObj>
-              </mc:Fallback>
-            </mc:AlternateContent>
-          </a:graphicData>
-        </a:graphic>
-      </p:graphicFrame>
-      <p:sp>
-        <p:nvSpPr>
-          <p:cNvPr id="8204" name="Rectangle 10"/>
-          <p:cNvSpPr>
-            <a:spLocks noChangeArrowheads="1"/>
-          </p:cNvSpPr>
-          <p:nvPr/>
-        </p:nvSpPr>
-        <p:spPr bwMode="auto">
-          <a:xfrm>
-            <a:off x="0" y="3262313"/>
-            <a:ext cx="9144000" cy="0"/>
-          </a:xfrm>
-          <a:prstGeom prst="rect">
-            <a:avLst/>
-          </a:prstGeom>
-          <a:noFill/>
-          <a:ln w="9525" algn="ctr">
-            <a:noFill/>
-            <a:miter lim="800000"/>
-            <a:headEnd/>
-            <a:tailEnd/>
-          </a:ln>
-        </p:spPr>
-        <p:txBody>
-          <a:bodyPr wrap="none" anchor="ctr">
-            <a:spAutoFit/>
-          </a:bodyPr>
-          <a:lstStyle/>
-          <a:p>
-            <a:endParaRPr lang="en-US"/>
-          </a:p>
-        </p:txBody>
-      </p:sp>
-    </p:spTree>
-  </p:cSld>
-  <p:clrMapOvr>
-    <a:masterClrMapping/>
-  </p:clrMapOvr>
-</p:sld>
-</file>
-
-<file path=ppt/slides/slide8.xml><?xml version="1.0" encoding="utf-8"?>
-<p:sld xmlns:a="http://schemas.openxmlformats.org/drawingml/2006/main" xmlns:r="http://schemas.openxmlformats.org/officeDocument/2006/relationships" xmlns:p="http://schemas.openxmlformats.org/presentationml/2006/main">
-  <p:cSld>
-    <p:spTree>
-      <p:nvGrpSpPr>
-        <p:cNvPr id="1" name=""/>
-        <p:cNvGrpSpPr/>
-        <p:nvPr/>
-      </p:nvGrpSpPr>
-      <p:grpSpPr>
-        <a:xfrm>
-          <a:off x="0" y="0"/>
-          <a:ext cx="0" cy="0"/>
-          <a:chOff x="0" y="0"/>
-          <a:chExt cx="0" cy="0"/>
-        </a:xfrm>
-      </p:grpSpPr>
-      <p:sp>
-        <p:nvSpPr>
-          <p:cNvPr id="9223" name="Date Placeholder 3"/>
-          <p:cNvSpPr>
-            <a:spLocks noGrp="1"/>
-          </p:cNvSpPr>
-          <p:nvPr>
-            <p:ph type="dt" sz="quarter" idx="10"/>
-          </p:nvPr>
-        </p:nvSpPr>
-        <p:spPr>
-          <a:noFill/>
-        </p:spPr>
-        <p:txBody>
-          <a:bodyPr/>
-          <a:lstStyle/>
-          <a:p>
-            <a:r>
-              <a:rPr lang="en-US" smtClean="0"/>
-              <a:t>Winter 2007</a:t>
-            </a:r>
-          </a:p>
-        </p:txBody>
-      </p:sp>
-      <p:sp>
-        <p:nvSpPr>
-          <p:cNvPr id="9224" name="Footer Placeholder 4"/>
-          <p:cNvSpPr>
-            <a:spLocks noGrp="1"/>
-          </p:cNvSpPr>
-          <p:nvPr>
-            <p:ph type="ftr" sz="quarter" idx="11"/>
-          </p:nvPr>
-        </p:nvSpPr>
-        <p:spPr>
-          <a:noFill/>
-        </p:spPr>
-        <p:txBody>
-          <a:bodyPr/>
-          <a:lstStyle/>
-          <a:p>
-            <a:r>
-              <a:rPr lang="en-US" smtClean="0"/>
-              <a:t>R. Todd Lines</a:t>
-            </a:r>
-          </a:p>
-        </p:txBody>
-      </p:sp>
-      <p:sp>
-        <p:nvSpPr>
-          <p:cNvPr id="9225" name="Slide Number Placeholder 5"/>
-          <p:cNvSpPr>
-            <a:spLocks noGrp="1"/>
-          </p:cNvSpPr>
-          <p:nvPr>
-            <p:ph type="sldNum" sz="quarter" idx="12"/>
-          </p:nvPr>
-        </p:nvSpPr>
-        <p:spPr>
-          <a:noFill/>
-        </p:spPr>
-        <p:txBody>
-          <a:bodyPr/>
-          <a:lstStyle/>
-          <a:p>
-            <a:fld id="{BC2515EE-4685-49E6-8473-10370292C8B7}" type="slidenum">
-              <a:rPr lang="en-US" smtClean="0"/>
-              <a:pPr/>
-              <a:t>8</a:t>
-            </a:fld>
-            <a:endParaRPr lang="en-US" smtClean="0"/>
-          </a:p>
-        </p:txBody>
-      </p:sp>
-      <p:sp>
-        <p:nvSpPr>
-          <p:cNvPr id="9226" name="Rectangle 2"/>
-          <p:cNvSpPr>
-            <a:spLocks noGrp="1" noChangeArrowheads="1"/>
-          </p:cNvSpPr>
-          <p:nvPr>
-            <p:ph type="title"/>
-          </p:nvPr>
-        </p:nvSpPr>
-        <p:spPr/>
-        <p:txBody>
-          <a:bodyPr/>
-          <a:lstStyle/>
-          <a:p>
-            <a:pPr eaLnBrk="1" hangingPunct="1"/>
-            <a:r>
-              <a:rPr lang="en-US" smtClean="0"/>
-              <a:t>Wavenumber</a:t>
-            </a:r>
-          </a:p>
-        </p:txBody>
-      </p:sp>
-      <p:sp>
-        <p:nvSpPr>
-          <p:cNvPr id="9227" name="Rectangle 3"/>
-          <p:cNvSpPr>
-            <a:spLocks noGrp="1" noChangeArrowheads="1"/>
-          </p:cNvSpPr>
-          <p:nvPr>
-            <p:ph type="body" idx="1"/>
-          </p:nvPr>
-        </p:nvSpPr>
-        <p:spPr>
-          <a:xfrm>
-            <a:off x="457200" y="1600200"/>
-            <a:ext cx="4310063" cy="4525963"/>
-          </a:xfrm>
-        </p:spPr>
-        <p:txBody>
-          <a:bodyPr/>
-          <a:lstStyle/>
-          <a:p>
-            <a:pPr eaLnBrk="1" hangingPunct="1">
-              <a:lnSpc>
-                <a:spcPct val="90000"/>
-              </a:lnSpc>
-            </a:pPr>
-            <a:r>
-              <a:rPr lang="en-US" sz="2400" smtClean="0"/>
-              <a:t>The next time y=0 will be when x=</a:t>
-            </a:r>
-            <a:r>
-              <a:rPr lang="en-US" sz="2400" smtClean="0">
-                <a:sym typeface="Symbol" pitchFamily="18" charset="2"/>
-              </a:rPr>
-              <a:t>/2</a:t>
-            </a:r>
-          </a:p>
-          <a:p>
-            <a:pPr eaLnBrk="1" hangingPunct="1">
-              <a:lnSpc>
-                <a:spcPct val="90000"/>
-              </a:lnSpc>
-            </a:pPr>
-            <a:endParaRPr lang="en-US" sz="2400" smtClean="0">
-              <a:sym typeface="Symbol" pitchFamily="18" charset="2"/>
-            </a:endParaRPr>
-          </a:p>
-          <a:p>
-            <a:pPr eaLnBrk="1" hangingPunct="1">
-              <a:lnSpc>
-                <a:spcPct val="90000"/>
-              </a:lnSpc>
-            </a:pPr>
-            <a:endParaRPr lang="en-US" sz="2400" smtClean="0">
-              <a:sym typeface="Symbol" pitchFamily="18" charset="2"/>
-            </a:endParaRPr>
-          </a:p>
-          <a:p>
-            <a:pPr eaLnBrk="1" hangingPunct="1">
-              <a:lnSpc>
-                <a:spcPct val="90000"/>
-              </a:lnSpc>
-            </a:pPr>
-            <a:r>
-              <a:rPr lang="en-US" sz="2400" smtClean="0">
-                <a:sym typeface="Symbol" pitchFamily="18" charset="2"/>
-              </a:rPr>
-              <a:t>This is true when</a:t>
-            </a:r>
-          </a:p>
-          <a:p>
-            <a:pPr eaLnBrk="1" hangingPunct="1">
-              <a:lnSpc>
-                <a:spcPct val="90000"/>
-              </a:lnSpc>
-            </a:pPr>
-            <a:endParaRPr lang="en-US" sz="2400" smtClean="0">
-              <a:sym typeface="Symbol" pitchFamily="18" charset="2"/>
-            </a:endParaRPr>
-          </a:p>
-          <a:p>
-            <a:pPr eaLnBrk="1" hangingPunct="1">
-              <a:lnSpc>
-                <a:spcPct val="90000"/>
-              </a:lnSpc>
-            </a:pPr>
-            <a:endParaRPr lang="en-US" sz="2400" smtClean="0">
-              <a:sym typeface="Symbol" pitchFamily="18" charset="2"/>
-            </a:endParaRPr>
-          </a:p>
-          <a:p>
-            <a:pPr eaLnBrk="1" hangingPunct="1">
-              <a:lnSpc>
-                <a:spcPct val="90000"/>
-              </a:lnSpc>
-            </a:pPr>
-            <a:r>
-              <a:rPr lang="en-US" sz="2400" smtClean="0">
-                <a:sym typeface="Symbol" pitchFamily="18" charset="2"/>
-              </a:rPr>
-              <a:t>So</a:t>
-            </a:r>
-          </a:p>
-          <a:p>
-            <a:pPr eaLnBrk="1" hangingPunct="1">
-              <a:lnSpc>
-                <a:spcPct val="90000"/>
-              </a:lnSpc>
-            </a:pPr>
-            <a:endParaRPr lang="en-US" sz="2400" smtClean="0"/>
-          </a:p>
-        </p:txBody>
-      </p:sp>
-      <p:graphicFrame>
-        <p:nvGraphicFramePr>
-          <p:cNvPr id="9218" name="Object 4"/>
-          <p:cNvGraphicFramePr>
-            <a:graphicFrameLocks noChangeAspect="1"/>
-          </p:cNvGraphicFramePr>
-          <p:nvPr/>
-        </p:nvGraphicFramePr>
-        <p:xfrm>
-          <a:off x="981075" y="2352675"/>
-          <a:ext cx="2765425" cy="746125"/>
-        </p:xfrm>
-        <a:graphic>
-          <a:graphicData uri="http://schemas.openxmlformats.org/presentationml/2006/ole">
-            <mc:AlternateContent xmlns:mc="http://schemas.openxmlformats.org/markup-compatibility/2006">
-              <mc:Choice xmlns:v="urn:schemas-microsoft-com:vml" Requires="v">
-                <p:oleObj spid="_x0000_s2075" name="Equation" r:id="rId3" imgW="1587240" imgH="431640" progId="Equation.3">
-                  <p:embed/>
-                </p:oleObj>
-              </mc:Choice>
-              <mc:Fallback>
-                <p:oleObj name="Equation" r:id="rId3" imgW="1587240" imgH="431640" progId="Equation.3">
-                  <p:embed/>
-                  <p:pic>
-                    <p:nvPicPr>
-                      <p:cNvPr id="0" name="Object 4"/>
-                      <p:cNvPicPr>
-                        <a:picLocks noChangeAspect="1" noChangeArrowheads="1"/>
-                      </p:cNvPicPr>
-                      <p:nvPr/>
-                    </p:nvPicPr>
-                    <p:blipFill>
-                      <a:blip r:embed="rId4">
-                        <a:extLst>
-                          <a:ext uri="{28A0092B-C50C-407E-A947-70E740481C1C}">
-                            <a14:useLocalDpi xmlns:a14="http://schemas.microsoft.com/office/drawing/2010/main" val="0"/>
-                          </a:ext>
-                        </a:extLst>
-                      </a:blip>
-                      <a:srcRect/>
-                      <a:stretch>
-                        <a:fillRect/>
-                      </a:stretch>
-                    </p:blipFill>
-                    <p:spPr bwMode="auto">
-                      <a:xfrm>
-                        <a:off x="981075" y="2352675"/>
-                        <a:ext cx="2765425" cy="746125"/>
-                      </a:xfrm>
-                      <a:prstGeom prst="rect">
-                        <a:avLst/>
-                      </a:prstGeom>
-                      <a:noFill/>
-                      <a:extLst>
-                        <a:ext uri="{909E8E84-426E-40DD-AFC4-6F175D3DCCD1}">
-                          <a14:hiddenFill xmlns:a14="http://schemas.microsoft.com/office/drawing/2010/main">
-                            <a:solidFill>
-                              <a:srgbClr val="FFFFFF"/>
-                            </a:solidFill>
-                          </a14:hiddenFill>
-                        </a:ext>
-                      </a:extLst>
-                    </p:spPr>
-                  </p:pic>
-                </p:oleObj>
-              </mc:Fallback>
-            </mc:AlternateContent>
-          </a:graphicData>
-        </a:graphic>
-      </p:graphicFrame>
-      <p:pic>
-        <p:nvPicPr>
-          <p:cNvPr id="9228" name="Picture 5"/>
-          <p:cNvPicPr>
-            <a:picLocks noChangeAspect="1" noChangeArrowheads="1"/>
-          </p:cNvPicPr>
-          <p:nvPr/>
-        </p:nvPicPr>
-        <p:blipFill>
-          <a:blip r:embed="rId5" cstate="print"/>
-          <a:srcRect/>
-          <a:stretch>
-            <a:fillRect/>
-          </a:stretch>
-        </p:blipFill>
-        <p:spPr bwMode="auto">
-          <a:xfrm>
-            <a:off x="4816475" y="1320800"/>
-            <a:ext cx="4094163" cy="3181350"/>
-          </a:xfrm>
-          <a:prstGeom prst="rect">
-            <a:avLst/>
-          </a:prstGeom>
-          <a:noFill/>
-          <a:ln w="9525">
-            <a:noFill/>
-            <a:miter lim="800000"/>
-            <a:headEnd/>
-            <a:tailEnd/>
-          </a:ln>
-        </p:spPr>
-      </p:pic>
-      <p:sp>
-        <p:nvSpPr>
-          <p:cNvPr id="9229" name="Rectangle 7"/>
-          <p:cNvSpPr>
-            <a:spLocks noChangeArrowheads="1"/>
-          </p:cNvSpPr>
-          <p:nvPr/>
-        </p:nvSpPr>
-        <p:spPr bwMode="auto">
-          <a:xfrm>
-            <a:off x="0" y="3262313"/>
-            <a:ext cx="9144000" cy="0"/>
-          </a:xfrm>
-          <a:prstGeom prst="rect">
-            <a:avLst/>
-          </a:prstGeom>
-          <a:noFill/>
-          <a:ln w="9525" algn="ctr">
-            <a:noFill/>
-            <a:miter lim="800000"/>
-            <a:headEnd/>
-            <a:tailEnd/>
-          </a:ln>
-        </p:spPr>
-        <p:txBody>
-          <a:bodyPr wrap="none" anchor="ctr">
-            <a:spAutoFit/>
-          </a:bodyPr>
-          <a:lstStyle/>
-          <a:p>
-            <a:endParaRPr lang="en-US"/>
-          </a:p>
-        </p:txBody>
-      </p:sp>
-      <p:graphicFrame>
-        <p:nvGraphicFramePr>
-          <p:cNvPr id="9219" name="Object 6"/>
-          <p:cNvGraphicFramePr>
-            <a:graphicFrameLocks noChangeAspect="1"/>
-          </p:cNvGraphicFramePr>
-          <p:nvPr/>
-        </p:nvGraphicFramePr>
-        <p:xfrm>
-          <a:off x="1636713" y="3597275"/>
-          <a:ext cx="989012" cy="746125"/>
-        </p:xfrm>
-        <a:graphic>
-          <a:graphicData uri="http://schemas.openxmlformats.org/presentationml/2006/ole">
-            <mc:AlternateContent xmlns:mc="http://schemas.openxmlformats.org/markup-compatibility/2006">
-              <mc:Choice xmlns:v="urn:schemas-microsoft-com:vml" Requires="v">
-                <p:oleObj spid="_x0000_s2076" name="Equation" r:id="rId6" imgW="520560" imgH="393480" progId="Equation.3">
-                  <p:embed/>
-                </p:oleObj>
-              </mc:Choice>
-              <mc:Fallback>
-                <p:oleObj name="Equation" r:id="rId6" imgW="520560" imgH="393480" progId="Equation.3">
-                  <p:embed/>
-                  <p:pic>
-                    <p:nvPicPr>
-                      <p:cNvPr id="0" name="Object 6"/>
-                      <p:cNvPicPr>
-                        <a:picLocks noChangeAspect="1" noChangeArrowheads="1"/>
-                      </p:cNvPicPr>
-                      <p:nvPr/>
-                    </p:nvPicPr>
-                    <p:blipFill>
-                      <a:blip r:embed="rId7">
-                        <a:extLst>
-                          <a:ext uri="{28A0092B-C50C-407E-A947-70E740481C1C}">
-                            <a14:useLocalDpi xmlns:a14="http://schemas.microsoft.com/office/drawing/2010/main" val="0"/>
-                          </a:ext>
-                        </a:extLst>
-                      </a:blip>
-                      <a:srcRect/>
-                      <a:stretch>
-                        <a:fillRect/>
-                      </a:stretch>
-                    </p:blipFill>
-                    <p:spPr bwMode="auto">
-                      <a:xfrm>
-                        <a:off x="1636713" y="3597275"/>
-                        <a:ext cx="989012" cy="746125"/>
-                      </a:xfrm>
-                      <a:prstGeom prst="rect">
-                        <a:avLst/>
-                      </a:prstGeom>
-                      <a:noFill/>
-                      <a:extLst>
-                        <a:ext uri="{909E8E84-426E-40DD-AFC4-6F175D3DCCD1}">
-                          <a14:hiddenFill xmlns:a14="http://schemas.microsoft.com/office/drawing/2010/main">
-                            <a:solidFill>
-                              <a:srgbClr val="FFFFFF"/>
-                            </a:solidFill>
-                          </a14:hiddenFill>
-                        </a:ext>
-                      </a:extLst>
-                    </p:spPr>
-                  </p:pic>
-                </p:oleObj>
-              </mc:Fallback>
-            </mc:AlternateContent>
-          </a:graphicData>
-        </a:graphic>
-      </p:graphicFrame>
-      <p:graphicFrame>
-        <p:nvGraphicFramePr>
-          <p:cNvPr id="9220" name="Object 9"/>
-          <p:cNvGraphicFramePr>
-            <a:graphicFrameLocks noChangeAspect="1"/>
-          </p:cNvGraphicFramePr>
-          <p:nvPr/>
-        </p:nvGraphicFramePr>
-        <p:xfrm>
-          <a:off x="1557338" y="4433888"/>
-          <a:ext cx="977900" cy="793750"/>
-        </p:xfrm>
-        <a:graphic>
-          <a:graphicData uri="http://schemas.openxmlformats.org/presentationml/2006/ole">
-            <mc:AlternateContent xmlns:mc="http://schemas.openxmlformats.org/markup-compatibility/2006">
-              <mc:Choice xmlns:v="urn:schemas-microsoft-com:vml" Requires="v">
-                <p:oleObj spid="_x0000_s2077" name="Equation" r:id="rId8" imgW="482400" imgH="393480" progId="Equation.3">
-                  <p:embed/>
-                </p:oleObj>
-              </mc:Choice>
-              <mc:Fallback>
-                <p:oleObj name="Equation" r:id="rId8" imgW="482400" imgH="393480" progId="Equation.3">
-                  <p:embed/>
-                  <p:pic>
-                    <p:nvPicPr>
-                      <p:cNvPr id="0" name="Object 9"/>
-                      <p:cNvPicPr>
-                        <a:picLocks noChangeAspect="1" noChangeArrowheads="1"/>
-                      </p:cNvPicPr>
-                      <p:nvPr/>
-                    </p:nvPicPr>
-                    <p:blipFill>
-                      <a:blip r:embed="rId9">
-                        <a:extLst>
-                          <a:ext uri="{28A0092B-C50C-407E-A947-70E740481C1C}">
-                            <a14:useLocalDpi xmlns:a14="http://schemas.microsoft.com/office/drawing/2010/main" val="0"/>
-                          </a:ext>
-                        </a:extLst>
-                      </a:blip>
-                      <a:srcRect/>
-                      <a:stretch>
-                        <a:fillRect/>
-                      </a:stretch>
-                    </p:blipFill>
-                    <p:spPr bwMode="auto">
-                      <a:xfrm>
-                        <a:off x="1557338" y="4433888"/>
-                        <a:ext cx="977900" cy="793750"/>
-                      </a:xfrm>
-                      <a:prstGeom prst="rect">
-                        <a:avLst/>
-                      </a:prstGeom>
-                      <a:noFill/>
-                      <a:extLst>
-                        <a:ext uri="{909E8E84-426E-40DD-AFC4-6F175D3DCCD1}">
-                          <a14:hiddenFill xmlns:a14="http://schemas.microsoft.com/office/drawing/2010/main">
-                            <a:solidFill>
-                              <a:srgbClr val="FFFFFF"/>
-                            </a:solidFill>
-                          </a14:hiddenFill>
-                        </a:ext>
-                      </a:extLst>
-                    </p:spPr>
-                  </p:pic>
-                </p:oleObj>
-              </mc:Fallback>
-            </mc:AlternateContent>
-          </a:graphicData>
-        </a:graphic>
-      </p:graphicFrame>
-      <p:graphicFrame>
-        <p:nvGraphicFramePr>
-          <p:cNvPr id="9221" name="Object 8"/>
-          <p:cNvGraphicFramePr>
-            <a:graphicFrameLocks noChangeAspect="1"/>
-          </p:cNvGraphicFramePr>
-          <p:nvPr/>
-        </p:nvGraphicFramePr>
-        <p:xfrm>
-          <a:off x="839788" y="5194300"/>
-          <a:ext cx="2374900" cy="763588"/>
-        </p:xfrm>
-        <a:graphic>
-          <a:graphicData uri="http://schemas.openxmlformats.org/presentationml/2006/ole">
-            <mc:AlternateContent xmlns:mc="http://schemas.openxmlformats.org/markup-compatibility/2006">
-              <mc:Choice xmlns:v="urn:schemas-microsoft-com:vml" Requires="v">
-                <p:oleObj spid="_x0000_s2078" name="Equation" r:id="rId10" imgW="1333440" imgH="431640" progId="Equation.3">
-                  <p:embed/>
-                </p:oleObj>
-              </mc:Choice>
-              <mc:Fallback>
-                <p:oleObj name="Equation" r:id="rId10" imgW="1333440" imgH="431640" progId="Equation.3">
-                  <p:embed/>
-                  <p:pic>
-                    <p:nvPicPr>
-                      <p:cNvPr id="0" name="Object 8"/>
-                      <p:cNvPicPr>
-                        <a:picLocks noChangeAspect="1" noChangeArrowheads="1"/>
-                      </p:cNvPicPr>
-                      <p:nvPr/>
-                    </p:nvPicPr>
-                    <p:blipFill>
-                      <a:blip r:embed="rId11">
-                        <a:extLst>
-                          <a:ext uri="{28A0092B-C50C-407E-A947-70E740481C1C}">
-                            <a14:useLocalDpi xmlns:a14="http://schemas.microsoft.com/office/drawing/2010/main" val="0"/>
-                          </a:ext>
-                        </a:extLst>
-                      </a:blip>
-                      <a:srcRect/>
-                      <a:stretch>
-                        <a:fillRect/>
-                      </a:stretch>
-                    </p:blipFill>
-                    <p:spPr bwMode="auto">
-                      <a:xfrm>
-                        <a:off x="839788" y="5194300"/>
-                        <a:ext cx="2374900" cy="763588"/>
-                      </a:xfrm>
-                      <a:prstGeom prst="rect">
-                        <a:avLst/>
-                      </a:prstGeom>
-                      <a:noFill/>
-                      <a:extLst>
-                        <a:ext uri="{909E8E84-426E-40DD-AFC4-6F175D3DCCD1}">
-                          <a14:hiddenFill xmlns:a14="http://schemas.microsoft.com/office/drawing/2010/main">
-                            <a:solidFill>
-                              <a:srgbClr val="FFFFFF"/>
-                            </a:solidFill>
-                          </a14:hiddenFill>
-                        </a:ext>
-                      </a:extLst>
-                    </p:spPr>
-                  </p:pic>
-                </p:oleObj>
-              </mc:Fallback>
-            </mc:AlternateContent>
-          </a:graphicData>
-        </a:graphic>
-      </p:graphicFrame>
-      <p:sp>
-        <p:nvSpPr>
-          <p:cNvPr id="9230" name="Rectangle 10"/>
-          <p:cNvSpPr>
-            <a:spLocks noChangeArrowheads="1"/>
-          </p:cNvSpPr>
-          <p:nvPr/>
-        </p:nvSpPr>
-        <p:spPr bwMode="auto">
-          <a:xfrm>
-            <a:off x="0" y="2836863"/>
-            <a:ext cx="9144000" cy="0"/>
-          </a:xfrm>
-          <a:prstGeom prst="rect">
-            <a:avLst/>
-          </a:prstGeom>
-          <a:noFill/>
-          <a:ln w="9525" algn="ctr">
-            <a:noFill/>
-            <a:miter lim="800000"/>
-            <a:headEnd/>
-            <a:tailEnd/>
-          </a:ln>
-        </p:spPr>
-        <p:txBody>
-          <a:bodyPr wrap="none" anchor="ctr">
-            <a:spAutoFit/>
-          </a:bodyPr>
-          <a:lstStyle/>
-          <a:p>
-            <a:endParaRPr lang="en-US"/>
-          </a:p>
-        </p:txBody>
-      </p:sp>
-      <p:sp>
-        <p:nvSpPr>
-          <p:cNvPr id="9231" name="Text Box 12"/>
-          <p:cNvSpPr txBox="1">
-            <a:spLocks noChangeArrowheads="1"/>
-          </p:cNvSpPr>
-          <p:nvPr/>
-        </p:nvSpPr>
-        <p:spPr bwMode="auto">
-          <a:xfrm>
-            <a:off x="5195888" y="4594225"/>
-            <a:ext cx="3529012" cy="915988"/>
-          </a:xfrm>
-          <a:prstGeom prst="rect">
-            <a:avLst/>
-          </a:prstGeom>
-          <a:noFill/>
-          <a:ln w="9525" algn="ctr">
-            <a:noFill/>
-            <a:miter lim="800000"/>
-            <a:headEnd/>
-            <a:tailEnd/>
-          </a:ln>
-        </p:spPr>
-        <p:txBody>
-          <a:bodyPr>
-            <a:spAutoFit/>
-          </a:bodyPr>
-          <a:lstStyle/>
-          <a:p>
-            <a:r>
-              <a:rPr lang="en-US"/>
-              <a:t>We have a special name for a, it is the wavenumber, and we give it the symbol </a:t>
-            </a:r>
-            <a:r>
-              <a:rPr lang="en-US" i="1"/>
-              <a:t>k</a:t>
-            </a:r>
-            <a:endParaRPr lang="en-US"/>
-          </a:p>
-        </p:txBody>
-      </p:sp>
-      <p:sp>
-        <p:nvSpPr>
-          <p:cNvPr id="9232" name="Rectangle 14"/>
-          <p:cNvSpPr>
-            <a:spLocks noChangeArrowheads="1"/>
-          </p:cNvSpPr>
-          <p:nvPr/>
-        </p:nvSpPr>
-        <p:spPr bwMode="auto">
-          <a:xfrm>
-            <a:off x="0" y="3262313"/>
-            <a:ext cx="9144000" cy="0"/>
-          </a:xfrm>
-          <a:prstGeom prst="rect">
-            <a:avLst/>
-          </a:prstGeom>
-          <a:noFill/>
-          <a:ln w="9525" algn="ctr">
-            <a:noFill/>
-            <a:miter lim="800000"/>
-            <a:headEnd/>
-            <a:tailEnd/>
-          </a:ln>
-        </p:spPr>
-        <p:txBody>
-          <a:bodyPr wrap="none" anchor="ctr">
-            <a:spAutoFit/>
-          </a:bodyPr>
-          <a:lstStyle/>
-          <a:p>
-            <a:endParaRPr lang="en-US"/>
-          </a:p>
-        </p:txBody>
-      </p:sp>
-      <p:graphicFrame>
-        <p:nvGraphicFramePr>
-          <p:cNvPr id="9222" name="Object 13"/>
-          <p:cNvGraphicFramePr>
-            <a:graphicFrameLocks noChangeAspect="1"/>
-          </p:cNvGraphicFramePr>
-          <p:nvPr/>
-        </p:nvGraphicFramePr>
-        <p:xfrm>
-          <a:off x="6361113" y="5449888"/>
-          <a:ext cx="1036637" cy="844550"/>
-        </p:xfrm>
-        <a:graphic>
-          <a:graphicData uri="http://schemas.openxmlformats.org/presentationml/2006/ole">
-            <mc:AlternateContent xmlns:mc="http://schemas.openxmlformats.org/markup-compatibility/2006">
-              <mc:Choice xmlns:v="urn:schemas-microsoft-com:vml" Requires="v">
-                <p:oleObj spid="_x0000_s2079" name="Equation" r:id="rId12" imgW="482400" imgH="393480" progId="Equation.3">
-                  <p:embed/>
-                </p:oleObj>
-              </mc:Choice>
-              <mc:Fallback>
-                <p:oleObj name="Equation" r:id="rId12" imgW="482400" imgH="393480" progId="Equation.3">
-                  <p:embed/>
-                  <p:pic>
-                    <p:nvPicPr>
-                      <p:cNvPr id="0" name="Object 13"/>
-                      <p:cNvPicPr>
-                        <a:picLocks noChangeAspect="1" noChangeArrowheads="1"/>
-                      </p:cNvPicPr>
-                      <p:nvPr/>
-                    </p:nvPicPr>
-                    <p:blipFill>
-                      <a:blip r:embed="rId13">
-                        <a:extLst>
-                          <a:ext uri="{28A0092B-C50C-407E-A947-70E740481C1C}">
-                            <a14:useLocalDpi xmlns:a14="http://schemas.microsoft.com/office/drawing/2010/main" val="0"/>
-                          </a:ext>
-                        </a:extLst>
-                      </a:blip>
-                      <a:srcRect/>
-                      <a:stretch>
-                        <a:fillRect/>
-                      </a:stretch>
-                    </p:blipFill>
-                    <p:spPr bwMode="auto">
-                      <a:xfrm>
-                        <a:off x="6361113" y="5449888"/>
-                        <a:ext cx="1036637" cy="844550"/>
-                      </a:xfrm>
-                      <a:prstGeom prst="rect">
-                        <a:avLst/>
-                      </a:prstGeom>
-                      <a:noFill/>
-                      <a:extLst>
-                        <a:ext uri="{909E8E84-426E-40DD-AFC4-6F175D3DCCD1}">
-                          <a14:hiddenFill xmlns:a14="http://schemas.microsoft.com/office/drawing/2010/main">
-                            <a:solidFill>
-                              <a:srgbClr val="FFFFFF"/>
-                            </a:solidFill>
-                          </a14:hiddenFill>
-                        </a:ext>
-                      </a:extLst>
-                    </p:spPr>
-                  </p:pic>
-                </p:oleObj>
-              </mc:Fallback>
-            </mc:AlternateContent>
-          </a:graphicData>
-        </a:graphic>
-      </p:graphicFrame>
-    </p:spTree>
-  </p:cSld>
-  <p:clrMapOvr>
-    <a:masterClrMapping/>
-  </p:clrMapOvr>
-</p:sld>
-</file>
-
 <file path=ppt/slides/slide9.xml><?xml version="1.0" encoding="utf-8"?>
 <p:sld xmlns:a="http://schemas.openxmlformats.org/drawingml/2006/main" xmlns:r="http://schemas.openxmlformats.org/officeDocument/2006/relationships" xmlns:p="http://schemas.openxmlformats.org/presentationml/2006/main">
   <p:cSld>
@@ -18135,52 +19450,6 @@
       </p:grpSpPr>
       <p:sp>
         <p:nvSpPr>
-          <p:cNvPr id="5" name="Rectangle 4"/>
-          <p:cNvSpPr/>
-          <p:nvPr/>
-        </p:nvSpPr>
-        <p:spPr>
-          <a:xfrm>
-            <a:off x="0" y="-1"/>
-            <a:ext cx="9144000" cy="6897229"/>
-          </a:xfrm>
-          <a:prstGeom prst="rect">
-            <a:avLst/>
-          </a:prstGeom>
-          <a:solidFill>
-            <a:schemeClr val="tx1"/>
-          </a:solidFill>
-          <a:ln>
-            <a:noFill/>
-          </a:ln>
-        </p:spPr>
-        <p:style>
-          <a:lnRef idx="2">
-            <a:schemeClr val="accent1">
-              <a:shade val="50000"/>
-            </a:schemeClr>
-          </a:lnRef>
-          <a:fillRef idx="1">
-            <a:schemeClr val="accent1"/>
-          </a:fillRef>
-          <a:effectRef idx="0">
-            <a:schemeClr val="accent1"/>
-          </a:effectRef>
-          <a:fontRef idx="minor">
-            <a:schemeClr val="lt1"/>
-          </a:fontRef>
-        </p:style>
-        <p:txBody>
-          <a:bodyPr rtlCol="0" anchor="ctr"/>
-          <a:lstStyle/>
-          <a:p>
-            <a:pPr algn="ctr"/>
-            <a:endParaRPr lang="en-US"/>
-          </a:p>
-        </p:txBody>
-      </p:sp>
-      <p:sp>
-        <p:nvSpPr>
           <p:cNvPr id="2" name="Title 1"/>
           <p:cNvSpPr>
             <a:spLocks noGrp="1"/>
@@ -18194,13 +19463,16 @@
           <a:bodyPr/>
           <a:lstStyle/>
           <a:p>
-            <a:endParaRPr lang="en-US"/>
-          </a:p>
-        </p:txBody>
-      </p:sp>
-      <p:sp>
-        <p:nvSpPr>
-          <p:cNvPr id="4" name="Content Placeholder 3"/>
+            <a:r>
+              <a:rPr lang="en-US" dirty="0"/>
+              <a:t>Question 223.3.3</a:t>
+            </a:r>
+          </a:p>
+        </p:txBody>
+      </p:sp>
+      <p:sp>
+        <p:nvSpPr>
+          <p:cNvPr id="3" name="Content Placeholder 2"/>
           <p:cNvSpPr>
             <a:spLocks noGrp="1"/>
           </p:cNvSpPr>
@@ -18213,74 +19485,92 @@
           <a:bodyPr/>
           <a:lstStyle/>
           <a:p>
+            <a:pPr>
+              <a:buNone/>
+            </a:pPr>
+            <a:r>
+              <a:rPr lang="en-US" dirty="0"/>
+              <a:t>I have a sinusoidal wave traveling with a wave speed of 10m/s.  The wavelength is 5m. What is the frequency?</a:t>
+            </a:r>
+          </a:p>
+          <a:p>
+            <a:pPr marL="514350" indent="-514350">
+              <a:buFont typeface="+mj-lt"/>
+              <a:buAutoNum type="alphaLcParenR"/>
+            </a:pPr>
+            <a:r>
+              <a:rPr lang="en-US" dirty="0"/>
+              <a:t>5m</a:t>
+            </a:r>
+          </a:p>
+          <a:p>
+            <a:pPr marL="514350" indent="-514350">
+              <a:buFont typeface="+mj-lt"/>
+              <a:buAutoNum type="alphaLcParenR"/>
+            </a:pPr>
+            <a:r>
+              <a:rPr lang="en-US" dirty="0"/>
+              <a:t>2 sec</a:t>
+            </a:r>
+          </a:p>
+          <a:p>
+            <a:pPr marL="514350" indent="-514350">
+              <a:buFont typeface="+mj-lt"/>
+              <a:buAutoNum type="alphaLcParenR"/>
+            </a:pPr>
+            <a:r>
+              <a:rPr lang="en-US" dirty="0"/>
+              <a:t>2 Hz</a:t>
+            </a:r>
+          </a:p>
+          <a:p>
+            <a:pPr marL="514350" indent="-514350">
+              <a:buFont typeface="+mj-lt"/>
+              <a:buAutoNum type="alphaLcParenR"/>
+            </a:pPr>
+            <a:r>
+              <a:rPr lang="en-US" dirty="0"/>
+              <a:t>50 1/sec</a:t>
+            </a:r>
+          </a:p>
+          <a:p>
+            <a:pPr marL="514350" indent="-514350">
+              <a:buFont typeface="+mj-lt"/>
+              <a:buAutoNum type="alphaLcParenR"/>
+            </a:pPr>
+            <a:endParaRPr lang="en-US" dirty="0"/>
+          </a:p>
+        </p:txBody>
+      </p:sp>
+      <p:sp>
+        <p:nvSpPr>
+          <p:cNvPr id="4" name="Slide Number Placeholder 3"/>
+          <p:cNvSpPr>
+            <a:spLocks noGrp="1"/>
+          </p:cNvSpPr>
+          <p:nvPr>
+            <p:ph type="sldNum" sz="quarter" idx="12"/>
+          </p:nvPr>
+        </p:nvSpPr>
+        <p:spPr/>
+        <p:txBody>
+          <a:bodyPr/>
+          <a:lstStyle/>
+          <a:p>
+            <a:pPr>
+              <a:defRPr/>
+            </a:pPr>
+            <a:fld id="{64137B81-8888-4253-92EC-0AED2A590749}" type="slidenum">
+              <a:rPr lang="en-US" smtClean="0"/>
+              <a:pPr>
+                <a:defRPr/>
+              </a:pPr>
+              <a:t>9</a:t>
+            </a:fld>
             <a:endParaRPr lang="en-US"/>
           </a:p>
         </p:txBody>
       </p:sp>
-      <p:pic>
-        <p:nvPicPr>
-          <p:cNvPr id="35844" name="Picture 4"/>
-          <p:cNvPicPr>
-            <a:picLocks noChangeAspect="1" noChangeArrowheads="1"/>
-          </p:cNvPicPr>
-          <p:nvPr/>
-        </p:nvPicPr>
-        <p:blipFill>
-          <a:blip r:embed="rId2">
-            <a:extLst>
-              <a:ext uri="{28A0092B-C50C-407E-A947-70E740481C1C}">
-                <a14:useLocalDpi xmlns:a14="http://schemas.microsoft.com/office/drawing/2010/main" val="0"/>
-              </a:ext>
-            </a:extLst>
-          </a:blip>
-          <a:srcRect/>
-          <a:stretch>
-            <a:fillRect/>
-          </a:stretch>
-        </p:blipFill>
-        <p:spPr bwMode="auto">
-          <a:xfrm>
-            <a:off x="371475" y="-1"/>
-            <a:ext cx="8458200" cy="6828026"/>
-          </a:xfrm>
-          <a:prstGeom prst="rect">
-            <a:avLst/>
-          </a:prstGeom>
-          <a:noFill/>
-          <a:ln>
-            <a:noFill/>
-          </a:ln>
-          <a:effectLst/>
-          <a:extLst>
-            <a:ext uri="{909E8E84-426E-40DD-AFC4-6F175D3DCCD1}">
-              <a14:hiddenFill xmlns:a14="http://schemas.microsoft.com/office/drawing/2010/main">
-                <a:solidFill>
-                  <a:schemeClr val="accent1"/>
-                </a:solidFill>
-              </a14:hiddenFill>
-            </a:ext>
-            <a:ext uri="{91240B29-F687-4F45-9708-019B960494DF}">
-              <a14:hiddenLine xmlns:a14="http://schemas.microsoft.com/office/drawing/2010/main" w="9525">
-                <a:solidFill>
-                  <a:schemeClr val="tx1"/>
-                </a:solidFill>
-                <a:miter lim="800000"/>
-                <a:headEnd/>
-                <a:tailEnd/>
-              </a14:hiddenLine>
-            </a:ext>
-            <a:ext uri="{AF507438-7753-43E0-B8FC-AC1667EBCBE1}">
-              <a14:hiddenEffects xmlns:a14="http://schemas.microsoft.com/office/drawing/2010/main">
-                <a:effectLst>
-                  <a:outerShdw dist="35921" dir="2700000" algn="ctr" rotWithShape="0">
-                    <a:schemeClr val="bg2"/>
-                  </a:outerShdw>
-                </a:effectLst>
-              </a14:hiddenEffects>
-            </a:ext>
-          </a:extLst>
-        </p:spPr>
-      </p:pic>
     </p:spTree>
   </p:cSld>
   <p:clrMapOvr>

--- a/Slides/PH223_Lecture_03.pptx
+++ b/Slides/PH223_Lecture_03.pptx
@@ -158,13 +158,75 @@
 <file path=ppt/revisionInfo.xml><?xml version="1.0" encoding="utf-8"?>
 <p1510:revInfo xmlns:a="http://schemas.openxmlformats.org/drawingml/2006/main" xmlns:r="http://schemas.openxmlformats.org/officeDocument/2006/relationships" xmlns:p1510="http://schemas.microsoft.com/office/powerpoint/2015/10/main">
   <p1510:revLst>
-    <p1510:client id="{2CAF3242-9036-4521-8933-75EA6736D8A3}" v="7" dt="2023-09-12T23:57:33.205"/>
+    <p1510:client id="{F8C9D7B0-EADE-428F-AF9C-48735966AFFC}" v="2" dt="2024-01-09T22:36:14.180"/>
   </p1510:revLst>
 </p1510:revInfo>
 </file>
 
 <file path=ppt/changesInfos/changesInfo1.xml><?xml version="1.0" encoding="utf-8"?>
 <pc:chgInfo xmlns:a="http://schemas.openxmlformats.org/drawingml/2006/main" xmlns:r="http://schemas.openxmlformats.org/officeDocument/2006/relationships" xmlns:ac="http://schemas.microsoft.com/office/drawing/2013/main/command" xmlns:pc="http://schemas.microsoft.com/office/powerpoint/2013/main/command">
+  <pc:docChgLst>
+    <pc:chgData name="Lines, Todd" userId="afaf7c3a-e8aa-4568-882a-02ad8f9e19b0" providerId="ADAL" clId="{F8C9D7B0-EADE-428F-AF9C-48735966AFFC}"/>
+    <pc:docChg chg="modSld">
+      <pc:chgData name="Lines, Todd" userId="afaf7c3a-e8aa-4568-882a-02ad8f9e19b0" providerId="ADAL" clId="{F8C9D7B0-EADE-428F-AF9C-48735966AFFC}" dt="2024-01-10T00:12:09.550" v="12" actId="20577"/>
+      <pc:docMkLst>
+        <pc:docMk/>
+      </pc:docMkLst>
+      <pc:sldChg chg="modSp mod">
+        <pc:chgData name="Lines, Todd" userId="afaf7c3a-e8aa-4568-882a-02ad8f9e19b0" providerId="ADAL" clId="{F8C9D7B0-EADE-428F-AF9C-48735966AFFC}" dt="2024-01-10T00:12:09.550" v="12" actId="20577"/>
+        <pc:sldMkLst>
+          <pc:docMk/>
+          <pc:sldMk cId="0" sldId="266"/>
+        </pc:sldMkLst>
+        <pc:spChg chg="mod">
+          <ac:chgData name="Lines, Todd" userId="afaf7c3a-e8aa-4568-882a-02ad8f9e19b0" providerId="ADAL" clId="{F8C9D7B0-EADE-428F-AF9C-48735966AFFC}" dt="2024-01-10T00:12:09.550" v="12" actId="20577"/>
+          <ac:spMkLst>
+            <pc:docMk/>
+            <pc:sldMk cId="0" sldId="266"/>
+            <ac:spMk id="55301" creationId="{00000000-0000-0000-0000-000000000000}"/>
+          </ac:spMkLst>
+        </pc:spChg>
+      </pc:sldChg>
+      <pc:sldChg chg="addSp modSp mod">
+        <pc:chgData name="Lines, Todd" userId="afaf7c3a-e8aa-4568-882a-02ad8f9e19b0" providerId="ADAL" clId="{F8C9D7B0-EADE-428F-AF9C-48735966AFFC}" dt="2024-01-09T22:36:19.265" v="7" actId="20577"/>
+        <pc:sldMkLst>
+          <pc:docMk/>
+          <pc:sldMk cId="0" sldId="276"/>
+        </pc:sldMkLst>
+        <pc:spChg chg="add mod">
+          <ac:chgData name="Lines, Todd" userId="afaf7c3a-e8aa-4568-882a-02ad8f9e19b0" providerId="ADAL" clId="{F8C9D7B0-EADE-428F-AF9C-48735966AFFC}" dt="2024-01-09T22:36:11.971" v="4" actId="1076"/>
+          <ac:spMkLst>
+            <pc:docMk/>
+            <pc:sldMk cId="0" sldId="276"/>
+            <ac:spMk id="2" creationId="{F43ACA18-D3CA-4DD8-D1DC-AAF8AD2EBC52}"/>
+          </ac:spMkLst>
+        </pc:spChg>
+        <pc:spChg chg="add mod">
+          <ac:chgData name="Lines, Todd" userId="afaf7c3a-e8aa-4568-882a-02ad8f9e19b0" providerId="ADAL" clId="{F8C9D7B0-EADE-428F-AF9C-48735966AFFC}" dt="2024-01-09T22:36:19.265" v="7" actId="20577"/>
+          <ac:spMkLst>
+            <pc:docMk/>
+            <pc:sldMk cId="0" sldId="276"/>
+            <ac:spMk id="3" creationId="{7F4FE957-CC29-6AE8-0A21-95A26183AD38}"/>
+          </ac:spMkLst>
+        </pc:spChg>
+      </pc:sldChg>
+      <pc:sldChg chg="modSp mod">
+        <pc:chgData name="Lines, Todd" userId="afaf7c3a-e8aa-4568-882a-02ad8f9e19b0" providerId="ADAL" clId="{F8C9D7B0-EADE-428F-AF9C-48735966AFFC}" dt="2024-01-09T22:35:23.682" v="0" actId="20577"/>
+        <pc:sldMkLst>
+          <pc:docMk/>
+          <pc:sldMk cId="1858017139" sldId="1446"/>
+        </pc:sldMkLst>
+        <pc:spChg chg="mod">
+          <ac:chgData name="Lines, Todd" userId="afaf7c3a-e8aa-4568-882a-02ad8f9e19b0" providerId="ADAL" clId="{F8C9D7B0-EADE-428F-AF9C-48735966AFFC}" dt="2024-01-09T22:35:23.682" v="0" actId="20577"/>
+          <ac:spMkLst>
+            <pc:docMk/>
+            <pc:sldMk cId="1858017139" sldId="1446"/>
+            <ac:spMk id="3" creationId="{00000000-0000-0000-0000-000000000000}"/>
+          </ac:spMkLst>
+        </pc:spChg>
+      </pc:sldChg>
+    </pc:docChg>
+  </pc:docChgLst>
   <pc:docChgLst>
     <pc:chgData name="Lines, Todd" userId="afaf7c3a-e8aa-4568-882a-02ad8f9e19b0" providerId="ADAL" clId="{2CAF3242-9036-4521-8933-75EA6736D8A3}"/>
     <pc:docChg chg="custSel addSld modSld sldOrd">
@@ -363,7 +425,7 @@
             <a:fld id="{DA2CA0F8-BD70-4694-BD56-6665D6FFBF3C}" type="datetimeFigureOut">
               <a:rPr lang="en-US" smtClean="0"/>
               <a:pPr/>
-              <a:t>9/12/2023</a:t>
+              <a:t>1/9/2024</a:t>
             </a:fld>
             <a:endParaRPr lang="en-US"/>
           </a:p>
@@ -813,7 +875,7 @@
             <a:fld id="{81363FC6-F0D5-4376-9B97-08D3CD3871A3}" type="datetimeFigureOut">
               <a:rPr lang="en-US" smtClean="0"/>
               <a:pPr/>
-              <a:t>9/12/2023</a:t>
+              <a:t>1/9/2024</a:t>
             </a:fld>
             <a:endParaRPr lang="en-US"/>
           </a:p>
@@ -978,7 +1040,7 @@
             <a:fld id="{81363FC6-F0D5-4376-9B97-08D3CD3871A3}" type="datetimeFigureOut">
               <a:rPr lang="en-US" smtClean="0"/>
               <a:pPr/>
-              <a:t>9/12/2023</a:t>
+              <a:t>1/9/2024</a:t>
             </a:fld>
             <a:endParaRPr lang="en-US"/>
           </a:p>
@@ -1153,7 +1215,7 @@
             <a:fld id="{81363FC6-F0D5-4376-9B97-08D3CD3871A3}" type="datetimeFigureOut">
               <a:rPr lang="en-US" smtClean="0"/>
               <a:pPr/>
-              <a:t>9/12/2023</a:t>
+              <a:t>1/9/2024</a:t>
             </a:fld>
             <a:endParaRPr lang="en-US"/>
           </a:p>
@@ -1542,7 +1604,7 @@
             <a:fld id="{81363FC6-F0D5-4376-9B97-08D3CD3871A3}" type="datetimeFigureOut">
               <a:rPr lang="en-US" smtClean="0"/>
               <a:pPr/>
-              <a:t>9/12/2023</a:t>
+              <a:t>1/9/2024</a:t>
             </a:fld>
             <a:endParaRPr lang="en-US"/>
           </a:p>
@@ -1784,7 +1846,7 @@
             <a:fld id="{81363FC6-F0D5-4376-9B97-08D3CD3871A3}" type="datetimeFigureOut">
               <a:rPr lang="en-US" smtClean="0"/>
               <a:pPr/>
-              <a:t>9/12/2023</a:t>
+              <a:t>1/9/2024</a:t>
             </a:fld>
             <a:endParaRPr lang="en-US"/>
           </a:p>
@@ -2066,7 +2128,7 @@
             <a:fld id="{81363FC6-F0D5-4376-9B97-08D3CD3871A3}" type="datetimeFigureOut">
               <a:rPr lang="en-US" smtClean="0"/>
               <a:pPr/>
-              <a:t>9/12/2023</a:t>
+              <a:t>1/9/2024</a:t>
             </a:fld>
             <a:endParaRPr lang="en-US"/>
           </a:p>
@@ -2482,7 +2544,7 @@
             <a:fld id="{81363FC6-F0D5-4376-9B97-08D3CD3871A3}" type="datetimeFigureOut">
               <a:rPr lang="en-US" smtClean="0"/>
               <a:pPr/>
-              <a:t>9/12/2023</a:t>
+              <a:t>1/9/2024</a:t>
             </a:fld>
             <a:endParaRPr lang="en-US"/>
           </a:p>
@@ -2596,7 +2658,7 @@
             <a:fld id="{81363FC6-F0D5-4376-9B97-08D3CD3871A3}" type="datetimeFigureOut">
               <a:rPr lang="en-US" smtClean="0"/>
               <a:pPr/>
-              <a:t>9/12/2023</a:t>
+              <a:t>1/9/2024</a:t>
             </a:fld>
             <a:endParaRPr lang="en-US"/>
           </a:p>
@@ -2688,7 +2750,7 @@
             <a:fld id="{81363FC6-F0D5-4376-9B97-08D3CD3871A3}" type="datetimeFigureOut">
               <a:rPr lang="en-US" smtClean="0"/>
               <a:pPr/>
-              <a:t>9/12/2023</a:t>
+              <a:t>1/9/2024</a:t>
             </a:fld>
             <a:endParaRPr lang="en-US"/>
           </a:p>
@@ -2960,7 +3022,7 @@
             <a:fld id="{81363FC6-F0D5-4376-9B97-08D3CD3871A3}" type="datetimeFigureOut">
               <a:rPr lang="en-US" smtClean="0"/>
               <a:pPr/>
-              <a:t>9/12/2023</a:t>
+              <a:t>1/9/2024</a:t>
             </a:fld>
             <a:endParaRPr lang="en-US"/>
           </a:p>
@@ -3209,7 +3271,7 @@
             <a:fld id="{81363FC6-F0D5-4376-9B97-08D3CD3871A3}" type="datetimeFigureOut">
               <a:rPr lang="en-US" smtClean="0"/>
               <a:pPr/>
-              <a:t>9/12/2023</a:t>
+              <a:t>1/9/2024</a:t>
             </a:fld>
             <a:endParaRPr lang="en-US"/>
           </a:p>
@@ -3417,7 +3479,7 @@
             <a:fld id="{81363FC6-F0D5-4376-9B97-08D3CD3871A3}" type="datetimeFigureOut">
               <a:rPr lang="en-US" smtClean="0"/>
               <a:pPr/>
-              <a:t>9/12/2023</a:t>
+              <a:t>1/9/2024</a:t>
             </a:fld>
             <a:endParaRPr lang="en-US"/>
           </a:p>
@@ -7317,8 +7379,8 @@
           <a:p>
             <a:pPr eaLnBrk="1" hangingPunct="1"/>
             <a:r>
-              <a:rPr lang="en-US"/>
-              <a:t>16.3 Speed of Waves on Strings</a:t>
+              <a:rPr lang="en-US" dirty="0"/>
+              <a:t>Speed of Waves on Strings</a:t>
             </a:r>
           </a:p>
         </p:txBody>
@@ -18680,7 +18742,7 @@
             </a:pPr>
             <a:r>
               <a:rPr lang="en-US" dirty="0"/>
-              <a:t>The maximum displacement of one air molecule from it’s equilibrium point</a:t>
+              <a:t>The maximum displacement of one air molecule from its equilibrium point</a:t>
             </a:r>
           </a:p>
           <a:p>
@@ -19207,6 +19269,80 @@
           <a:effectLst/>
         </p:spPr>
       </p:pic>
+      <p:sp>
+        <p:nvSpPr>
+          <p:cNvPr id="2" name="TextBox 1">
+            <a:extLst>
+              <a:ext uri="{FF2B5EF4-FFF2-40B4-BE49-F238E27FC236}">
+                <a16:creationId xmlns:a16="http://schemas.microsoft.com/office/drawing/2014/main" id="{F43ACA18-D3CA-4DD8-D1DC-AAF8AD2EBC52}"/>
+              </a:ext>
+            </a:extLst>
+          </p:cNvPr>
+          <p:cNvSpPr txBox="1"/>
+          <p:nvPr/>
+        </p:nvSpPr>
+        <p:spPr>
+          <a:xfrm>
+            <a:off x="6014302" y="2262433"/>
+            <a:ext cx="284052" cy="369332"/>
+          </a:xfrm>
+          <a:prstGeom prst="rect">
+            <a:avLst/>
+          </a:prstGeom>
+          <a:solidFill>
+            <a:schemeClr val="bg1"/>
+          </a:solidFill>
+        </p:spPr>
+        <p:txBody>
+          <a:bodyPr wrap="none" rtlCol="0">
+            <a:spAutoFit/>
+          </a:bodyPr>
+          <a:lstStyle/>
+          <a:p>
+            <a:r>
+              <a:rPr lang="en-US" dirty="0"/>
+              <a:t>x</a:t>
+            </a:r>
+          </a:p>
+        </p:txBody>
+      </p:sp>
+      <p:sp>
+        <p:nvSpPr>
+          <p:cNvPr id="3" name="TextBox 2">
+            <a:extLst>
+              <a:ext uri="{FF2B5EF4-FFF2-40B4-BE49-F238E27FC236}">
+                <a16:creationId xmlns:a16="http://schemas.microsoft.com/office/drawing/2014/main" id="{7F4FE957-CC29-6AE8-0A21-95A26183AD38}"/>
+              </a:ext>
+            </a:extLst>
+          </p:cNvPr>
+          <p:cNvSpPr txBox="1"/>
+          <p:nvPr/>
+        </p:nvSpPr>
+        <p:spPr>
+          <a:xfrm>
+            <a:off x="6093953" y="5337143"/>
+            <a:ext cx="261610" cy="369332"/>
+          </a:xfrm>
+          <a:prstGeom prst="rect">
+            <a:avLst/>
+          </a:prstGeom>
+          <a:solidFill>
+            <a:schemeClr val="bg1"/>
+          </a:solidFill>
+        </p:spPr>
+        <p:txBody>
+          <a:bodyPr wrap="none" rtlCol="0">
+            <a:spAutoFit/>
+          </a:bodyPr>
+          <a:lstStyle/>
+          <a:p>
+            <a:r>
+              <a:rPr lang="en-US" dirty="0"/>
+              <a:t>t</a:t>
+            </a:r>
+          </a:p>
+        </p:txBody>
+      </p:sp>
     </p:spTree>
   </p:cSld>
   <p:clrMapOvr>
